--- a/2018/2학기/인터넷윤리와 보안개론/N반/6조.pptx
+++ b/2018/2학기/인터넷윤리와 보안개론/N반/6조.pptx
@@ -13,10 +13,11 @@
     <p:sldId id="449" r:id="rId7"/>
     <p:sldId id="457" r:id="rId8"/>
     <p:sldId id="451" r:id="rId9"/>
-    <p:sldId id="452" r:id="rId10"/>
-    <p:sldId id="453" r:id="rId11"/>
-    <p:sldId id="450" r:id="rId12"/>
-    <p:sldId id="458" r:id="rId13"/>
+    <p:sldId id="459" r:id="rId10"/>
+    <p:sldId id="452" r:id="rId11"/>
+    <p:sldId id="453" r:id="rId12"/>
+    <p:sldId id="450" r:id="rId13"/>
+    <p:sldId id="458" r:id="rId14"/>
   </p:sldIdLst>
   <p:sldSz cx="12192000" cy="6858000"/>
   <p:notesSz cx="6858000" cy="9144000"/>
@@ -270,7 +271,7 @@
           <a:p>
             <a:fld id="{857B4B75-74A1-43B2-A9DE-A08DA30EE44E}" type="datetimeFigureOut">
               <a:rPr lang="ko-KR" altLang="en-US" smtClean="0"/>
-              <a:t>2018-11-29</a:t>
+              <a:t>2018-12-03</a:t>
             </a:fld>
             <a:endParaRPr lang="ko-KR" altLang="en-US"/>
           </a:p>
@@ -468,7 +469,7 @@
           <a:p>
             <a:fld id="{857B4B75-74A1-43B2-A9DE-A08DA30EE44E}" type="datetimeFigureOut">
               <a:rPr lang="ko-KR" altLang="en-US" smtClean="0"/>
-              <a:t>2018-11-29</a:t>
+              <a:t>2018-12-03</a:t>
             </a:fld>
             <a:endParaRPr lang="ko-KR" altLang="en-US"/>
           </a:p>
@@ -676,7 +677,7 @@
           <a:p>
             <a:fld id="{857B4B75-74A1-43B2-A9DE-A08DA30EE44E}" type="datetimeFigureOut">
               <a:rPr lang="ko-KR" altLang="en-US" smtClean="0"/>
-              <a:t>2018-11-29</a:t>
+              <a:t>2018-12-03</a:t>
             </a:fld>
             <a:endParaRPr lang="ko-KR" altLang="en-US"/>
           </a:p>
@@ -874,7 +875,7 @@
           <a:p>
             <a:fld id="{857B4B75-74A1-43B2-A9DE-A08DA30EE44E}" type="datetimeFigureOut">
               <a:rPr lang="ko-KR" altLang="en-US" smtClean="0"/>
-              <a:t>2018-11-29</a:t>
+              <a:t>2018-12-03</a:t>
             </a:fld>
             <a:endParaRPr lang="ko-KR" altLang="en-US"/>
           </a:p>
@@ -1149,7 +1150,7 @@
           <a:p>
             <a:fld id="{857B4B75-74A1-43B2-A9DE-A08DA30EE44E}" type="datetimeFigureOut">
               <a:rPr lang="ko-KR" altLang="en-US" smtClean="0"/>
-              <a:t>2018-11-29</a:t>
+              <a:t>2018-12-03</a:t>
             </a:fld>
             <a:endParaRPr lang="ko-KR" altLang="en-US"/>
           </a:p>
@@ -1414,7 +1415,7 @@
           <a:p>
             <a:fld id="{857B4B75-74A1-43B2-A9DE-A08DA30EE44E}" type="datetimeFigureOut">
               <a:rPr lang="ko-KR" altLang="en-US" smtClean="0"/>
-              <a:t>2018-11-29</a:t>
+              <a:t>2018-12-03</a:t>
             </a:fld>
             <a:endParaRPr lang="ko-KR" altLang="en-US"/>
           </a:p>
@@ -1826,7 +1827,7 @@
           <a:p>
             <a:fld id="{857B4B75-74A1-43B2-A9DE-A08DA30EE44E}" type="datetimeFigureOut">
               <a:rPr lang="ko-KR" altLang="en-US" smtClean="0"/>
-              <a:t>2018-11-29</a:t>
+              <a:t>2018-12-03</a:t>
             </a:fld>
             <a:endParaRPr lang="ko-KR" altLang="en-US"/>
           </a:p>
@@ -1967,7 +1968,7 @@
           <a:p>
             <a:fld id="{857B4B75-74A1-43B2-A9DE-A08DA30EE44E}" type="datetimeFigureOut">
               <a:rPr lang="ko-KR" altLang="en-US" smtClean="0"/>
-              <a:t>2018-11-29</a:t>
+              <a:t>2018-12-03</a:t>
             </a:fld>
             <a:endParaRPr lang="ko-KR" altLang="en-US"/>
           </a:p>
@@ -2080,7 +2081,7 @@
           <a:p>
             <a:fld id="{857B4B75-74A1-43B2-A9DE-A08DA30EE44E}" type="datetimeFigureOut">
               <a:rPr lang="ko-KR" altLang="en-US" smtClean="0"/>
-              <a:t>2018-11-29</a:t>
+              <a:t>2018-12-03</a:t>
             </a:fld>
             <a:endParaRPr lang="ko-KR" altLang="en-US"/>
           </a:p>
@@ -2391,7 +2392,7 @@
           <a:p>
             <a:fld id="{857B4B75-74A1-43B2-A9DE-A08DA30EE44E}" type="datetimeFigureOut">
               <a:rPr lang="ko-KR" altLang="en-US" smtClean="0"/>
-              <a:t>2018-11-29</a:t>
+              <a:t>2018-12-03</a:t>
             </a:fld>
             <a:endParaRPr lang="ko-KR" altLang="en-US"/>
           </a:p>
@@ -2679,7 +2680,7 @@
           <a:p>
             <a:fld id="{857B4B75-74A1-43B2-A9DE-A08DA30EE44E}" type="datetimeFigureOut">
               <a:rPr lang="ko-KR" altLang="en-US" smtClean="0"/>
-              <a:t>2018-11-29</a:t>
+              <a:t>2018-12-03</a:t>
             </a:fld>
             <a:endParaRPr lang="ko-KR" altLang="en-US"/>
           </a:p>
@@ -2920,7 +2921,7 @@
           <a:p>
             <a:fld id="{857B4B75-74A1-43B2-A9DE-A08DA30EE44E}" type="datetimeFigureOut">
               <a:rPr lang="ko-KR" altLang="en-US" smtClean="0"/>
-              <a:t>2018-11-29</a:t>
+              <a:t>2018-12-03</a:t>
             </a:fld>
             <a:endParaRPr lang="ko-KR" altLang="en-US"/>
           </a:p>
@@ -6772,6 +6773,5226 @@
           <a:lstStyle/>
           <a:p>
             <a:pPr algn="ctr"/>
+            <a:endParaRPr lang="ko-KR" altLang="en-US" dirty="0"/>
+          </a:p>
+        </p:txBody>
+      </p:sp>
+      <p:sp>
+        <p:nvSpPr>
+          <p:cNvPr id="33" name="직사각형 32"/>
+          <p:cNvSpPr/>
+          <p:nvPr/>
+        </p:nvSpPr>
+        <p:spPr>
+          <a:xfrm>
+            <a:off x="342900" y="6117624"/>
+            <a:ext cx="11563350" cy="180000"/>
+          </a:xfrm>
+          <a:prstGeom prst="rect">
+            <a:avLst/>
+          </a:prstGeom>
+          <a:solidFill>
+            <a:srgbClr val="E0D8C3"/>
+          </a:solidFill>
+          <a:ln>
+            <a:noFill/>
+          </a:ln>
+        </p:spPr>
+        <p:style>
+          <a:lnRef idx="2">
+            <a:schemeClr val="accent1">
+              <a:shade val="50000"/>
+            </a:schemeClr>
+          </a:lnRef>
+          <a:fillRef idx="1">
+            <a:schemeClr val="accent1"/>
+          </a:fillRef>
+          <a:effectRef idx="0">
+            <a:schemeClr val="accent1"/>
+          </a:effectRef>
+          <a:fontRef idx="minor">
+            <a:schemeClr val="lt1"/>
+          </a:fontRef>
+        </p:style>
+        <p:txBody>
+          <a:bodyPr rtlCol="0" anchor="ctr"/>
+          <a:lstStyle/>
+          <a:p>
+            <a:pPr algn="ctr"/>
+            <a:endParaRPr lang="ko-KR" altLang="en-US"/>
+          </a:p>
+        </p:txBody>
+      </p:sp>
+      <p:sp>
+        <p:nvSpPr>
+          <p:cNvPr id="35" name="직사각형 34"/>
+          <p:cNvSpPr/>
+          <p:nvPr/>
+        </p:nvSpPr>
+        <p:spPr>
+          <a:xfrm>
+            <a:off x="11630025" y="6270024"/>
+            <a:ext cx="276225" cy="587976"/>
+          </a:xfrm>
+          <a:prstGeom prst="rect">
+            <a:avLst/>
+          </a:prstGeom>
+          <a:solidFill>
+            <a:srgbClr val="E0D8C3"/>
+          </a:solidFill>
+          <a:ln>
+            <a:noFill/>
+          </a:ln>
+        </p:spPr>
+        <p:style>
+          <a:lnRef idx="2">
+            <a:schemeClr val="accent1">
+              <a:shade val="50000"/>
+            </a:schemeClr>
+          </a:lnRef>
+          <a:fillRef idx="1">
+            <a:schemeClr val="accent1"/>
+          </a:fillRef>
+          <a:effectRef idx="0">
+            <a:schemeClr val="accent1"/>
+          </a:effectRef>
+          <a:fontRef idx="minor">
+            <a:schemeClr val="lt1"/>
+          </a:fontRef>
+        </p:style>
+        <p:txBody>
+          <a:bodyPr rtlCol="0" anchor="ctr"/>
+          <a:lstStyle/>
+          <a:p>
+            <a:pPr algn="ctr"/>
+            <a:endParaRPr lang="ko-KR" altLang="en-US"/>
+          </a:p>
+        </p:txBody>
+      </p:sp>
+      <p:sp>
+        <p:nvSpPr>
+          <p:cNvPr id="36" name="직사각형 35"/>
+          <p:cNvSpPr/>
+          <p:nvPr/>
+        </p:nvSpPr>
+        <p:spPr>
+          <a:xfrm>
+            <a:off x="342900" y="6270024"/>
+            <a:ext cx="276225" cy="587976"/>
+          </a:xfrm>
+          <a:prstGeom prst="rect">
+            <a:avLst/>
+          </a:prstGeom>
+          <a:solidFill>
+            <a:srgbClr val="E0D8C3"/>
+          </a:solidFill>
+          <a:ln>
+            <a:noFill/>
+          </a:ln>
+        </p:spPr>
+        <p:style>
+          <a:lnRef idx="2">
+            <a:schemeClr val="accent1">
+              <a:shade val="50000"/>
+            </a:schemeClr>
+          </a:lnRef>
+          <a:fillRef idx="1">
+            <a:schemeClr val="accent1"/>
+          </a:fillRef>
+          <a:effectRef idx="0">
+            <a:schemeClr val="accent1"/>
+          </a:effectRef>
+          <a:fontRef idx="minor">
+            <a:schemeClr val="lt1"/>
+          </a:fontRef>
+        </p:style>
+        <p:txBody>
+          <a:bodyPr rtlCol="0" anchor="ctr"/>
+          <a:lstStyle/>
+          <a:p>
+            <a:pPr algn="ctr"/>
+            <a:endParaRPr lang="ko-KR" altLang="en-US"/>
+          </a:p>
+        </p:txBody>
+      </p:sp>
+      <p:grpSp>
+        <p:nvGrpSpPr>
+          <p:cNvPr id="38" name="그룹 37"/>
+          <p:cNvGrpSpPr/>
+          <p:nvPr/>
+        </p:nvGrpSpPr>
+        <p:grpSpPr>
+          <a:xfrm>
+            <a:off x="619125" y="5809724"/>
+            <a:ext cx="1401926" cy="307900"/>
+            <a:chOff x="1838576" y="4963427"/>
+            <a:chExt cx="2038350" cy="447675"/>
+          </a:xfrm>
+        </p:grpSpPr>
+        <p:sp>
+          <p:nvSpPr>
+            <p:cNvPr id="21" name="Freeform 18"/>
+            <p:cNvSpPr>
+              <a:spLocks/>
+            </p:cNvSpPr>
+            <p:nvPr/>
+          </p:nvSpPr>
+          <p:spPr bwMode="auto">
+            <a:xfrm>
+              <a:off x="1838576" y="4963427"/>
+              <a:ext cx="2038350" cy="447675"/>
+            </a:xfrm>
+            <a:custGeom>
+              <a:avLst/>
+              <a:gdLst>
+                <a:gd name="T0" fmla="*/ 403 w 3850"/>
+                <a:gd name="T1" fmla="*/ 0 h 845"/>
+                <a:gd name="T2" fmla="*/ 3850 w 3850"/>
+                <a:gd name="T3" fmla="*/ 0 h 845"/>
+                <a:gd name="T4" fmla="*/ 3850 w 3850"/>
+                <a:gd name="T5" fmla="*/ 115 h 845"/>
+                <a:gd name="T6" fmla="*/ 3821 w 3850"/>
+                <a:gd name="T7" fmla="*/ 155 h 845"/>
+                <a:gd name="T8" fmla="*/ 3777 w 3850"/>
+                <a:gd name="T9" fmla="*/ 235 h 845"/>
+                <a:gd name="T10" fmla="*/ 3749 w 3850"/>
+                <a:gd name="T11" fmla="*/ 315 h 845"/>
+                <a:gd name="T12" fmla="*/ 3738 w 3850"/>
+                <a:gd name="T13" fmla="*/ 396 h 845"/>
+                <a:gd name="T14" fmla="*/ 3741 w 3850"/>
+                <a:gd name="T15" fmla="*/ 475 h 845"/>
+                <a:gd name="T16" fmla="*/ 3756 w 3850"/>
+                <a:gd name="T17" fmla="*/ 551 h 845"/>
+                <a:gd name="T18" fmla="*/ 3785 w 3850"/>
+                <a:gd name="T19" fmla="*/ 625 h 845"/>
+                <a:gd name="T20" fmla="*/ 3826 w 3850"/>
+                <a:gd name="T21" fmla="*/ 695 h 845"/>
+                <a:gd name="T22" fmla="*/ 3850 w 3850"/>
+                <a:gd name="T23" fmla="*/ 728 h 845"/>
+                <a:gd name="T24" fmla="*/ 3850 w 3850"/>
+                <a:gd name="T25" fmla="*/ 845 h 845"/>
+                <a:gd name="T26" fmla="*/ 403 w 3850"/>
+                <a:gd name="T27" fmla="*/ 845 h 845"/>
+                <a:gd name="T28" fmla="*/ 353 w 3850"/>
+                <a:gd name="T29" fmla="*/ 844 h 845"/>
+                <a:gd name="T30" fmla="*/ 265 w 3850"/>
+                <a:gd name="T31" fmla="*/ 825 h 845"/>
+                <a:gd name="T32" fmla="*/ 189 w 3850"/>
+                <a:gd name="T33" fmla="*/ 790 h 845"/>
+                <a:gd name="T34" fmla="*/ 127 w 3850"/>
+                <a:gd name="T35" fmla="*/ 741 h 845"/>
+                <a:gd name="T36" fmla="*/ 75 w 3850"/>
+                <a:gd name="T37" fmla="*/ 682 h 845"/>
+                <a:gd name="T38" fmla="*/ 37 w 3850"/>
+                <a:gd name="T39" fmla="*/ 613 h 845"/>
+                <a:gd name="T40" fmla="*/ 13 w 3850"/>
+                <a:gd name="T41" fmla="*/ 540 h 845"/>
+                <a:gd name="T42" fmla="*/ 0 w 3850"/>
+                <a:gd name="T43" fmla="*/ 462 h 845"/>
+                <a:gd name="T44" fmla="*/ 0 w 3850"/>
+                <a:gd name="T45" fmla="*/ 383 h 845"/>
+                <a:gd name="T46" fmla="*/ 13 w 3850"/>
+                <a:gd name="T47" fmla="*/ 304 h 845"/>
+                <a:gd name="T48" fmla="*/ 37 w 3850"/>
+                <a:gd name="T49" fmla="*/ 230 h 845"/>
+                <a:gd name="T50" fmla="*/ 75 w 3850"/>
+                <a:gd name="T51" fmla="*/ 161 h 845"/>
+                <a:gd name="T52" fmla="*/ 127 w 3850"/>
+                <a:gd name="T53" fmla="*/ 102 h 845"/>
+                <a:gd name="T54" fmla="*/ 189 w 3850"/>
+                <a:gd name="T55" fmla="*/ 55 h 845"/>
+                <a:gd name="T56" fmla="*/ 265 w 3850"/>
+                <a:gd name="T57" fmla="*/ 20 h 845"/>
+                <a:gd name="T58" fmla="*/ 353 w 3850"/>
+                <a:gd name="T59" fmla="*/ 1 h 845"/>
+                <a:gd name="T60" fmla="*/ 403 w 3850"/>
+                <a:gd name="T61" fmla="*/ 0 h 845"/>
+              </a:gdLst>
+              <a:ahLst/>
+              <a:cxnLst>
+                <a:cxn ang="0">
+                  <a:pos x="T0" y="T1"/>
+                </a:cxn>
+                <a:cxn ang="0">
+                  <a:pos x="T2" y="T3"/>
+                </a:cxn>
+                <a:cxn ang="0">
+                  <a:pos x="T4" y="T5"/>
+                </a:cxn>
+                <a:cxn ang="0">
+                  <a:pos x="T6" y="T7"/>
+                </a:cxn>
+                <a:cxn ang="0">
+                  <a:pos x="T8" y="T9"/>
+                </a:cxn>
+                <a:cxn ang="0">
+                  <a:pos x="T10" y="T11"/>
+                </a:cxn>
+                <a:cxn ang="0">
+                  <a:pos x="T12" y="T13"/>
+                </a:cxn>
+                <a:cxn ang="0">
+                  <a:pos x="T14" y="T15"/>
+                </a:cxn>
+                <a:cxn ang="0">
+                  <a:pos x="T16" y="T17"/>
+                </a:cxn>
+                <a:cxn ang="0">
+                  <a:pos x="T18" y="T19"/>
+                </a:cxn>
+                <a:cxn ang="0">
+                  <a:pos x="T20" y="T21"/>
+                </a:cxn>
+                <a:cxn ang="0">
+                  <a:pos x="T22" y="T23"/>
+                </a:cxn>
+                <a:cxn ang="0">
+                  <a:pos x="T24" y="T25"/>
+                </a:cxn>
+                <a:cxn ang="0">
+                  <a:pos x="T26" y="T27"/>
+                </a:cxn>
+                <a:cxn ang="0">
+                  <a:pos x="T28" y="T29"/>
+                </a:cxn>
+                <a:cxn ang="0">
+                  <a:pos x="T30" y="T31"/>
+                </a:cxn>
+                <a:cxn ang="0">
+                  <a:pos x="T32" y="T33"/>
+                </a:cxn>
+                <a:cxn ang="0">
+                  <a:pos x="T34" y="T35"/>
+                </a:cxn>
+                <a:cxn ang="0">
+                  <a:pos x="T36" y="T37"/>
+                </a:cxn>
+                <a:cxn ang="0">
+                  <a:pos x="T38" y="T39"/>
+                </a:cxn>
+                <a:cxn ang="0">
+                  <a:pos x="T40" y="T41"/>
+                </a:cxn>
+                <a:cxn ang="0">
+                  <a:pos x="T42" y="T43"/>
+                </a:cxn>
+                <a:cxn ang="0">
+                  <a:pos x="T44" y="T45"/>
+                </a:cxn>
+                <a:cxn ang="0">
+                  <a:pos x="T46" y="T47"/>
+                </a:cxn>
+                <a:cxn ang="0">
+                  <a:pos x="T48" y="T49"/>
+                </a:cxn>
+                <a:cxn ang="0">
+                  <a:pos x="T50" y="T51"/>
+                </a:cxn>
+                <a:cxn ang="0">
+                  <a:pos x="T52" y="T53"/>
+                </a:cxn>
+                <a:cxn ang="0">
+                  <a:pos x="T54" y="T55"/>
+                </a:cxn>
+                <a:cxn ang="0">
+                  <a:pos x="T56" y="T57"/>
+                </a:cxn>
+                <a:cxn ang="0">
+                  <a:pos x="T58" y="T59"/>
+                </a:cxn>
+                <a:cxn ang="0">
+                  <a:pos x="T60" y="T61"/>
+                </a:cxn>
+              </a:cxnLst>
+              <a:rect l="0" t="0" r="r" b="b"/>
+              <a:pathLst>
+                <a:path w="3850" h="845">
+                  <a:moveTo>
+                    <a:pt x="403" y="0"/>
+                  </a:moveTo>
+                  <a:lnTo>
+                    <a:pt x="3850" y="0"/>
+                  </a:lnTo>
+                  <a:lnTo>
+                    <a:pt x="3850" y="115"/>
+                  </a:lnTo>
+                  <a:lnTo>
+                    <a:pt x="3821" y="155"/>
+                  </a:lnTo>
+                  <a:lnTo>
+                    <a:pt x="3777" y="235"/>
+                  </a:lnTo>
+                  <a:lnTo>
+                    <a:pt x="3749" y="315"/>
+                  </a:lnTo>
+                  <a:lnTo>
+                    <a:pt x="3738" y="396"/>
+                  </a:lnTo>
+                  <a:lnTo>
+                    <a:pt x="3741" y="475"/>
+                  </a:lnTo>
+                  <a:lnTo>
+                    <a:pt x="3756" y="551"/>
+                  </a:lnTo>
+                  <a:lnTo>
+                    <a:pt x="3785" y="625"/>
+                  </a:lnTo>
+                  <a:lnTo>
+                    <a:pt x="3826" y="695"/>
+                  </a:lnTo>
+                  <a:lnTo>
+                    <a:pt x="3850" y="728"/>
+                  </a:lnTo>
+                  <a:lnTo>
+                    <a:pt x="3850" y="845"/>
+                  </a:lnTo>
+                  <a:lnTo>
+                    <a:pt x="403" y="845"/>
+                  </a:lnTo>
+                  <a:lnTo>
+                    <a:pt x="353" y="844"/>
+                  </a:lnTo>
+                  <a:lnTo>
+                    <a:pt x="265" y="825"/>
+                  </a:lnTo>
+                  <a:lnTo>
+                    <a:pt x="189" y="790"/>
+                  </a:lnTo>
+                  <a:lnTo>
+                    <a:pt x="127" y="741"/>
+                  </a:lnTo>
+                  <a:lnTo>
+                    <a:pt x="75" y="682"/>
+                  </a:lnTo>
+                  <a:lnTo>
+                    <a:pt x="37" y="613"/>
+                  </a:lnTo>
+                  <a:lnTo>
+                    <a:pt x="13" y="540"/>
+                  </a:lnTo>
+                  <a:lnTo>
+                    <a:pt x="0" y="462"/>
+                  </a:lnTo>
+                  <a:lnTo>
+                    <a:pt x="0" y="383"/>
+                  </a:lnTo>
+                  <a:lnTo>
+                    <a:pt x="13" y="304"/>
+                  </a:lnTo>
+                  <a:lnTo>
+                    <a:pt x="37" y="230"/>
+                  </a:lnTo>
+                  <a:lnTo>
+                    <a:pt x="75" y="161"/>
+                  </a:lnTo>
+                  <a:lnTo>
+                    <a:pt x="127" y="102"/>
+                  </a:lnTo>
+                  <a:lnTo>
+                    <a:pt x="189" y="55"/>
+                  </a:lnTo>
+                  <a:lnTo>
+                    <a:pt x="265" y="20"/>
+                  </a:lnTo>
+                  <a:lnTo>
+                    <a:pt x="353" y="1"/>
+                  </a:lnTo>
+                  <a:lnTo>
+                    <a:pt x="403" y="0"/>
+                  </a:lnTo>
+                  <a:close/>
+                </a:path>
+              </a:pathLst>
+            </a:custGeom>
+            <a:solidFill>
+              <a:srgbClr val="8C8896"/>
+            </a:solidFill>
+            <a:ln>
+              <a:noFill/>
+            </a:ln>
+            <a:extLst>
+              <a:ext uri="{91240B29-F687-4F45-9708-019B960494DF}">
+                <a14:hiddenLine xmlns:a14="http://schemas.microsoft.com/office/drawing/2010/main" w="9525">
+                  <a:solidFill>
+                    <a:srgbClr val="000000"/>
+                  </a:solidFill>
+                  <a:round/>
+                  <a:headEnd/>
+                  <a:tailEnd/>
+                </a14:hiddenLine>
+              </a:ext>
+            </a:extLst>
+          </p:spPr>
+          <p:txBody>
+            <a:bodyPr vert="horz" wrap="square" lIns="91440" tIns="45720" rIns="91440" bIns="45720" numCol="1" anchor="t" anchorCtr="0" compatLnSpc="1">
+              <a:prstTxWarp prst="textNoShape">
+                <a:avLst/>
+              </a:prstTxWarp>
+            </a:bodyPr>
+            <a:lstStyle/>
+            <a:p>
+              <a:endParaRPr lang="ko-KR" altLang="en-US"/>
+            </a:p>
+          </p:txBody>
+        </p:sp>
+        <p:sp>
+          <p:nvSpPr>
+            <p:cNvPr id="22" name="Freeform 19"/>
+            <p:cNvSpPr>
+              <a:spLocks/>
+            </p:cNvSpPr>
+            <p:nvPr/>
+          </p:nvSpPr>
+          <p:spPr bwMode="auto">
+            <a:xfrm>
+              <a:off x="1895726" y="5026927"/>
+              <a:ext cx="1981200" cy="325438"/>
+            </a:xfrm>
+            <a:custGeom>
+              <a:avLst/>
+              <a:gdLst>
+                <a:gd name="T0" fmla="*/ 3742 w 3742"/>
+                <a:gd name="T1" fmla="*/ 613 h 613"/>
+                <a:gd name="T2" fmla="*/ 3718 w 3742"/>
+                <a:gd name="T3" fmla="*/ 575 h 613"/>
+                <a:gd name="T4" fmla="*/ 3677 w 3742"/>
+                <a:gd name="T5" fmla="*/ 498 h 613"/>
+                <a:gd name="T6" fmla="*/ 3650 w 3742"/>
+                <a:gd name="T7" fmla="*/ 422 h 613"/>
+                <a:gd name="T8" fmla="*/ 3636 w 3742"/>
+                <a:gd name="T9" fmla="*/ 346 h 613"/>
+                <a:gd name="T10" fmla="*/ 3634 w 3742"/>
+                <a:gd name="T11" fmla="*/ 269 h 613"/>
+                <a:gd name="T12" fmla="*/ 3647 w 3742"/>
+                <a:gd name="T13" fmla="*/ 192 h 613"/>
+                <a:gd name="T14" fmla="*/ 3674 w 3742"/>
+                <a:gd name="T15" fmla="*/ 115 h 613"/>
+                <a:gd name="T16" fmla="*/ 3715 w 3742"/>
+                <a:gd name="T17" fmla="*/ 39 h 613"/>
+                <a:gd name="T18" fmla="*/ 3742 w 3742"/>
+                <a:gd name="T19" fmla="*/ 0 h 613"/>
+                <a:gd name="T20" fmla="*/ 295 w 3742"/>
+                <a:gd name="T21" fmla="*/ 0 h 613"/>
+                <a:gd name="T22" fmla="*/ 265 w 3742"/>
+                <a:gd name="T23" fmla="*/ 2 h 613"/>
+                <a:gd name="T24" fmla="*/ 207 w 3742"/>
+                <a:gd name="T25" fmla="*/ 15 h 613"/>
+                <a:gd name="T26" fmla="*/ 154 w 3742"/>
+                <a:gd name="T27" fmla="*/ 38 h 613"/>
+                <a:gd name="T28" fmla="*/ 106 w 3742"/>
+                <a:gd name="T29" fmla="*/ 71 h 613"/>
+                <a:gd name="T30" fmla="*/ 66 w 3742"/>
+                <a:gd name="T31" fmla="*/ 112 h 613"/>
+                <a:gd name="T32" fmla="*/ 34 w 3742"/>
+                <a:gd name="T33" fmla="*/ 161 h 613"/>
+                <a:gd name="T34" fmla="*/ 13 w 3742"/>
+                <a:gd name="T35" fmla="*/ 216 h 613"/>
+                <a:gd name="T36" fmla="*/ 0 w 3742"/>
+                <a:gd name="T37" fmla="*/ 275 h 613"/>
+                <a:gd name="T38" fmla="*/ 0 w 3742"/>
+                <a:gd name="T39" fmla="*/ 307 h 613"/>
+                <a:gd name="T40" fmla="*/ 0 w 3742"/>
+                <a:gd name="T41" fmla="*/ 338 h 613"/>
+                <a:gd name="T42" fmla="*/ 13 w 3742"/>
+                <a:gd name="T43" fmla="*/ 398 h 613"/>
+                <a:gd name="T44" fmla="*/ 34 w 3742"/>
+                <a:gd name="T45" fmla="*/ 454 h 613"/>
+                <a:gd name="T46" fmla="*/ 66 w 3742"/>
+                <a:gd name="T47" fmla="*/ 503 h 613"/>
+                <a:gd name="T48" fmla="*/ 106 w 3742"/>
+                <a:gd name="T49" fmla="*/ 543 h 613"/>
+                <a:gd name="T50" fmla="*/ 154 w 3742"/>
+                <a:gd name="T51" fmla="*/ 577 h 613"/>
+                <a:gd name="T52" fmla="*/ 207 w 3742"/>
+                <a:gd name="T53" fmla="*/ 601 h 613"/>
+                <a:gd name="T54" fmla="*/ 265 w 3742"/>
+                <a:gd name="T55" fmla="*/ 612 h 613"/>
+                <a:gd name="T56" fmla="*/ 295 w 3742"/>
+                <a:gd name="T57" fmla="*/ 613 h 613"/>
+                <a:gd name="T58" fmla="*/ 3742 w 3742"/>
+                <a:gd name="T59" fmla="*/ 613 h 613"/>
+              </a:gdLst>
+              <a:ahLst/>
+              <a:cxnLst>
+                <a:cxn ang="0">
+                  <a:pos x="T0" y="T1"/>
+                </a:cxn>
+                <a:cxn ang="0">
+                  <a:pos x="T2" y="T3"/>
+                </a:cxn>
+                <a:cxn ang="0">
+                  <a:pos x="T4" y="T5"/>
+                </a:cxn>
+                <a:cxn ang="0">
+                  <a:pos x="T6" y="T7"/>
+                </a:cxn>
+                <a:cxn ang="0">
+                  <a:pos x="T8" y="T9"/>
+                </a:cxn>
+                <a:cxn ang="0">
+                  <a:pos x="T10" y="T11"/>
+                </a:cxn>
+                <a:cxn ang="0">
+                  <a:pos x="T12" y="T13"/>
+                </a:cxn>
+                <a:cxn ang="0">
+                  <a:pos x="T14" y="T15"/>
+                </a:cxn>
+                <a:cxn ang="0">
+                  <a:pos x="T16" y="T17"/>
+                </a:cxn>
+                <a:cxn ang="0">
+                  <a:pos x="T18" y="T19"/>
+                </a:cxn>
+                <a:cxn ang="0">
+                  <a:pos x="T20" y="T21"/>
+                </a:cxn>
+                <a:cxn ang="0">
+                  <a:pos x="T22" y="T23"/>
+                </a:cxn>
+                <a:cxn ang="0">
+                  <a:pos x="T24" y="T25"/>
+                </a:cxn>
+                <a:cxn ang="0">
+                  <a:pos x="T26" y="T27"/>
+                </a:cxn>
+                <a:cxn ang="0">
+                  <a:pos x="T28" y="T29"/>
+                </a:cxn>
+                <a:cxn ang="0">
+                  <a:pos x="T30" y="T31"/>
+                </a:cxn>
+                <a:cxn ang="0">
+                  <a:pos x="T32" y="T33"/>
+                </a:cxn>
+                <a:cxn ang="0">
+                  <a:pos x="T34" y="T35"/>
+                </a:cxn>
+                <a:cxn ang="0">
+                  <a:pos x="T36" y="T37"/>
+                </a:cxn>
+                <a:cxn ang="0">
+                  <a:pos x="T38" y="T39"/>
+                </a:cxn>
+                <a:cxn ang="0">
+                  <a:pos x="T40" y="T41"/>
+                </a:cxn>
+                <a:cxn ang="0">
+                  <a:pos x="T42" y="T43"/>
+                </a:cxn>
+                <a:cxn ang="0">
+                  <a:pos x="T44" y="T45"/>
+                </a:cxn>
+                <a:cxn ang="0">
+                  <a:pos x="T46" y="T47"/>
+                </a:cxn>
+                <a:cxn ang="0">
+                  <a:pos x="T48" y="T49"/>
+                </a:cxn>
+                <a:cxn ang="0">
+                  <a:pos x="T50" y="T51"/>
+                </a:cxn>
+                <a:cxn ang="0">
+                  <a:pos x="T52" y="T53"/>
+                </a:cxn>
+                <a:cxn ang="0">
+                  <a:pos x="T54" y="T55"/>
+                </a:cxn>
+                <a:cxn ang="0">
+                  <a:pos x="T56" y="T57"/>
+                </a:cxn>
+                <a:cxn ang="0">
+                  <a:pos x="T58" y="T59"/>
+                </a:cxn>
+              </a:cxnLst>
+              <a:rect l="0" t="0" r="r" b="b"/>
+              <a:pathLst>
+                <a:path w="3742" h="613">
+                  <a:moveTo>
+                    <a:pt x="3742" y="613"/>
+                  </a:moveTo>
+                  <a:lnTo>
+                    <a:pt x="3718" y="575"/>
+                  </a:lnTo>
+                  <a:lnTo>
+                    <a:pt x="3677" y="498"/>
+                  </a:lnTo>
+                  <a:lnTo>
+                    <a:pt x="3650" y="422"/>
+                  </a:lnTo>
+                  <a:lnTo>
+                    <a:pt x="3636" y="346"/>
+                  </a:lnTo>
+                  <a:lnTo>
+                    <a:pt x="3634" y="269"/>
+                  </a:lnTo>
+                  <a:lnTo>
+                    <a:pt x="3647" y="192"/>
+                  </a:lnTo>
+                  <a:lnTo>
+                    <a:pt x="3674" y="115"/>
+                  </a:lnTo>
+                  <a:lnTo>
+                    <a:pt x="3715" y="39"/>
+                  </a:lnTo>
+                  <a:lnTo>
+                    <a:pt x="3742" y="0"/>
+                  </a:lnTo>
+                  <a:lnTo>
+                    <a:pt x="295" y="0"/>
+                  </a:lnTo>
+                  <a:lnTo>
+                    <a:pt x="265" y="2"/>
+                  </a:lnTo>
+                  <a:lnTo>
+                    <a:pt x="207" y="15"/>
+                  </a:lnTo>
+                  <a:lnTo>
+                    <a:pt x="154" y="38"/>
+                  </a:lnTo>
+                  <a:lnTo>
+                    <a:pt x="106" y="71"/>
+                  </a:lnTo>
+                  <a:lnTo>
+                    <a:pt x="66" y="112"/>
+                  </a:lnTo>
+                  <a:lnTo>
+                    <a:pt x="34" y="161"/>
+                  </a:lnTo>
+                  <a:lnTo>
+                    <a:pt x="13" y="216"/>
+                  </a:lnTo>
+                  <a:lnTo>
+                    <a:pt x="0" y="275"/>
+                  </a:lnTo>
+                  <a:lnTo>
+                    <a:pt x="0" y="307"/>
+                  </a:lnTo>
+                  <a:lnTo>
+                    <a:pt x="0" y="338"/>
+                  </a:lnTo>
+                  <a:lnTo>
+                    <a:pt x="13" y="398"/>
+                  </a:lnTo>
+                  <a:lnTo>
+                    <a:pt x="34" y="454"/>
+                  </a:lnTo>
+                  <a:lnTo>
+                    <a:pt x="66" y="503"/>
+                  </a:lnTo>
+                  <a:lnTo>
+                    <a:pt x="106" y="543"/>
+                  </a:lnTo>
+                  <a:lnTo>
+                    <a:pt x="154" y="577"/>
+                  </a:lnTo>
+                  <a:lnTo>
+                    <a:pt x="207" y="601"/>
+                  </a:lnTo>
+                  <a:lnTo>
+                    <a:pt x="265" y="612"/>
+                  </a:lnTo>
+                  <a:lnTo>
+                    <a:pt x="295" y="613"/>
+                  </a:lnTo>
+                  <a:lnTo>
+                    <a:pt x="3742" y="613"/>
+                  </a:lnTo>
+                  <a:close/>
+                </a:path>
+              </a:pathLst>
+            </a:custGeom>
+            <a:solidFill>
+              <a:srgbClr val="FFFFFF"/>
+            </a:solidFill>
+            <a:ln>
+              <a:noFill/>
+            </a:ln>
+            <a:extLst>
+              <a:ext uri="{91240B29-F687-4F45-9708-019B960494DF}">
+                <a14:hiddenLine xmlns:a14="http://schemas.microsoft.com/office/drawing/2010/main" w="9525">
+                  <a:solidFill>
+                    <a:srgbClr val="000000"/>
+                  </a:solidFill>
+                  <a:round/>
+                  <a:headEnd/>
+                  <a:tailEnd/>
+                </a14:hiddenLine>
+              </a:ext>
+            </a:extLst>
+          </p:spPr>
+          <p:txBody>
+            <a:bodyPr vert="horz" wrap="square" lIns="91440" tIns="45720" rIns="91440" bIns="45720" numCol="1" anchor="t" anchorCtr="0" compatLnSpc="1">
+              <a:prstTxWarp prst="textNoShape">
+                <a:avLst/>
+              </a:prstTxWarp>
+            </a:bodyPr>
+            <a:lstStyle/>
+            <a:p>
+              <a:endParaRPr lang="ko-KR" altLang="en-US"/>
+            </a:p>
+          </p:txBody>
+        </p:sp>
+      </p:grpSp>
+      <p:grpSp>
+        <p:nvGrpSpPr>
+          <p:cNvPr id="39" name="그룹 38"/>
+          <p:cNvGrpSpPr/>
+          <p:nvPr/>
+        </p:nvGrpSpPr>
+        <p:grpSpPr>
+          <a:xfrm>
+            <a:off x="758459" y="5561267"/>
+            <a:ext cx="1162562" cy="255329"/>
+            <a:chOff x="1838576" y="4963427"/>
+            <a:chExt cx="2038350" cy="447675"/>
+          </a:xfrm>
+        </p:grpSpPr>
+        <p:sp>
+          <p:nvSpPr>
+            <p:cNvPr id="40" name="Freeform 18"/>
+            <p:cNvSpPr>
+              <a:spLocks/>
+            </p:cNvSpPr>
+            <p:nvPr/>
+          </p:nvSpPr>
+          <p:spPr bwMode="auto">
+            <a:xfrm>
+              <a:off x="1838576" y="4963427"/>
+              <a:ext cx="2038350" cy="447675"/>
+            </a:xfrm>
+            <a:custGeom>
+              <a:avLst/>
+              <a:gdLst>
+                <a:gd name="T0" fmla="*/ 403 w 3850"/>
+                <a:gd name="T1" fmla="*/ 0 h 845"/>
+                <a:gd name="T2" fmla="*/ 3850 w 3850"/>
+                <a:gd name="T3" fmla="*/ 0 h 845"/>
+                <a:gd name="T4" fmla="*/ 3850 w 3850"/>
+                <a:gd name="T5" fmla="*/ 115 h 845"/>
+                <a:gd name="T6" fmla="*/ 3821 w 3850"/>
+                <a:gd name="T7" fmla="*/ 155 h 845"/>
+                <a:gd name="T8" fmla="*/ 3777 w 3850"/>
+                <a:gd name="T9" fmla="*/ 235 h 845"/>
+                <a:gd name="T10" fmla="*/ 3749 w 3850"/>
+                <a:gd name="T11" fmla="*/ 315 h 845"/>
+                <a:gd name="T12" fmla="*/ 3738 w 3850"/>
+                <a:gd name="T13" fmla="*/ 396 h 845"/>
+                <a:gd name="T14" fmla="*/ 3741 w 3850"/>
+                <a:gd name="T15" fmla="*/ 475 h 845"/>
+                <a:gd name="T16" fmla="*/ 3756 w 3850"/>
+                <a:gd name="T17" fmla="*/ 551 h 845"/>
+                <a:gd name="T18" fmla="*/ 3785 w 3850"/>
+                <a:gd name="T19" fmla="*/ 625 h 845"/>
+                <a:gd name="T20" fmla="*/ 3826 w 3850"/>
+                <a:gd name="T21" fmla="*/ 695 h 845"/>
+                <a:gd name="T22" fmla="*/ 3850 w 3850"/>
+                <a:gd name="T23" fmla="*/ 728 h 845"/>
+                <a:gd name="T24" fmla="*/ 3850 w 3850"/>
+                <a:gd name="T25" fmla="*/ 845 h 845"/>
+                <a:gd name="T26" fmla="*/ 403 w 3850"/>
+                <a:gd name="T27" fmla="*/ 845 h 845"/>
+                <a:gd name="T28" fmla="*/ 353 w 3850"/>
+                <a:gd name="T29" fmla="*/ 844 h 845"/>
+                <a:gd name="T30" fmla="*/ 265 w 3850"/>
+                <a:gd name="T31" fmla="*/ 825 h 845"/>
+                <a:gd name="T32" fmla="*/ 189 w 3850"/>
+                <a:gd name="T33" fmla="*/ 790 h 845"/>
+                <a:gd name="T34" fmla="*/ 127 w 3850"/>
+                <a:gd name="T35" fmla="*/ 741 h 845"/>
+                <a:gd name="T36" fmla="*/ 75 w 3850"/>
+                <a:gd name="T37" fmla="*/ 682 h 845"/>
+                <a:gd name="T38" fmla="*/ 37 w 3850"/>
+                <a:gd name="T39" fmla="*/ 613 h 845"/>
+                <a:gd name="T40" fmla="*/ 13 w 3850"/>
+                <a:gd name="T41" fmla="*/ 540 h 845"/>
+                <a:gd name="T42" fmla="*/ 0 w 3850"/>
+                <a:gd name="T43" fmla="*/ 462 h 845"/>
+                <a:gd name="T44" fmla="*/ 0 w 3850"/>
+                <a:gd name="T45" fmla="*/ 383 h 845"/>
+                <a:gd name="T46" fmla="*/ 13 w 3850"/>
+                <a:gd name="T47" fmla="*/ 304 h 845"/>
+                <a:gd name="T48" fmla="*/ 37 w 3850"/>
+                <a:gd name="T49" fmla="*/ 230 h 845"/>
+                <a:gd name="T50" fmla="*/ 75 w 3850"/>
+                <a:gd name="T51" fmla="*/ 161 h 845"/>
+                <a:gd name="T52" fmla="*/ 127 w 3850"/>
+                <a:gd name="T53" fmla="*/ 102 h 845"/>
+                <a:gd name="T54" fmla="*/ 189 w 3850"/>
+                <a:gd name="T55" fmla="*/ 55 h 845"/>
+                <a:gd name="T56" fmla="*/ 265 w 3850"/>
+                <a:gd name="T57" fmla="*/ 20 h 845"/>
+                <a:gd name="T58" fmla="*/ 353 w 3850"/>
+                <a:gd name="T59" fmla="*/ 1 h 845"/>
+                <a:gd name="T60" fmla="*/ 403 w 3850"/>
+                <a:gd name="T61" fmla="*/ 0 h 845"/>
+              </a:gdLst>
+              <a:ahLst/>
+              <a:cxnLst>
+                <a:cxn ang="0">
+                  <a:pos x="T0" y="T1"/>
+                </a:cxn>
+                <a:cxn ang="0">
+                  <a:pos x="T2" y="T3"/>
+                </a:cxn>
+                <a:cxn ang="0">
+                  <a:pos x="T4" y="T5"/>
+                </a:cxn>
+                <a:cxn ang="0">
+                  <a:pos x="T6" y="T7"/>
+                </a:cxn>
+                <a:cxn ang="0">
+                  <a:pos x="T8" y="T9"/>
+                </a:cxn>
+                <a:cxn ang="0">
+                  <a:pos x="T10" y="T11"/>
+                </a:cxn>
+                <a:cxn ang="0">
+                  <a:pos x="T12" y="T13"/>
+                </a:cxn>
+                <a:cxn ang="0">
+                  <a:pos x="T14" y="T15"/>
+                </a:cxn>
+                <a:cxn ang="0">
+                  <a:pos x="T16" y="T17"/>
+                </a:cxn>
+                <a:cxn ang="0">
+                  <a:pos x="T18" y="T19"/>
+                </a:cxn>
+                <a:cxn ang="0">
+                  <a:pos x="T20" y="T21"/>
+                </a:cxn>
+                <a:cxn ang="0">
+                  <a:pos x="T22" y="T23"/>
+                </a:cxn>
+                <a:cxn ang="0">
+                  <a:pos x="T24" y="T25"/>
+                </a:cxn>
+                <a:cxn ang="0">
+                  <a:pos x="T26" y="T27"/>
+                </a:cxn>
+                <a:cxn ang="0">
+                  <a:pos x="T28" y="T29"/>
+                </a:cxn>
+                <a:cxn ang="0">
+                  <a:pos x="T30" y="T31"/>
+                </a:cxn>
+                <a:cxn ang="0">
+                  <a:pos x="T32" y="T33"/>
+                </a:cxn>
+                <a:cxn ang="0">
+                  <a:pos x="T34" y="T35"/>
+                </a:cxn>
+                <a:cxn ang="0">
+                  <a:pos x="T36" y="T37"/>
+                </a:cxn>
+                <a:cxn ang="0">
+                  <a:pos x="T38" y="T39"/>
+                </a:cxn>
+                <a:cxn ang="0">
+                  <a:pos x="T40" y="T41"/>
+                </a:cxn>
+                <a:cxn ang="0">
+                  <a:pos x="T42" y="T43"/>
+                </a:cxn>
+                <a:cxn ang="0">
+                  <a:pos x="T44" y="T45"/>
+                </a:cxn>
+                <a:cxn ang="0">
+                  <a:pos x="T46" y="T47"/>
+                </a:cxn>
+                <a:cxn ang="0">
+                  <a:pos x="T48" y="T49"/>
+                </a:cxn>
+                <a:cxn ang="0">
+                  <a:pos x="T50" y="T51"/>
+                </a:cxn>
+                <a:cxn ang="0">
+                  <a:pos x="T52" y="T53"/>
+                </a:cxn>
+                <a:cxn ang="0">
+                  <a:pos x="T54" y="T55"/>
+                </a:cxn>
+                <a:cxn ang="0">
+                  <a:pos x="T56" y="T57"/>
+                </a:cxn>
+                <a:cxn ang="0">
+                  <a:pos x="T58" y="T59"/>
+                </a:cxn>
+                <a:cxn ang="0">
+                  <a:pos x="T60" y="T61"/>
+                </a:cxn>
+              </a:cxnLst>
+              <a:rect l="0" t="0" r="r" b="b"/>
+              <a:pathLst>
+                <a:path w="3850" h="845">
+                  <a:moveTo>
+                    <a:pt x="403" y="0"/>
+                  </a:moveTo>
+                  <a:lnTo>
+                    <a:pt x="3850" y="0"/>
+                  </a:lnTo>
+                  <a:lnTo>
+                    <a:pt x="3850" y="115"/>
+                  </a:lnTo>
+                  <a:lnTo>
+                    <a:pt x="3821" y="155"/>
+                  </a:lnTo>
+                  <a:lnTo>
+                    <a:pt x="3777" y="235"/>
+                  </a:lnTo>
+                  <a:lnTo>
+                    <a:pt x="3749" y="315"/>
+                  </a:lnTo>
+                  <a:lnTo>
+                    <a:pt x="3738" y="396"/>
+                  </a:lnTo>
+                  <a:lnTo>
+                    <a:pt x="3741" y="475"/>
+                  </a:lnTo>
+                  <a:lnTo>
+                    <a:pt x="3756" y="551"/>
+                  </a:lnTo>
+                  <a:lnTo>
+                    <a:pt x="3785" y="625"/>
+                  </a:lnTo>
+                  <a:lnTo>
+                    <a:pt x="3826" y="695"/>
+                  </a:lnTo>
+                  <a:lnTo>
+                    <a:pt x="3850" y="728"/>
+                  </a:lnTo>
+                  <a:lnTo>
+                    <a:pt x="3850" y="845"/>
+                  </a:lnTo>
+                  <a:lnTo>
+                    <a:pt x="403" y="845"/>
+                  </a:lnTo>
+                  <a:lnTo>
+                    <a:pt x="353" y="844"/>
+                  </a:lnTo>
+                  <a:lnTo>
+                    <a:pt x="265" y="825"/>
+                  </a:lnTo>
+                  <a:lnTo>
+                    <a:pt x="189" y="790"/>
+                  </a:lnTo>
+                  <a:lnTo>
+                    <a:pt x="127" y="741"/>
+                  </a:lnTo>
+                  <a:lnTo>
+                    <a:pt x="75" y="682"/>
+                  </a:lnTo>
+                  <a:lnTo>
+                    <a:pt x="37" y="613"/>
+                  </a:lnTo>
+                  <a:lnTo>
+                    <a:pt x="13" y="540"/>
+                  </a:lnTo>
+                  <a:lnTo>
+                    <a:pt x="0" y="462"/>
+                  </a:lnTo>
+                  <a:lnTo>
+                    <a:pt x="0" y="383"/>
+                  </a:lnTo>
+                  <a:lnTo>
+                    <a:pt x="13" y="304"/>
+                  </a:lnTo>
+                  <a:lnTo>
+                    <a:pt x="37" y="230"/>
+                  </a:lnTo>
+                  <a:lnTo>
+                    <a:pt x="75" y="161"/>
+                  </a:lnTo>
+                  <a:lnTo>
+                    <a:pt x="127" y="102"/>
+                  </a:lnTo>
+                  <a:lnTo>
+                    <a:pt x="189" y="55"/>
+                  </a:lnTo>
+                  <a:lnTo>
+                    <a:pt x="265" y="20"/>
+                  </a:lnTo>
+                  <a:lnTo>
+                    <a:pt x="353" y="1"/>
+                  </a:lnTo>
+                  <a:lnTo>
+                    <a:pt x="403" y="0"/>
+                  </a:lnTo>
+                  <a:close/>
+                </a:path>
+              </a:pathLst>
+            </a:custGeom>
+            <a:solidFill>
+              <a:srgbClr val="FFC000"/>
+            </a:solidFill>
+            <a:ln>
+              <a:noFill/>
+            </a:ln>
+            <a:extLst>
+              <a:ext uri="{91240B29-F687-4F45-9708-019B960494DF}">
+                <a14:hiddenLine xmlns:a14="http://schemas.microsoft.com/office/drawing/2010/main" w="9525">
+                  <a:solidFill>
+                    <a:srgbClr val="000000"/>
+                  </a:solidFill>
+                  <a:round/>
+                  <a:headEnd/>
+                  <a:tailEnd/>
+                </a14:hiddenLine>
+              </a:ext>
+            </a:extLst>
+          </p:spPr>
+          <p:txBody>
+            <a:bodyPr vert="horz" wrap="square" lIns="91440" tIns="45720" rIns="91440" bIns="45720" numCol="1" anchor="t" anchorCtr="0" compatLnSpc="1">
+              <a:prstTxWarp prst="textNoShape">
+                <a:avLst/>
+              </a:prstTxWarp>
+            </a:bodyPr>
+            <a:lstStyle/>
+            <a:p>
+              <a:endParaRPr lang="ko-KR" altLang="en-US"/>
+            </a:p>
+          </p:txBody>
+        </p:sp>
+        <p:sp>
+          <p:nvSpPr>
+            <p:cNvPr id="41" name="Freeform 19"/>
+            <p:cNvSpPr>
+              <a:spLocks/>
+            </p:cNvSpPr>
+            <p:nvPr/>
+          </p:nvSpPr>
+          <p:spPr bwMode="auto">
+            <a:xfrm>
+              <a:off x="1895726" y="5026927"/>
+              <a:ext cx="1981200" cy="325438"/>
+            </a:xfrm>
+            <a:custGeom>
+              <a:avLst/>
+              <a:gdLst>
+                <a:gd name="T0" fmla="*/ 3742 w 3742"/>
+                <a:gd name="T1" fmla="*/ 613 h 613"/>
+                <a:gd name="T2" fmla="*/ 3718 w 3742"/>
+                <a:gd name="T3" fmla="*/ 575 h 613"/>
+                <a:gd name="T4" fmla="*/ 3677 w 3742"/>
+                <a:gd name="T5" fmla="*/ 498 h 613"/>
+                <a:gd name="T6" fmla="*/ 3650 w 3742"/>
+                <a:gd name="T7" fmla="*/ 422 h 613"/>
+                <a:gd name="T8" fmla="*/ 3636 w 3742"/>
+                <a:gd name="T9" fmla="*/ 346 h 613"/>
+                <a:gd name="T10" fmla="*/ 3634 w 3742"/>
+                <a:gd name="T11" fmla="*/ 269 h 613"/>
+                <a:gd name="T12" fmla="*/ 3647 w 3742"/>
+                <a:gd name="T13" fmla="*/ 192 h 613"/>
+                <a:gd name="T14" fmla="*/ 3674 w 3742"/>
+                <a:gd name="T15" fmla="*/ 115 h 613"/>
+                <a:gd name="T16" fmla="*/ 3715 w 3742"/>
+                <a:gd name="T17" fmla="*/ 39 h 613"/>
+                <a:gd name="T18" fmla="*/ 3742 w 3742"/>
+                <a:gd name="T19" fmla="*/ 0 h 613"/>
+                <a:gd name="T20" fmla="*/ 295 w 3742"/>
+                <a:gd name="T21" fmla="*/ 0 h 613"/>
+                <a:gd name="T22" fmla="*/ 265 w 3742"/>
+                <a:gd name="T23" fmla="*/ 2 h 613"/>
+                <a:gd name="T24" fmla="*/ 207 w 3742"/>
+                <a:gd name="T25" fmla="*/ 15 h 613"/>
+                <a:gd name="T26" fmla="*/ 154 w 3742"/>
+                <a:gd name="T27" fmla="*/ 38 h 613"/>
+                <a:gd name="T28" fmla="*/ 106 w 3742"/>
+                <a:gd name="T29" fmla="*/ 71 h 613"/>
+                <a:gd name="T30" fmla="*/ 66 w 3742"/>
+                <a:gd name="T31" fmla="*/ 112 h 613"/>
+                <a:gd name="T32" fmla="*/ 34 w 3742"/>
+                <a:gd name="T33" fmla="*/ 161 h 613"/>
+                <a:gd name="T34" fmla="*/ 13 w 3742"/>
+                <a:gd name="T35" fmla="*/ 216 h 613"/>
+                <a:gd name="T36" fmla="*/ 0 w 3742"/>
+                <a:gd name="T37" fmla="*/ 275 h 613"/>
+                <a:gd name="T38" fmla="*/ 0 w 3742"/>
+                <a:gd name="T39" fmla="*/ 307 h 613"/>
+                <a:gd name="T40" fmla="*/ 0 w 3742"/>
+                <a:gd name="T41" fmla="*/ 338 h 613"/>
+                <a:gd name="T42" fmla="*/ 13 w 3742"/>
+                <a:gd name="T43" fmla="*/ 398 h 613"/>
+                <a:gd name="T44" fmla="*/ 34 w 3742"/>
+                <a:gd name="T45" fmla="*/ 454 h 613"/>
+                <a:gd name="T46" fmla="*/ 66 w 3742"/>
+                <a:gd name="T47" fmla="*/ 503 h 613"/>
+                <a:gd name="T48" fmla="*/ 106 w 3742"/>
+                <a:gd name="T49" fmla="*/ 543 h 613"/>
+                <a:gd name="T50" fmla="*/ 154 w 3742"/>
+                <a:gd name="T51" fmla="*/ 577 h 613"/>
+                <a:gd name="T52" fmla="*/ 207 w 3742"/>
+                <a:gd name="T53" fmla="*/ 601 h 613"/>
+                <a:gd name="T54" fmla="*/ 265 w 3742"/>
+                <a:gd name="T55" fmla="*/ 612 h 613"/>
+                <a:gd name="T56" fmla="*/ 295 w 3742"/>
+                <a:gd name="T57" fmla="*/ 613 h 613"/>
+                <a:gd name="T58" fmla="*/ 3742 w 3742"/>
+                <a:gd name="T59" fmla="*/ 613 h 613"/>
+              </a:gdLst>
+              <a:ahLst/>
+              <a:cxnLst>
+                <a:cxn ang="0">
+                  <a:pos x="T0" y="T1"/>
+                </a:cxn>
+                <a:cxn ang="0">
+                  <a:pos x="T2" y="T3"/>
+                </a:cxn>
+                <a:cxn ang="0">
+                  <a:pos x="T4" y="T5"/>
+                </a:cxn>
+                <a:cxn ang="0">
+                  <a:pos x="T6" y="T7"/>
+                </a:cxn>
+                <a:cxn ang="0">
+                  <a:pos x="T8" y="T9"/>
+                </a:cxn>
+                <a:cxn ang="0">
+                  <a:pos x="T10" y="T11"/>
+                </a:cxn>
+                <a:cxn ang="0">
+                  <a:pos x="T12" y="T13"/>
+                </a:cxn>
+                <a:cxn ang="0">
+                  <a:pos x="T14" y="T15"/>
+                </a:cxn>
+                <a:cxn ang="0">
+                  <a:pos x="T16" y="T17"/>
+                </a:cxn>
+                <a:cxn ang="0">
+                  <a:pos x="T18" y="T19"/>
+                </a:cxn>
+                <a:cxn ang="0">
+                  <a:pos x="T20" y="T21"/>
+                </a:cxn>
+                <a:cxn ang="0">
+                  <a:pos x="T22" y="T23"/>
+                </a:cxn>
+                <a:cxn ang="0">
+                  <a:pos x="T24" y="T25"/>
+                </a:cxn>
+                <a:cxn ang="0">
+                  <a:pos x="T26" y="T27"/>
+                </a:cxn>
+                <a:cxn ang="0">
+                  <a:pos x="T28" y="T29"/>
+                </a:cxn>
+                <a:cxn ang="0">
+                  <a:pos x="T30" y="T31"/>
+                </a:cxn>
+                <a:cxn ang="0">
+                  <a:pos x="T32" y="T33"/>
+                </a:cxn>
+                <a:cxn ang="0">
+                  <a:pos x="T34" y="T35"/>
+                </a:cxn>
+                <a:cxn ang="0">
+                  <a:pos x="T36" y="T37"/>
+                </a:cxn>
+                <a:cxn ang="0">
+                  <a:pos x="T38" y="T39"/>
+                </a:cxn>
+                <a:cxn ang="0">
+                  <a:pos x="T40" y="T41"/>
+                </a:cxn>
+                <a:cxn ang="0">
+                  <a:pos x="T42" y="T43"/>
+                </a:cxn>
+                <a:cxn ang="0">
+                  <a:pos x="T44" y="T45"/>
+                </a:cxn>
+                <a:cxn ang="0">
+                  <a:pos x="T46" y="T47"/>
+                </a:cxn>
+                <a:cxn ang="0">
+                  <a:pos x="T48" y="T49"/>
+                </a:cxn>
+                <a:cxn ang="0">
+                  <a:pos x="T50" y="T51"/>
+                </a:cxn>
+                <a:cxn ang="0">
+                  <a:pos x="T52" y="T53"/>
+                </a:cxn>
+                <a:cxn ang="0">
+                  <a:pos x="T54" y="T55"/>
+                </a:cxn>
+                <a:cxn ang="0">
+                  <a:pos x="T56" y="T57"/>
+                </a:cxn>
+                <a:cxn ang="0">
+                  <a:pos x="T58" y="T59"/>
+                </a:cxn>
+              </a:cxnLst>
+              <a:rect l="0" t="0" r="r" b="b"/>
+              <a:pathLst>
+                <a:path w="3742" h="613">
+                  <a:moveTo>
+                    <a:pt x="3742" y="613"/>
+                  </a:moveTo>
+                  <a:lnTo>
+                    <a:pt x="3718" y="575"/>
+                  </a:lnTo>
+                  <a:lnTo>
+                    <a:pt x="3677" y="498"/>
+                  </a:lnTo>
+                  <a:lnTo>
+                    <a:pt x="3650" y="422"/>
+                  </a:lnTo>
+                  <a:lnTo>
+                    <a:pt x="3636" y="346"/>
+                  </a:lnTo>
+                  <a:lnTo>
+                    <a:pt x="3634" y="269"/>
+                  </a:lnTo>
+                  <a:lnTo>
+                    <a:pt x="3647" y="192"/>
+                  </a:lnTo>
+                  <a:lnTo>
+                    <a:pt x="3674" y="115"/>
+                  </a:lnTo>
+                  <a:lnTo>
+                    <a:pt x="3715" y="39"/>
+                  </a:lnTo>
+                  <a:lnTo>
+                    <a:pt x="3742" y="0"/>
+                  </a:lnTo>
+                  <a:lnTo>
+                    <a:pt x="295" y="0"/>
+                  </a:lnTo>
+                  <a:lnTo>
+                    <a:pt x="265" y="2"/>
+                  </a:lnTo>
+                  <a:lnTo>
+                    <a:pt x="207" y="15"/>
+                  </a:lnTo>
+                  <a:lnTo>
+                    <a:pt x="154" y="38"/>
+                  </a:lnTo>
+                  <a:lnTo>
+                    <a:pt x="106" y="71"/>
+                  </a:lnTo>
+                  <a:lnTo>
+                    <a:pt x="66" y="112"/>
+                  </a:lnTo>
+                  <a:lnTo>
+                    <a:pt x="34" y="161"/>
+                  </a:lnTo>
+                  <a:lnTo>
+                    <a:pt x="13" y="216"/>
+                  </a:lnTo>
+                  <a:lnTo>
+                    <a:pt x="0" y="275"/>
+                  </a:lnTo>
+                  <a:lnTo>
+                    <a:pt x="0" y="307"/>
+                  </a:lnTo>
+                  <a:lnTo>
+                    <a:pt x="0" y="338"/>
+                  </a:lnTo>
+                  <a:lnTo>
+                    <a:pt x="13" y="398"/>
+                  </a:lnTo>
+                  <a:lnTo>
+                    <a:pt x="34" y="454"/>
+                  </a:lnTo>
+                  <a:lnTo>
+                    <a:pt x="66" y="503"/>
+                  </a:lnTo>
+                  <a:lnTo>
+                    <a:pt x="106" y="543"/>
+                  </a:lnTo>
+                  <a:lnTo>
+                    <a:pt x="154" y="577"/>
+                  </a:lnTo>
+                  <a:lnTo>
+                    <a:pt x="207" y="601"/>
+                  </a:lnTo>
+                  <a:lnTo>
+                    <a:pt x="265" y="612"/>
+                  </a:lnTo>
+                  <a:lnTo>
+                    <a:pt x="295" y="613"/>
+                  </a:lnTo>
+                  <a:lnTo>
+                    <a:pt x="3742" y="613"/>
+                  </a:lnTo>
+                  <a:close/>
+                </a:path>
+              </a:pathLst>
+            </a:custGeom>
+            <a:solidFill>
+              <a:srgbClr val="FFFFFF"/>
+            </a:solidFill>
+            <a:ln>
+              <a:noFill/>
+            </a:ln>
+            <a:extLst>
+              <a:ext uri="{91240B29-F687-4F45-9708-019B960494DF}">
+                <a14:hiddenLine xmlns:a14="http://schemas.microsoft.com/office/drawing/2010/main" w="9525">
+                  <a:solidFill>
+                    <a:srgbClr val="000000"/>
+                  </a:solidFill>
+                  <a:round/>
+                  <a:headEnd/>
+                  <a:tailEnd/>
+                </a14:hiddenLine>
+              </a:ext>
+            </a:extLst>
+          </p:spPr>
+          <p:txBody>
+            <a:bodyPr vert="horz" wrap="square" lIns="91440" tIns="45720" rIns="91440" bIns="45720" numCol="1" anchor="t" anchorCtr="0" compatLnSpc="1">
+              <a:prstTxWarp prst="textNoShape">
+                <a:avLst/>
+              </a:prstTxWarp>
+            </a:bodyPr>
+            <a:lstStyle/>
+            <a:p>
+              <a:endParaRPr lang="ko-KR" altLang="en-US"/>
+            </a:p>
+          </p:txBody>
+        </p:sp>
+      </p:grpSp>
+      <p:sp>
+        <p:nvSpPr>
+          <p:cNvPr id="63" name="직사각형 62"/>
+          <p:cNvSpPr/>
+          <p:nvPr/>
+        </p:nvSpPr>
+        <p:spPr>
+          <a:xfrm>
+            <a:off x="532041" y="125939"/>
+            <a:ext cx="4826185" cy="735842"/>
+          </a:xfrm>
+          <a:prstGeom prst="rect">
+            <a:avLst/>
+          </a:prstGeom>
+        </p:spPr>
+        <p:txBody>
+          <a:bodyPr wrap="square">
+            <a:spAutoFit/>
+          </a:bodyPr>
+          <a:lstStyle/>
+          <a:p>
+            <a:pPr>
+              <a:lnSpc>
+                <a:spcPct val="150000"/>
+              </a:lnSpc>
+            </a:pPr>
+            <a:r>
+              <a:rPr lang="ko-KR" altLang="en-US" sz="3200" i="1" dirty="0">
+                <a:solidFill>
+                  <a:prstClr val="white"/>
+                </a:solidFill>
+              </a:rPr>
+              <a:t>음성인식 서비스</a:t>
+            </a:r>
+            <a:endParaRPr lang="ko-KR" altLang="en-US" sz="3200" dirty="0">
+              <a:solidFill>
+                <a:prstClr val="white"/>
+              </a:solidFill>
+            </a:endParaRPr>
+          </a:p>
+        </p:txBody>
+      </p:sp>
+      <p:grpSp>
+        <p:nvGrpSpPr>
+          <p:cNvPr id="2" name="그룹 1"/>
+          <p:cNvGrpSpPr/>
+          <p:nvPr/>
+        </p:nvGrpSpPr>
+        <p:grpSpPr>
+          <a:xfrm>
+            <a:off x="558275" y="1579259"/>
+            <a:ext cx="1583728" cy="3952229"/>
+            <a:chOff x="558275" y="1579259"/>
+            <a:chExt cx="1583728" cy="3952229"/>
+          </a:xfrm>
+        </p:grpSpPr>
+        <p:sp>
+          <p:nvSpPr>
+            <p:cNvPr id="55" name="사다리꼴 54"/>
+            <p:cNvSpPr/>
+            <p:nvPr/>
+          </p:nvSpPr>
+          <p:spPr>
+            <a:xfrm rot="1320000">
+              <a:off x="897907" y="2147897"/>
+              <a:ext cx="45719" cy="1448112"/>
+            </a:xfrm>
+            <a:prstGeom prst="trapezoid">
+              <a:avLst/>
+            </a:prstGeom>
+            <a:solidFill>
+              <a:schemeClr val="tx1">
+                <a:lumMod val="85000"/>
+                <a:lumOff val="15000"/>
+              </a:schemeClr>
+            </a:solidFill>
+            <a:ln>
+              <a:noFill/>
+            </a:ln>
+          </p:spPr>
+          <p:style>
+            <a:lnRef idx="2">
+              <a:schemeClr val="accent1">
+                <a:shade val="50000"/>
+              </a:schemeClr>
+            </a:lnRef>
+            <a:fillRef idx="1">
+              <a:schemeClr val="accent1"/>
+            </a:fillRef>
+            <a:effectRef idx="0">
+              <a:schemeClr val="accent1"/>
+            </a:effectRef>
+            <a:fontRef idx="minor">
+              <a:schemeClr val="lt1"/>
+            </a:fontRef>
+          </p:style>
+          <p:txBody>
+            <a:bodyPr rtlCol="0" anchor="ctr"/>
+            <a:lstStyle/>
+            <a:p>
+              <a:pPr algn="ctr"/>
+              <a:endParaRPr lang="ko-KR" altLang="en-US"/>
+            </a:p>
+          </p:txBody>
+        </p:sp>
+        <p:sp>
+          <p:nvSpPr>
+            <p:cNvPr id="57" name="사다리꼴 56"/>
+            <p:cNvSpPr/>
+            <p:nvPr/>
+          </p:nvSpPr>
+          <p:spPr>
+            <a:xfrm rot="1200000">
+              <a:off x="965200" y="2189123"/>
+              <a:ext cx="45719" cy="1408440"/>
+            </a:xfrm>
+            <a:prstGeom prst="trapezoid">
+              <a:avLst/>
+            </a:prstGeom>
+            <a:solidFill>
+              <a:schemeClr val="tx1">
+                <a:lumMod val="85000"/>
+                <a:lumOff val="15000"/>
+              </a:schemeClr>
+            </a:solidFill>
+            <a:ln>
+              <a:noFill/>
+            </a:ln>
+          </p:spPr>
+          <p:style>
+            <a:lnRef idx="2">
+              <a:schemeClr val="accent1">
+                <a:shade val="50000"/>
+              </a:schemeClr>
+            </a:lnRef>
+            <a:fillRef idx="1">
+              <a:schemeClr val="accent1"/>
+            </a:fillRef>
+            <a:effectRef idx="0">
+              <a:schemeClr val="accent1"/>
+            </a:effectRef>
+            <a:fontRef idx="minor">
+              <a:schemeClr val="lt1"/>
+            </a:fontRef>
+          </p:style>
+          <p:txBody>
+            <a:bodyPr rtlCol="0" anchor="ctr"/>
+            <a:lstStyle/>
+            <a:p>
+              <a:pPr algn="ctr"/>
+              <a:endParaRPr lang="ko-KR" altLang="en-US"/>
+            </a:p>
+          </p:txBody>
+        </p:sp>
+        <p:grpSp>
+          <p:nvGrpSpPr>
+            <p:cNvPr id="56" name="그룹 55"/>
+            <p:cNvGrpSpPr/>
+            <p:nvPr/>
+          </p:nvGrpSpPr>
+          <p:grpSpPr>
+            <a:xfrm rot="20258602">
+              <a:off x="1137192" y="1579259"/>
+              <a:ext cx="1004811" cy="898759"/>
+              <a:chOff x="1890246" y="2275280"/>
+              <a:chExt cx="1489135" cy="1331965"/>
+            </a:xfrm>
+          </p:grpSpPr>
+          <p:sp>
+            <p:nvSpPr>
+              <p:cNvPr id="12" name="Freeform 9"/>
+              <p:cNvSpPr>
+                <a:spLocks/>
+              </p:cNvSpPr>
+              <p:nvPr/>
+            </p:nvSpPr>
+            <p:spPr bwMode="auto">
+              <a:xfrm flipH="1">
+                <a:off x="2047418" y="2275280"/>
+                <a:ext cx="785870" cy="785871"/>
+              </a:xfrm>
+              <a:custGeom>
+                <a:avLst/>
+                <a:gdLst>
+                  <a:gd name="T0" fmla="*/ 0 w 2055"/>
+                  <a:gd name="T1" fmla="*/ 935 h 2055"/>
+                  <a:gd name="T2" fmla="*/ 794 w 2055"/>
+                  <a:gd name="T3" fmla="*/ 144 h 2055"/>
+                  <a:gd name="T4" fmla="*/ 832 w 2055"/>
+                  <a:gd name="T5" fmla="*/ 110 h 2055"/>
+                  <a:gd name="T6" fmla="*/ 916 w 2055"/>
+                  <a:gd name="T7" fmla="*/ 55 h 2055"/>
+                  <a:gd name="T8" fmla="*/ 1007 w 2055"/>
+                  <a:gd name="T9" fmla="*/ 19 h 2055"/>
+                  <a:gd name="T10" fmla="*/ 1102 w 2055"/>
+                  <a:gd name="T11" fmla="*/ 0 h 2055"/>
+                  <a:gd name="T12" fmla="*/ 1198 w 2055"/>
+                  <a:gd name="T13" fmla="*/ 0 h 2055"/>
+                  <a:gd name="T14" fmla="*/ 1293 w 2055"/>
+                  <a:gd name="T15" fmla="*/ 19 h 2055"/>
+                  <a:gd name="T16" fmla="*/ 1384 w 2055"/>
+                  <a:gd name="T17" fmla="*/ 56 h 2055"/>
+                  <a:gd name="T18" fmla="*/ 1467 w 2055"/>
+                  <a:gd name="T19" fmla="*/ 111 h 2055"/>
+                  <a:gd name="T20" fmla="*/ 1505 w 2055"/>
+                  <a:gd name="T21" fmla="*/ 147 h 2055"/>
+                  <a:gd name="T22" fmla="*/ 1909 w 2055"/>
+                  <a:gd name="T23" fmla="*/ 554 h 2055"/>
+                  <a:gd name="T24" fmla="*/ 1945 w 2055"/>
+                  <a:gd name="T25" fmla="*/ 592 h 2055"/>
+                  <a:gd name="T26" fmla="*/ 2000 w 2055"/>
+                  <a:gd name="T27" fmla="*/ 675 h 2055"/>
+                  <a:gd name="T28" fmla="*/ 2036 w 2055"/>
+                  <a:gd name="T29" fmla="*/ 766 h 2055"/>
+                  <a:gd name="T30" fmla="*/ 2055 w 2055"/>
+                  <a:gd name="T31" fmla="*/ 861 h 2055"/>
+                  <a:gd name="T32" fmla="*/ 2053 w 2055"/>
+                  <a:gd name="T33" fmla="*/ 958 h 2055"/>
+                  <a:gd name="T34" fmla="*/ 2035 w 2055"/>
+                  <a:gd name="T35" fmla="*/ 1054 h 2055"/>
+                  <a:gd name="T36" fmla="*/ 1999 w 2055"/>
+                  <a:gd name="T37" fmla="*/ 1143 h 2055"/>
+                  <a:gd name="T38" fmla="*/ 1943 w 2055"/>
+                  <a:gd name="T39" fmla="*/ 1227 h 2055"/>
+                  <a:gd name="T40" fmla="*/ 1908 w 2055"/>
+                  <a:gd name="T41" fmla="*/ 1264 h 2055"/>
+                  <a:gd name="T42" fmla="*/ 1113 w 2055"/>
+                  <a:gd name="T43" fmla="*/ 2055 h 2055"/>
+                  <a:gd name="T44" fmla="*/ 0 w 2055"/>
+                  <a:gd name="T45" fmla="*/ 935 h 2055"/>
+                </a:gdLst>
+                <a:ahLst/>
+                <a:cxnLst>
+                  <a:cxn ang="0">
+                    <a:pos x="T0" y="T1"/>
+                  </a:cxn>
+                  <a:cxn ang="0">
+                    <a:pos x="T2" y="T3"/>
+                  </a:cxn>
+                  <a:cxn ang="0">
+                    <a:pos x="T4" y="T5"/>
+                  </a:cxn>
+                  <a:cxn ang="0">
+                    <a:pos x="T6" y="T7"/>
+                  </a:cxn>
+                  <a:cxn ang="0">
+                    <a:pos x="T8" y="T9"/>
+                  </a:cxn>
+                  <a:cxn ang="0">
+                    <a:pos x="T10" y="T11"/>
+                  </a:cxn>
+                  <a:cxn ang="0">
+                    <a:pos x="T12" y="T13"/>
+                  </a:cxn>
+                  <a:cxn ang="0">
+                    <a:pos x="T14" y="T15"/>
+                  </a:cxn>
+                  <a:cxn ang="0">
+                    <a:pos x="T16" y="T17"/>
+                  </a:cxn>
+                  <a:cxn ang="0">
+                    <a:pos x="T18" y="T19"/>
+                  </a:cxn>
+                  <a:cxn ang="0">
+                    <a:pos x="T20" y="T21"/>
+                  </a:cxn>
+                  <a:cxn ang="0">
+                    <a:pos x="T22" y="T23"/>
+                  </a:cxn>
+                  <a:cxn ang="0">
+                    <a:pos x="T24" y="T25"/>
+                  </a:cxn>
+                  <a:cxn ang="0">
+                    <a:pos x="T26" y="T27"/>
+                  </a:cxn>
+                  <a:cxn ang="0">
+                    <a:pos x="T28" y="T29"/>
+                  </a:cxn>
+                  <a:cxn ang="0">
+                    <a:pos x="T30" y="T31"/>
+                  </a:cxn>
+                  <a:cxn ang="0">
+                    <a:pos x="T32" y="T33"/>
+                  </a:cxn>
+                  <a:cxn ang="0">
+                    <a:pos x="T34" y="T35"/>
+                  </a:cxn>
+                  <a:cxn ang="0">
+                    <a:pos x="T36" y="T37"/>
+                  </a:cxn>
+                  <a:cxn ang="0">
+                    <a:pos x="T38" y="T39"/>
+                  </a:cxn>
+                  <a:cxn ang="0">
+                    <a:pos x="T40" y="T41"/>
+                  </a:cxn>
+                  <a:cxn ang="0">
+                    <a:pos x="T42" y="T43"/>
+                  </a:cxn>
+                  <a:cxn ang="0">
+                    <a:pos x="T44" y="T45"/>
+                  </a:cxn>
+                </a:cxnLst>
+                <a:rect l="0" t="0" r="r" b="b"/>
+                <a:pathLst>
+                  <a:path w="2055" h="2055">
+                    <a:moveTo>
+                      <a:pt x="0" y="935"/>
+                    </a:moveTo>
+                    <a:lnTo>
+                      <a:pt x="794" y="144"/>
+                    </a:lnTo>
+                    <a:lnTo>
+                      <a:pt x="832" y="110"/>
+                    </a:lnTo>
+                    <a:lnTo>
+                      <a:pt x="916" y="55"/>
+                    </a:lnTo>
+                    <a:lnTo>
+                      <a:pt x="1007" y="19"/>
+                    </a:lnTo>
+                    <a:lnTo>
+                      <a:pt x="1102" y="0"/>
+                    </a:lnTo>
+                    <a:lnTo>
+                      <a:pt x="1198" y="0"/>
+                    </a:lnTo>
+                    <a:lnTo>
+                      <a:pt x="1293" y="19"/>
+                    </a:lnTo>
+                    <a:lnTo>
+                      <a:pt x="1384" y="56"/>
+                    </a:lnTo>
+                    <a:lnTo>
+                      <a:pt x="1467" y="111"/>
+                    </a:lnTo>
+                    <a:lnTo>
+                      <a:pt x="1505" y="147"/>
+                    </a:lnTo>
+                    <a:lnTo>
+                      <a:pt x="1909" y="554"/>
+                    </a:lnTo>
+                    <a:lnTo>
+                      <a:pt x="1945" y="592"/>
+                    </a:lnTo>
+                    <a:lnTo>
+                      <a:pt x="2000" y="675"/>
+                    </a:lnTo>
+                    <a:lnTo>
+                      <a:pt x="2036" y="766"/>
+                    </a:lnTo>
+                    <a:lnTo>
+                      <a:pt x="2055" y="861"/>
+                    </a:lnTo>
+                    <a:lnTo>
+                      <a:pt x="2053" y="958"/>
+                    </a:lnTo>
+                    <a:lnTo>
+                      <a:pt x="2035" y="1054"/>
+                    </a:lnTo>
+                    <a:lnTo>
+                      <a:pt x="1999" y="1143"/>
+                    </a:lnTo>
+                    <a:lnTo>
+                      <a:pt x="1943" y="1227"/>
+                    </a:lnTo>
+                    <a:lnTo>
+                      <a:pt x="1908" y="1264"/>
+                    </a:lnTo>
+                    <a:lnTo>
+                      <a:pt x="1113" y="2055"/>
+                    </a:lnTo>
+                    <a:lnTo>
+                      <a:pt x="0" y="935"/>
+                    </a:lnTo>
+                    <a:close/>
+                  </a:path>
+                </a:pathLst>
+              </a:custGeom>
+              <a:solidFill>
+                <a:srgbClr val="363E42"/>
+              </a:solidFill>
+              <a:ln>
+                <a:noFill/>
+              </a:ln>
+              <a:extLst>
+                <a:ext uri="{91240B29-F687-4F45-9708-019B960494DF}">
+                  <a14:hiddenLine xmlns:a14="http://schemas.microsoft.com/office/drawing/2010/main" w="9525">
+                    <a:solidFill>
+                      <a:srgbClr val="000000"/>
+                    </a:solidFill>
+                    <a:round/>
+                    <a:headEnd/>
+                    <a:tailEnd/>
+                  </a14:hiddenLine>
+                </a:ext>
+              </a:extLst>
+            </p:spPr>
+            <p:txBody>
+              <a:bodyPr vert="horz" wrap="square" lIns="91440" tIns="45720" rIns="91440" bIns="45720" numCol="1" anchor="t" anchorCtr="0" compatLnSpc="1">
+                <a:prstTxWarp prst="textNoShape">
+                  <a:avLst/>
+                </a:prstTxWarp>
+              </a:bodyPr>
+              <a:lstStyle/>
+              <a:p>
+                <a:endParaRPr lang="ko-KR" altLang="en-US"/>
+              </a:p>
+            </p:txBody>
+          </p:sp>
+          <p:sp>
+            <p:nvSpPr>
+              <p:cNvPr id="13" name="Freeform 10"/>
+              <p:cNvSpPr>
+                <a:spLocks/>
+              </p:cNvSpPr>
+              <p:nvPr/>
+            </p:nvSpPr>
+            <p:spPr bwMode="auto">
+              <a:xfrm flipH="1">
+                <a:off x="2539590" y="2755981"/>
+                <a:ext cx="669997" cy="678029"/>
+              </a:xfrm>
+              <a:custGeom>
+                <a:avLst/>
+                <a:gdLst>
+                  <a:gd name="T0" fmla="*/ 190 w 1751"/>
+                  <a:gd name="T1" fmla="*/ 1526 h 1774"/>
+                  <a:gd name="T2" fmla="*/ 101 w 1751"/>
+                  <a:gd name="T3" fmla="*/ 1404 h 1774"/>
+                  <a:gd name="T4" fmla="*/ 39 w 1751"/>
+                  <a:gd name="T5" fmla="*/ 1269 h 1774"/>
+                  <a:gd name="T6" fmla="*/ 6 w 1751"/>
+                  <a:gd name="T7" fmla="*/ 1126 h 1774"/>
+                  <a:gd name="T8" fmla="*/ 2 w 1751"/>
+                  <a:gd name="T9" fmla="*/ 979 h 1774"/>
+                  <a:gd name="T10" fmla="*/ 25 w 1751"/>
+                  <a:gd name="T11" fmla="*/ 834 h 1774"/>
+                  <a:gd name="T12" fmla="*/ 75 w 1751"/>
+                  <a:gd name="T13" fmla="*/ 693 h 1774"/>
+                  <a:gd name="T14" fmla="*/ 154 w 1751"/>
+                  <a:gd name="T15" fmla="*/ 563 h 1774"/>
+                  <a:gd name="T16" fmla="*/ 232 w 1751"/>
+                  <a:gd name="T17" fmla="*/ 474 h 1774"/>
+                  <a:gd name="T18" fmla="*/ 355 w 1751"/>
+                  <a:gd name="T19" fmla="*/ 373 h 1774"/>
+                  <a:gd name="T20" fmla="*/ 539 w 1751"/>
+                  <a:gd name="T21" fmla="*/ 284 h 1774"/>
+                  <a:gd name="T22" fmla="*/ 735 w 1751"/>
+                  <a:gd name="T23" fmla="*/ 246 h 1774"/>
+                  <a:gd name="T24" fmla="*/ 932 w 1751"/>
+                  <a:gd name="T25" fmla="*/ 259 h 1774"/>
+                  <a:gd name="T26" fmla="*/ 1231 w 1751"/>
+                  <a:gd name="T27" fmla="*/ 22 h 1774"/>
+                  <a:gd name="T28" fmla="*/ 1272 w 1751"/>
+                  <a:gd name="T29" fmla="*/ 0 h 1774"/>
+                  <a:gd name="T30" fmla="*/ 1328 w 1751"/>
+                  <a:gd name="T31" fmla="*/ 10 h 1774"/>
+                  <a:gd name="T32" fmla="*/ 1730 w 1751"/>
+                  <a:gd name="T33" fmla="*/ 413 h 1774"/>
+                  <a:gd name="T34" fmla="*/ 1751 w 1751"/>
+                  <a:gd name="T35" fmla="*/ 454 h 1774"/>
+                  <a:gd name="T36" fmla="*/ 1740 w 1751"/>
+                  <a:gd name="T37" fmla="*/ 510 h 1774"/>
+                  <a:gd name="T38" fmla="*/ 1492 w 1751"/>
+                  <a:gd name="T39" fmla="*/ 756 h 1774"/>
+                  <a:gd name="T40" fmla="*/ 1527 w 1751"/>
+                  <a:gd name="T41" fmla="*/ 910 h 1774"/>
+                  <a:gd name="T42" fmla="*/ 1521 w 1751"/>
+                  <a:gd name="T43" fmla="*/ 1119 h 1774"/>
+                  <a:gd name="T44" fmla="*/ 1458 w 1751"/>
+                  <a:gd name="T45" fmla="*/ 1322 h 1774"/>
+                  <a:gd name="T46" fmla="*/ 1338 w 1751"/>
+                  <a:gd name="T47" fmla="*/ 1505 h 1774"/>
+                  <a:gd name="T48" fmla="*/ 1270 w 1751"/>
+                  <a:gd name="T49" fmla="*/ 1574 h 1774"/>
+                  <a:gd name="T50" fmla="*/ 1145 w 1751"/>
+                  <a:gd name="T51" fmla="*/ 1666 h 1774"/>
+                  <a:gd name="T52" fmla="*/ 1008 w 1751"/>
+                  <a:gd name="T53" fmla="*/ 1729 h 1774"/>
+                  <a:gd name="T54" fmla="*/ 864 w 1751"/>
+                  <a:gd name="T55" fmla="*/ 1765 h 1774"/>
+                  <a:gd name="T56" fmla="*/ 717 w 1751"/>
+                  <a:gd name="T57" fmla="*/ 1774 h 1774"/>
+                  <a:gd name="T58" fmla="*/ 573 w 1751"/>
+                  <a:gd name="T59" fmla="*/ 1754 h 1774"/>
+                  <a:gd name="T60" fmla="*/ 434 w 1751"/>
+                  <a:gd name="T61" fmla="*/ 1706 h 1774"/>
+                  <a:gd name="T62" fmla="*/ 304 w 1751"/>
+                  <a:gd name="T63" fmla="*/ 1630 h 1774"/>
+                  <a:gd name="T64" fmla="*/ 218 w 1751"/>
+                  <a:gd name="T65" fmla="*/ 1555 h 1774"/>
+                </a:gdLst>
+                <a:ahLst/>
+                <a:cxnLst>
+                  <a:cxn ang="0">
+                    <a:pos x="T0" y="T1"/>
+                  </a:cxn>
+                  <a:cxn ang="0">
+                    <a:pos x="T2" y="T3"/>
+                  </a:cxn>
+                  <a:cxn ang="0">
+                    <a:pos x="T4" y="T5"/>
+                  </a:cxn>
+                  <a:cxn ang="0">
+                    <a:pos x="T6" y="T7"/>
+                  </a:cxn>
+                  <a:cxn ang="0">
+                    <a:pos x="T8" y="T9"/>
+                  </a:cxn>
+                  <a:cxn ang="0">
+                    <a:pos x="T10" y="T11"/>
+                  </a:cxn>
+                  <a:cxn ang="0">
+                    <a:pos x="T12" y="T13"/>
+                  </a:cxn>
+                  <a:cxn ang="0">
+                    <a:pos x="T14" y="T15"/>
+                  </a:cxn>
+                  <a:cxn ang="0">
+                    <a:pos x="T16" y="T17"/>
+                  </a:cxn>
+                  <a:cxn ang="0">
+                    <a:pos x="T18" y="T19"/>
+                  </a:cxn>
+                  <a:cxn ang="0">
+                    <a:pos x="T20" y="T21"/>
+                  </a:cxn>
+                  <a:cxn ang="0">
+                    <a:pos x="T22" y="T23"/>
+                  </a:cxn>
+                  <a:cxn ang="0">
+                    <a:pos x="T24" y="T25"/>
+                  </a:cxn>
+                  <a:cxn ang="0">
+                    <a:pos x="T26" y="T27"/>
+                  </a:cxn>
+                  <a:cxn ang="0">
+                    <a:pos x="T28" y="T29"/>
+                  </a:cxn>
+                  <a:cxn ang="0">
+                    <a:pos x="T30" y="T31"/>
+                  </a:cxn>
+                  <a:cxn ang="0">
+                    <a:pos x="T32" y="T33"/>
+                  </a:cxn>
+                  <a:cxn ang="0">
+                    <a:pos x="T34" y="T35"/>
+                  </a:cxn>
+                  <a:cxn ang="0">
+                    <a:pos x="T36" y="T37"/>
+                  </a:cxn>
+                  <a:cxn ang="0">
+                    <a:pos x="T38" y="T39"/>
+                  </a:cxn>
+                  <a:cxn ang="0">
+                    <a:pos x="T40" y="T41"/>
+                  </a:cxn>
+                  <a:cxn ang="0">
+                    <a:pos x="T42" y="T43"/>
+                  </a:cxn>
+                  <a:cxn ang="0">
+                    <a:pos x="T44" y="T45"/>
+                  </a:cxn>
+                  <a:cxn ang="0">
+                    <a:pos x="T46" y="T47"/>
+                  </a:cxn>
+                  <a:cxn ang="0">
+                    <a:pos x="T48" y="T49"/>
+                  </a:cxn>
+                  <a:cxn ang="0">
+                    <a:pos x="T50" y="T51"/>
+                  </a:cxn>
+                  <a:cxn ang="0">
+                    <a:pos x="T52" y="T53"/>
+                  </a:cxn>
+                  <a:cxn ang="0">
+                    <a:pos x="T54" y="T55"/>
+                  </a:cxn>
+                  <a:cxn ang="0">
+                    <a:pos x="T56" y="T57"/>
+                  </a:cxn>
+                  <a:cxn ang="0">
+                    <a:pos x="T58" y="T59"/>
+                  </a:cxn>
+                  <a:cxn ang="0">
+                    <a:pos x="T60" y="T61"/>
+                  </a:cxn>
+                  <a:cxn ang="0">
+                    <a:pos x="T62" y="T63"/>
+                  </a:cxn>
+                  <a:cxn ang="0">
+                    <a:pos x="T64" y="T65"/>
+                  </a:cxn>
+                </a:cxnLst>
+                <a:rect l="0" t="0" r="r" b="b"/>
+                <a:pathLst>
+                  <a:path w="1751" h="1774">
+                    <a:moveTo>
+                      <a:pt x="218" y="1555"/>
+                    </a:moveTo>
+                    <a:lnTo>
+                      <a:pt x="190" y="1526"/>
+                    </a:lnTo>
+                    <a:lnTo>
+                      <a:pt x="141" y="1467"/>
+                    </a:lnTo>
+                    <a:lnTo>
+                      <a:pt x="101" y="1404"/>
+                    </a:lnTo>
+                    <a:lnTo>
+                      <a:pt x="67" y="1338"/>
+                    </a:lnTo>
+                    <a:lnTo>
+                      <a:pt x="39" y="1269"/>
+                    </a:lnTo>
+                    <a:lnTo>
+                      <a:pt x="19" y="1198"/>
+                    </a:lnTo>
+                    <a:lnTo>
+                      <a:pt x="6" y="1126"/>
+                    </a:lnTo>
+                    <a:lnTo>
+                      <a:pt x="0" y="1053"/>
+                    </a:lnTo>
+                    <a:lnTo>
+                      <a:pt x="2" y="979"/>
+                    </a:lnTo>
+                    <a:lnTo>
+                      <a:pt x="9" y="906"/>
+                    </a:lnTo>
+                    <a:lnTo>
+                      <a:pt x="25" y="834"/>
+                    </a:lnTo>
+                    <a:lnTo>
+                      <a:pt x="46" y="763"/>
+                    </a:lnTo>
+                    <a:lnTo>
+                      <a:pt x="75" y="693"/>
+                    </a:lnTo>
+                    <a:lnTo>
+                      <a:pt x="111" y="626"/>
+                    </a:lnTo>
+                    <a:lnTo>
+                      <a:pt x="154" y="563"/>
+                    </a:lnTo>
+                    <a:lnTo>
+                      <a:pt x="205" y="503"/>
+                    </a:lnTo>
+                    <a:lnTo>
+                      <a:pt x="232" y="474"/>
+                    </a:lnTo>
+                    <a:lnTo>
+                      <a:pt x="271" y="436"/>
+                    </a:lnTo>
+                    <a:lnTo>
+                      <a:pt x="355" y="373"/>
+                    </a:lnTo>
+                    <a:lnTo>
+                      <a:pt x="445" y="323"/>
+                    </a:lnTo>
+                    <a:lnTo>
+                      <a:pt x="539" y="284"/>
+                    </a:lnTo>
+                    <a:lnTo>
+                      <a:pt x="635" y="259"/>
+                    </a:lnTo>
+                    <a:lnTo>
+                      <a:pt x="735" y="246"/>
+                    </a:lnTo>
+                    <a:lnTo>
+                      <a:pt x="834" y="246"/>
+                    </a:lnTo>
+                    <a:lnTo>
+                      <a:pt x="932" y="259"/>
+                    </a:lnTo>
+                    <a:lnTo>
+                      <a:pt x="981" y="272"/>
+                    </a:lnTo>
+                    <a:lnTo>
+                      <a:pt x="1231" y="22"/>
+                    </a:lnTo>
+                    <a:lnTo>
+                      <a:pt x="1244" y="12"/>
+                    </a:lnTo>
+                    <a:lnTo>
+                      <a:pt x="1272" y="0"/>
+                    </a:lnTo>
+                    <a:lnTo>
+                      <a:pt x="1301" y="0"/>
+                    </a:lnTo>
+                    <a:lnTo>
+                      <a:pt x="1328" y="10"/>
+                    </a:lnTo>
+                    <a:lnTo>
+                      <a:pt x="1339" y="20"/>
+                    </a:lnTo>
+                    <a:lnTo>
+                      <a:pt x="1730" y="413"/>
+                    </a:lnTo>
+                    <a:lnTo>
+                      <a:pt x="1740" y="426"/>
+                    </a:lnTo>
+                    <a:lnTo>
+                      <a:pt x="1751" y="454"/>
+                    </a:lnTo>
+                    <a:lnTo>
+                      <a:pt x="1751" y="482"/>
+                    </a:lnTo>
+                    <a:lnTo>
+                      <a:pt x="1740" y="510"/>
+                    </a:lnTo>
+                    <a:lnTo>
+                      <a:pt x="1728" y="521"/>
+                    </a:lnTo>
+                    <a:lnTo>
+                      <a:pt x="1492" y="756"/>
+                    </a:lnTo>
+                    <a:lnTo>
+                      <a:pt x="1508" y="806"/>
+                    </a:lnTo>
+                    <a:lnTo>
+                      <a:pt x="1527" y="910"/>
+                    </a:lnTo>
+                    <a:lnTo>
+                      <a:pt x="1529" y="1015"/>
+                    </a:lnTo>
+                    <a:lnTo>
+                      <a:pt x="1521" y="1119"/>
+                    </a:lnTo>
+                    <a:lnTo>
+                      <a:pt x="1496" y="1222"/>
+                    </a:lnTo>
+                    <a:lnTo>
+                      <a:pt x="1458" y="1322"/>
+                    </a:lnTo>
+                    <a:lnTo>
+                      <a:pt x="1404" y="1417"/>
+                    </a:lnTo>
+                    <a:lnTo>
+                      <a:pt x="1338" y="1505"/>
+                    </a:lnTo>
+                    <a:lnTo>
+                      <a:pt x="1299" y="1546"/>
+                    </a:lnTo>
+                    <a:lnTo>
+                      <a:pt x="1270" y="1574"/>
+                    </a:lnTo>
+                    <a:lnTo>
+                      <a:pt x="1208" y="1623"/>
+                    </a:lnTo>
+                    <a:lnTo>
+                      <a:pt x="1145" y="1666"/>
+                    </a:lnTo>
+                    <a:lnTo>
+                      <a:pt x="1077" y="1700"/>
+                    </a:lnTo>
+                    <a:lnTo>
+                      <a:pt x="1008" y="1729"/>
+                    </a:lnTo>
+                    <a:lnTo>
+                      <a:pt x="938" y="1751"/>
+                    </a:lnTo>
+                    <a:lnTo>
+                      <a:pt x="864" y="1765"/>
+                    </a:lnTo>
+                    <a:lnTo>
+                      <a:pt x="791" y="1774"/>
+                    </a:lnTo>
+                    <a:lnTo>
+                      <a:pt x="717" y="1774"/>
+                    </a:lnTo>
+                    <a:lnTo>
+                      <a:pt x="645" y="1768"/>
+                    </a:lnTo>
+                    <a:lnTo>
+                      <a:pt x="573" y="1754"/>
+                    </a:lnTo>
+                    <a:lnTo>
+                      <a:pt x="503" y="1734"/>
+                    </a:lnTo>
+                    <a:lnTo>
+                      <a:pt x="434" y="1706"/>
+                    </a:lnTo>
+                    <a:lnTo>
+                      <a:pt x="368" y="1672"/>
+                    </a:lnTo>
+                    <a:lnTo>
+                      <a:pt x="304" y="1630"/>
+                    </a:lnTo>
+                    <a:lnTo>
+                      <a:pt x="245" y="1581"/>
+                    </a:lnTo>
+                    <a:lnTo>
+                      <a:pt x="218" y="1555"/>
+                    </a:lnTo>
+                    <a:lnTo>
+                      <a:pt x="218" y="1555"/>
+                    </a:lnTo>
+                    <a:close/>
+                  </a:path>
+                </a:pathLst>
+              </a:custGeom>
+              <a:solidFill>
+                <a:srgbClr val="FFC000"/>
+              </a:solidFill>
+              <a:ln>
+                <a:noFill/>
+              </a:ln>
+              <a:extLst>
+                <a:ext uri="{91240B29-F687-4F45-9708-019B960494DF}">
+                  <a14:hiddenLine xmlns:a14="http://schemas.microsoft.com/office/drawing/2010/main" w="9525">
+                    <a:solidFill>
+                      <a:srgbClr val="000000"/>
+                    </a:solidFill>
+                    <a:round/>
+                    <a:headEnd/>
+                    <a:tailEnd/>
+                  </a14:hiddenLine>
+                </a:ext>
+              </a:extLst>
+            </p:spPr>
+            <p:txBody>
+              <a:bodyPr vert="horz" wrap="square" lIns="91440" tIns="45720" rIns="91440" bIns="45720" numCol="1" anchor="t" anchorCtr="0" compatLnSpc="1">
+                <a:prstTxWarp prst="textNoShape">
+                  <a:avLst/>
+                </a:prstTxWarp>
+              </a:bodyPr>
+              <a:lstStyle/>
+              <a:p>
+                <a:endParaRPr lang="ko-KR" altLang="en-US"/>
+              </a:p>
+            </p:txBody>
+          </p:sp>
+          <p:sp>
+            <p:nvSpPr>
+              <p:cNvPr id="14" name="Freeform 11"/>
+              <p:cNvSpPr>
+                <a:spLocks/>
+              </p:cNvSpPr>
+              <p:nvPr/>
+            </p:nvSpPr>
+            <p:spPr bwMode="auto">
+              <a:xfrm flipH="1">
+                <a:off x="2305550" y="2529971"/>
+                <a:ext cx="1073831" cy="1077274"/>
+              </a:xfrm>
+              <a:custGeom>
+                <a:avLst/>
+                <a:gdLst>
+                  <a:gd name="T0" fmla="*/ 0 w 2810"/>
+                  <a:gd name="T1" fmla="*/ 583 h 2815"/>
+                  <a:gd name="T2" fmla="*/ 80 w 2810"/>
+                  <a:gd name="T3" fmla="*/ 507 h 2815"/>
+                  <a:gd name="T4" fmla="*/ 238 w 2810"/>
+                  <a:gd name="T5" fmla="*/ 374 h 2815"/>
+                  <a:gd name="T6" fmla="*/ 399 w 2810"/>
+                  <a:gd name="T7" fmla="*/ 262 h 2815"/>
+                  <a:gd name="T8" fmla="*/ 562 w 2810"/>
+                  <a:gd name="T9" fmla="*/ 171 h 2815"/>
+                  <a:gd name="T10" fmla="*/ 725 w 2810"/>
+                  <a:gd name="T11" fmla="*/ 101 h 2815"/>
+                  <a:gd name="T12" fmla="*/ 887 w 2810"/>
+                  <a:gd name="T13" fmla="*/ 49 h 2815"/>
+                  <a:gd name="T14" fmla="*/ 1047 w 2810"/>
+                  <a:gd name="T15" fmla="*/ 16 h 2815"/>
+                  <a:gd name="T16" fmla="*/ 1207 w 2810"/>
+                  <a:gd name="T17" fmla="*/ 0 h 2815"/>
+                  <a:gd name="T18" fmla="*/ 1363 w 2810"/>
+                  <a:gd name="T19" fmla="*/ 1 h 2815"/>
+                  <a:gd name="T20" fmla="*/ 1515 w 2810"/>
+                  <a:gd name="T21" fmla="*/ 18 h 2815"/>
+                  <a:gd name="T22" fmla="*/ 1663 w 2810"/>
+                  <a:gd name="T23" fmla="*/ 50 h 2815"/>
+                  <a:gd name="T24" fmla="*/ 1806 w 2810"/>
+                  <a:gd name="T25" fmla="*/ 95 h 2815"/>
+                  <a:gd name="T26" fmla="*/ 1943 w 2810"/>
+                  <a:gd name="T27" fmla="*/ 155 h 2815"/>
+                  <a:gd name="T28" fmla="*/ 2072 w 2810"/>
+                  <a:gd name="T29" fmla="*/ 226 h 2815"/>
+                  <a:gd name="T30" fmla="*/ 2195 w 2810"/>
+                  <a:gd name="T31" fmla="*/ 311 h 2815"/>
+                  <a:gd name="T32" fmla="*/ 2307 w 2810"/>
+                  <a:gd name="T33" fmla="*/ 404 h 2815"/>
+                  <a:gd name="T34" fmla="*/ 2412 w 2810"/>
+                  <a:gd name="T35" fmla="*/ 509 h 2815"/>
+                  <a:gd name="T36" fmla="*/ 2506 w 2810"/>
+                  <a:gd name="T37" fmla="*/ 623 h 2815"/>
+                  <a:gd name="T38" fmla="*/ 2588 w 2810"/>
+                  <a:gd name="T39" fmla="*/ 746 h 2815"/>
+                  <a:gd name="T40" fmla="*/ 2660 w 2810"/>
+                  <a:gd name="T41" fmla="*/ 875 h 2815"/>
+                  <a:gd name="T42" fmla="*/ 2717 w 2810"/>
+                  <a:gd name="T43" fmla="*/ 1012 h 2815"/>
+                  <a:gd name="T44" fmla="*/ 2764 w 2810"/>
+                  <a:gd name="T45" fmla="*/ 1156 h 2815"/>
+                  <a:gd name="T46" fmla="*/ 2794 w 2810"/>
+                  <a:gd name="T47" fmla="*/ 1304 h 2815"/>
+                  <a:gd name="T48" fmla="*/ 2810 w 2810"/>
+                  <a:gd name="T49" fmla="*/ 1457 h 2815"/>
+                  <a:gd name="T50" fmla="*/ 2810 w 2810"/>
+                  <a:gd name="T51" fmla="*/ 1612 h 2815"/>
+                  <a:gd name="T52" fmla="*/ 2792 w 2810"/>
+                  <a:gd name="T53" fmla="*/ 1771 h 2815"/>
+                  <a:gd name="T54" fmla="*/ 2759 w 2810"/>
+                  <a:gd name="T55" fmla="*/ 1932 h 2815"/>
+                  <a:gd name="T56" fmla="*/ 2706 w 2810"/>
+                  <a:gd name="T57" fmla="*/ 2093 h 2815"/>
+                  <a:gd name="T58" fmla="*/ 2634 w 2810"/>
+                  <a:gd name="T59" fmla="*/ 2256 h 2815"/>
+                  <a:gd name="T60" fmla="*/ 2543 w 2810"/>
+                  <a:gd name="T61" fmla="*/ 2417 h 2815"/>
+                  <a:gd name="T62" fmla="*/ 2431 w 2810"/>
+                  <a:gd name="T63" fmla="*/ 2578 h 2815"/>
+                  <a:gd name="T64" fmla="*/ 2297 w 2810"/>
+                  <a:gd name="T65" fmla="*/ 2737 h 2815"/>
+                  <a:gd name="T66" fmla="*/ 2221 w 2810"/>
+                  <a:gd name="T67" fmla="*/ 2815 h 2815"/>
+                  <a:gd name="T68" fmla="*/ 0 w 2810"/>
+                  <a:gd name="T69" fmla="*/ 583 h 2815"/>
+                </a:gdLst>
+                <a:ahLst/>
+                <a:cxnLst>
+                  <a:cxn ang="0">
+                    <a:pos x="T0" y="T1"/>
+                  </a:cxn>
+                  <a:cxn ang="0">
+                    <a:pos x="T2" y="T3"/>
+                  </a:cxn>
+                  <a:cxn ang="0">
+                    <a:pos x="T4" y="T5"/>
+                  </a:cxn>
+                  <a:cxn ang="0">
+                    <a:pos x="T6" y="T7"/>
+                  </a:cxn>
+                  <a:cxn ang="0">
+                    <a:pos x="T8" y="T9"/>
+                  </a:cxn>
+                  <a:cxn ang="0">
+                    <a:pos x="T10" y="T11"/>
+                  </a:cxn>
+                  <a:cxn ang="0">
+                    <a:pos x="T12" y="T13"/>
+                  </a:cxn>
+                  <a:cxn ang="0">
+                    <a:pos x="T14" y="T15"/>
+                  </a:cxn>
+                  <a:cxn ang="0">
+                    <a:pos x="T16" y="T17"/>
+                  </a:cxn>
+                  <a:cxn ang="0">
+                    <a:pos x="T18" y="T19"/>
+                  </a:cxn>
+                  <a:cxn ang="0">
+                    <a:pos x="T20" y="T21"/>
+                  </a:cxn>
+                  <a:cxn ang="0">
+                    <a:pos x="T22" y="T23"/>
+                  </a:cxn>
+                  <a:cxn ang="0">
+                    <a:pos x="T24" y="T25"/>
+                  </a:cxn>
+                  <a:cxn ang="0">
+                    <a:pos x="T26" y="T27"/>
+                  </a:cxn>
+                  <a:cxn ang="0">
+                    <a:pos x="T28" y="T29"/>
+                  </a:cxn>
+                  <a:cxn ang="0">
+                    <a:pos x="T30" y="T31"/>
+                  </a:cxn>
+                  <a:cxn ang="0">
+                    <a:pos x="T32" y="T33"/>
+                  </a:cxn>
+                  <a:cxn ang="0">
+                    <a:pos x="T34" y="T35"/>
+                  </a:cxn>
+                  <a:cxn ang="0">
+                    <a:pos x="T36" y="T37"/>
+                  </a:cxn>
+                  <a:cxn ang="0">
+                    <a:pos x="T38" y="T39"/>
+                  </a:cxn>
+                  <a:cxn ang="0">
+                    <a:pos x="T40" y="T41"/>
+                  </a:cxn>
+                  <a:cxn ang="0">
+                    <a:pos x="T42" y="T43"/>
+                  </a:cxn>
+                  <a:cxn ang="0">
+                    <a:pos x="T44" y="T45"/>
+                  </a:cxn>
+                  <a:cxn ang="0">
+                    <a:pos x="T46" y="T47"/>
+                  </a:cxn>
+                  <a:cxn ang="0">
+                    <a:pos x="T48" y="T49"/>
+                  </a:cxn>
+                  <a:cxn ang="0">
+                    <a:pos x="T50" y="T51"/>
+                  </a:cxn>
+                  <a:cxn ang="0">
+                    <a:pos x="T52" y="T53"/>
+                  </a:cxn>
+                  <a:cxn ang="0">
+                    <a:pos x="T54" y="T55"/>
+                  </a:cxn>
+                  <a:cxn ang="0">
+                    <a:pos x="T56" y="T57"/>
+                  </a:cxn>
+                  <a:cxn ang="0">
+                    <a:pos x="T58" y="T59"/>
+                  </a:cxn>
+                  <a:cxn ang="0">
+                    <a:pos x="T60" y="T61"/>
+                  </a:cxn>
+                  <a:cxn ang="0">
+                    <a:pos x="T62" y="T63"/>
+                  </a:cxn>
+                  <a:cxn ang="0">
+                    <a:pos x="T64" y="T65"/>
+                  </a:cxn>
+                  <a:cxn ang="0">
+                    <a:pos x="T66" y="T67"/>
+                  </a:cxn>
+                  <a:cxn ang="0">
+                    <a:pos x="T68" y="T69"/>
+                  </a:cxn>
+                </a:cxnLst>
+                <a:rect l="0" t="0" r="r" b="b"/>
+                <a:pathLst>
+                  <a:path w="2810" h="2815">
+                    <a:moveTo>
+                      <a:pt x="0" y="583"/>
+                    </a:moveTo>
+                    <a:lnTo>
+                      <a:pt x="80" y="507"/>
+                    </a:lnTo>
+                    <a:lnTo>
+                      <a:pt x="238" y="374"/>
+                    </a:lnTo>
+                    <a:lnTo>
+                      <a:pt x="399" y="262"/>
+                    </a:lnTo>
+                    <a:lnTo>
+                      <a:pt x="562" y="171"/>
+                    </a:lnTo>
+                    <a:lnTo>
+                      <a:pt x="725" y="101"/>
+                    </a:lnTo>
+                    <a:lnTo>
+                      <a:pt x="887" y="49"/>
+                    </a:lnTo>
+                    <a:lnTo>
+                      <a:pt x="1047" y="16"/>
+                    </a:lnTo>
+                    <a:lnTo>
+                      <a:pt x="1207" y="0"/>
+                    </a:lnTo>
+                    <a:lnTo>
+                      <a:pt x="1363" y="1"/>
+                    </a:lnTo>
+                    <a:lnTo>
+                      <a:pt x="1515" y="18"/>
+                    </a:lnTo>
+                    <a:lnTo>
+                      <a:pt x="1663" y="50"/>
+                    </a:lnTo>
+                    <a:lnTo>
+                      <a:pt x="1806" y="95"/>
+                    </a:lnTo>
+                    <a:lnTo>
+                      <a:pt x="1943" y="155"/>
+                    </a:lnTo>
+                    <a:lnTo>
+                      <a:pt x="2072" y="226"/>
+                    </a:lnTo>
+                    <a:lnTo>
+                      <a:pt x="2195" y="311"/>
+                    </a:lnTo>
+                    <a:lnTo>
+                      <a:pt x="2307" y="404"/>
+                    </a:lnTo>
+                    <a:lnTo>
+                      <a:pt x="2412" y="509"/>
+                    </a:lnTo>
+                    <a:lnTo>
+                      <a:pt x="2506" y="623"/>
+                    </a:lnTo>
+                    <a:lnTo>
+                      <a:pt x="2588" y="746"/>
+                    </a:lnTo>
+                    <a:lnTo>
+                      <a:pt x="2660" y="875"/>
+                    </a:lnTo>
+                    <a:lnTo>
+                      <a:pt x="2717" y="1012"/>
+                    </a:lnTo>
+                    <a:lnTo>
+                      <a:pt x="2764" y="1156"/>
+                    </a:lnTo>
+                    <a:lnTo>
+                      <a:pt x="2794" y="1304"/>
+                    </a:lnTo>
+                    <a:lnTo>
+                      <a:pt x="2810" y="1457"/>
+                    </a:lnTo>
+                    <a:lnTo>
+                      <a:pt x="2810" y="1612"/>
+                    </a:lnTo>
+                    <a:lnTo>
+                      <a:pt x="2792" y="1771"/>
+                    </a:lnTo>
+                    <a:lnTo>
+                      <a:pt x="2759" y="1932"/>
+                    </a:lnTo>
+                    <a:lnTo>
+                      <a:pt x="2706" y="2093"/>
+                    </a:lnTo>
+                    <a:lnTo>
+                      <a:pt x="2634" y="2256"/>
+                    </a:lnTo>
+                    <a:lnTo>
+                      <a:pt x="2543" y="2417"/>
+                    </a:lnTo>
+                    <a:lnTo>
+                      <a:pt x="2431" y="2578"/>
+                    </a:lnTo>
+                    <a:lnTo>
+                      <a:pt x="2297" y="2737"/>
+                    </a:lnTo>
+                    <a:lnTo>
+                      <a:pt x="2221" y="2815"/>
+                    </a:lnTo>
+                    <a:lnTo>
+                      <a:pt x="0" y="583"/>
+                    </a:lnTo>
+                    <a:close/>
+                  </a:path>
+                </a:pathLst>
+              </a:custGeom>
+              <a:solidFill>
+                <a:srgbClr val="363E42"/>
+              </a:solidFill>
+              <a:ln>
+                <a:noFill/>
+              </a:ln>
+              <a:extLst>
+                <a:ext uri="{91240B29-F687-4F45-9708-019B960494DF}">
+                  <a14:hiddenLine xmlns:a14="http://schemas.microsoft.com/office/drawing/2010/main" w="9525">
+                    <a:solidFill>
+                      <a:srgbClr val="000000"/>
+                    </a:solidFill>
+                    <a:round/>
+                    <a:headEnd/>
+                    <a:tailEnd/>
+                  </a14:hiddenLine>
+                </a:ext>
+              </a:extLst>
+            </p:spPr>
+            <p:txBody>
+              <a:bodyPr vert="horz" wrap="square" lIns="91440" tIns="45720" rIns="91440" bIns="45720" numCol="1" anchor="t" anchorCtr="0" compatLnSpc="1">
+                <a:prstTxWarp prst="textNoShape">
+                  <a:avLst/>
+                </a:prstTxWarp>
+              </a:bodyPr>
+              <a:lstStyle/>
+              <a:p>
+                <a:endParaRPr lang="ko-KR" altLang="en-US"/>
+              </a:p>
+            </p:txBody>
+          </p:sp>
+          <p:sp>
+            <p:nvSpPr>
+              <p:cNvPr id="19" name="Freeform 16"/>
+              <p:cNvSpPr>
+                <a:spLocks/>
+              </p:cNvSpPr>
+              <p:nvPr/>
+            </p:nvSpPr>
+            <p:spPr bwMode="auto">
+              <a:xfrm flipH="1">
+                <a:off x="1890246" y="2539149"/>
+                <a:ext cx="461197" cy="461197"/>
+              </a:xfrm>
+              <a:custGeom>
+                <a:avLst/>
+                <a:gdLst>
+                  <a:gd name="T0" fmla="*/ 0 w 1205"/>
+                  <a:gd name="T1" fmla="*/ 469 h 1206"/>
+                  <a:gd name="T2" fmla="*/ 474 w 1205"/>
+                  <a:gd name="T3" fmla="*/ 0 h 1206"/>
+                  <a:gd name="T4" fmla="*/ 1110 w 1205"/>
+                  <a:gd name="T5" fmla="*/ 641 h 1206"/>
+                  <a:gd name="T6" fmla="*/ 1133 w 1205"/>
+                  <a:gd name="T7" fmla="*/ 665 h 1206"/>
+                  <a:gd name="T8" fmla="*/ 1169 w 1205"/>
+                  <a:gd name="T9" fmla="*/ 720 h 1206"/>
+                  <a:gd name="T10" fmla="*/ 1194 w 1205"/>
+                  <a:gd name="T11" fmla="*/ 780 h 1206"/>
+                  <a:gd name="T12" fmla="*/ 1205 w 1205"/>
+                  <a:gd name="T13" fmla="*/ 844 h 1206"/>
+                  <a:gd name="T14" fmla="*/ 1205 w 1205"/>
+                  <a:gd name="T15" fmla="*/ 908 h 1206"/>
+                  <a:gd name="T16" fmla="*/ 1194 w 1205"/>
+                  <a:gd name="T17" fmla="*/ 970 h 1206"/>
+                  <a:gd name="T18" fmla="*/ 1169 w 1205"/>
+                  <a:gd name="T19" fmla="*/ 1031 h 1206"/>
+                  <a:gd name="T20" fmla="*/ 1132 w 1205"/>
+                  <a:gd name="T21" fmla="*/ 1087 h 1206"/>
+                  <a:gd name="T22" fmla="*/ 1109 w 1205"/>
+                  <a:gd name="T23" fmla="*/ 1111 h 1206"/>
+                  <a:gd name="T24" fmla="*/ 1109 w 1205"/>
+                  <a:gd name="T25" fmla="*/ 1111 h 1206"/>
+                  <a:gd name="T26" fmla="*/ 1084 w 1205"/>
+                  <a:gd name="T27" fmla="*/ 1134 h 1206"/>
+                  <a:gd name="T28" fmla="*/ 1028 w 1205"/>
+                  <a:gd name="T29" fmla="*/ 1170 h 1206"/>
+                  <a:gd name="T30" fmla="*/ 968 w 1205"/>
+                  <a:gd name="T31" fmla="*/ 1195 h 1206"/>
+                  <a:gd name="T32" fmla="*/ 904 w 1205"/>
+                  <a:gd name="T33" fmla="*/ 1206 h 1206"/>
+                  <a:gd name="T34" fmla="*/ 841 w 1205"/>
+                  <a:gd name="T35" fmla="*/ 1206 h 1206"/>
+                  <a:gd name="T36" fmla="*/ 778 w 1205"/>
+                  <a:gd name="T37" fmla="*/ 1195 h 1206"/>
+                  <a:gd name="T38" fmla="*/ 717 w 1205"/>
+                  <a:gd name="T39" fmla="*/ 1170 h 1206"/>
+                  <a:gd name="T40" fmla="*/ 662 w 1205"/>
+                  <a:gd name="T41" fmla="*/ 1133 h 1206"/>
+                  <a:gd name="T42" fmla="*/ 638 w 1205"/>
+                  <a:gd name="T43" fmla="*/ 1110 h 1206"/>
+                  <a:gd name="T44" fmla="*/ 0 w 1205"/>
+                  <a:gd name="T45" fmla="*/ 469 h 1206"/>
+                </a:gdLst>
+                <a:ahLst/>
+                <a:cxnLst>
+                  <a:cxn ang="0">
+                    <a:pos x="T0" y="T1"/>
+                  </a:cxn>
+                  <a:cxn ang="0">
+                    <a:pos x="T2" y="T3"/>
+                  </a:cxn>
+                  <a:cxn ang="0">
+                    <a:pos x="T4" y="T5"/>
+                  </a:cxn>
+                  <a:cxn ang="0">
+                    <a:pos x="T6" y="T7"/>
+                  </a:cxn>
+                  <a:cxn ang="0">
+                    <a:pos x="T8" y="T9"/>
+                  </a:cxn>
+                  <a:cxn ang="0">
+                    <a:pos x="T10" y="T11"/>
+                  </a:cxn>
+                  <a:cxn ang="0">
+                    <a:pos x="T12" y="T13"/>
+                  </a:cxn>
+                  <a:cxn ang="0">
+                    <a:pos x="T14" y="T15"/>
+                  </a:cxn>
+                  <a:cxn ang="0">
+                    <a:pos x="T16" y="T17"/>
+                  </a:cxn>
+                  <a:cxn ang="0">
+                    <a:pos x="T18" y="T19"/>
+                  </a:cxn>
+                  <a:cxn ang="0">
+                    <a:pos x="T20" y="T21"/>
+                  </a:cxn>
+                  <a:cxn ang="0">
+                    <a:pos x="T22" y="T23"/>
+                  </a:cxn>
+                  <a:cxn ang="0">
+                    <a:pos x="T24" y="T25"/>
+                  </a:cxn>
+                  <a:cxn ang="0">
+                    <a:pos x="T26" y="T27"/>
+                  </a:cxn>
+                  <a:cxn ang="0">
+                    <a:pos x="T28" y="T29"/>
+                  </a:cxn>
+                  <a:cxn ang="0">
+                    <a:pos x="T30" y="T31"/>
+                  </a:cxn>
+                  <a:cxn ang="0">
+                    <a:pos x="T32" y="T33"/>
+                  </a:cxn>
+                  <a:cxn ang="0">
+                    <a:pos x="T34" y="T35"/>
+                  </a:cxn>
+                  <a:cxn ang="0">
+                    <a:pos x="T36" y="T37"/>
+                  </a:cxn>
+                  <a:cxn ang="0">
+                    <a:pos x="T38" y="T39"/>
+                  </a:cxn>
+                  <a:cxn ang="0">
+                    <a:pos x="T40" y="T41"/>
+                  </a:cxn>
+                  <a:cxn ang="0">
+                    <a:pos x="T42" y="T43"/>
+                  </a:cxn>
+                  <a:cxn ang="0">
+                    <a:pos x="T44" y="T45"/>
+                  </a:cxn>
+                </a:cxnLst>
+                <a:rect l="0" t="0" r="r" b="b"/>
+                <a:pathLst>
+                  <a:path w="1205" h="1206">
+                    <a:moveTo>
+                      <a:pt x="0" y="469"/>
+                    </a:moveTo>
+                    <a:lnTo>
+                      <a:pt x="474" y="0"/>
+                    </a:lnTo>
+                    <a:lnTo>
+                      <a:pt x="1110" y="641"/>
+                    </a:lnTo>
+                    <a:lnTo>
+                      <a:pt x="1133" y="665"/>
+                    </a:lnTo>
+                    <a:lnTo>
+                      <a:pt x="1169" y="720"/>
+                    </a:lnTo>
+                    <a:lnTo>
+                      <a:pt x="1194" y="780"/>
+                    </a:lnTo>
+                    <a:lnTo>
+                      <a:pt x="1205" y="844"/>
+                    </a:lnTo>
+                    <a:lnTo>
+                      <a:pt x="1205" y="908"/>
+                    </a:lnTo>
+                    <a:lnTo>
+                      <a:pt x="1194" y="970"/>
+                    </a:lnTo>
+                    <a:lnTo>
+                      <a:pt x="1169" y="1031"/>
+                    </a:lnTo>
+                    <a:lnTo>
+                      <a:pt x="1132" y="1087"/>
+                    </a:lnTo>
+                    <a:lnTo>
+                      <a:pt x="1109" y="1111"/>
+                    </a:lnTo>
+                    <a:lnTo>
+                      <a:pt x="1109" y="1111"/>
+                    </a:lnTo>
+                    <a:lnTo>
+                      <a:pt x="1084" y="1134"/>
+                    </a:lnTo>
+                    <a:lnTo>
+                      <a:pt x="1028" y="1170"/>
+                    </a:lnTo>
+                    <a:lnTo>
+                      <a:pt x="968" y="1195"/>
+                    </a:lnTo>
+                    <a:lnTo>
+                      <a:pt x="904" y="1206"/>
+                    </a:lnTo>
+                    <a:lnTo>
+                      <a:pt x="841" y="1206"/>
+                    </a:lnTo>
+                    <a:lnTo>
+                      <a:pt x="778" y="1195"/>
+                    </a:lnTo>
+                    <a:lnTo>
+                      <a:pt x="717" y="1170"/>
+                    </a:lnTo>
+                    <a:lnTo>
+                      <a:pt x="662" y="1133"/>
+                    </a:lnTo>
+                    <a:lnTo>
+                      <a:pt x="638" y="1110"/>
+                    </a:lnTo>
+                    <a:lnTo>
+                      <a:pt x="0" y="469"/>
+                    </a:lnTo>
+                    <a:close/>
+                  </a:path>
+                </a:pathLst>
+              </a:custGeom>
+              <a:solidFill>
+                <a:srgbClr val="363E42"/>
+              </a:solidFill>
+              <a:ln>
+                <a:noFill/>
+              </a:ln>
+              <a:extLst>
+                <a:ext uri="{91240B29-F687-4F45-9708-019B960494DF}">
+                  <a14:hiddenLine xmlns:a14="http://schemas.microsoft.com/office/drawing/2010/main" w="9525">
+                    <a:solidFill>
+                      <a:srgbClr val="000000"/>
+                    </a:solidFill>
+                    <a:round/>
+                    <a:headEnd/>
+                    <a:tailEnd/>
+                  </a14:hiddenLine>
+                </a:ext>
+              </a:extLst>
+            </p:spPr>
+            <p:txBody>
+              <a:bodyPr vert="horz" wrap="square" lIns="91440" tIns="45720" rIns="91440" bIns="45720" numCol="1" anchor="t" anchorCtr="0" compatLnSpc="1">
+                <a:prstTxWarp prst="textNoShape">
+                  <a:avLst/>
+                </a:prstTxWarp>
+              </a:bodyPr>
+              <a:lstStyle/>
+              <a:p>
+                <a:endParaRPr lang="ko-KR" altLang="en-US"/>
+              </a:p>
+            </p:txBody>
+          </p:sp>
+          <p:sp>
+            <p:nvSpPr>
+              <p:cNvPr id="20" name="Freeform 17"/>
+              <p:cNvSpPr>
+                <a:spLocks/>
+              </p:cNvSpPr>
+              <p:nvPr/>
+            </p:nvSpPr>
+            <p:spPr bwMode="auto">
+              <a:xfrm flipH="1">
+                <a:off x="1945320" y="2809901"/>
+                <a:ext cx="126198" cy="126198"/>
+              </a:xfrm>
+              <a:custGeom>
+                <a:avLst/>
+                <a:gdLst>
+                  <a:gd name="T0" fmla="*/ 164 w 330"/>
+                  <a:gd name="T1" fmla="*/ 330 h 330"/>
+                  <a:gd name="T2" fmla="*/ 199 w 330"/>
+                  <a:gd name="T3" fmla="*/ 328 h 330"/>
+                  <a:gd name="T4" fmla="*/ 258 w 330"/>
+                  <a:gd name="T5" fmla="*/ 303 h 330"/>
+                  <a:gd name="T6" fmla="*/ 302 w 330"/>
+                  <a:gd name="T7" fmla="*/ 258 h 330"/>
+                  <a:gd name="T8" fmla="*/ 327 w 330"/>
+                  <a:gd name="T9" fmla="*/ 199 h 330"/>
+                  <a:gd name="T10" fmla="*/ 330 w 330"/>
+                  <a:gd name="T11" fmla="*/ 166 h 330"/>
+                  <a:gd name="T12" fmla="*/ 327 w 330"/>
+                  <a:gd name="T13" fmla="*/ 133 h 330"/>
+                  <a:gd name="T14" fmla="*/ 302 w 330"/>
+                  <a:gd name="T15" fmla="*/ 74 h 330"/>
+                  <a:gd name="T16" fmla="*/ 258 w 330"/>
+                  <a:gd name="T17" fmla="*/ 28 h 330"/>
+                  <a:gd name="T18" fmla="*/ 199 w 330"/>
+                  <a:gd name="T19" fmla="*/ 3 h 330"/>
+                  <a:gd name="T20" fmla="*/ 164 w 330"/>
+                  <a:gd name="T21" fmla="*/ 0 h 330"/>
+                  <a:gd name="T22" fmla="*/ 131 w 330"/>
+                  <a:gd name="T23" fmla="*/ 3 h 330"/>
+                  <a:gd name="T24" fmla="*/ 72 w 330"/>
+                  <a:gd name="T25" fmla="*/ 28 h 330"/>
+                  <a:gd name="T26" fmla="*/ 27 w 330"/>
+                  <a:gd name="T27" fmla="*/ 74 h 330"/>
+                  <a:gd name="T28" fmla="*/ 3 w 330"/>
+                  <a:gd name="T29" fmla="*/ 133 h 330"/>
+                  <a:gd name="T30" fmla="*/ 0 w 330"/>
+                  <a:gd name="T31" fmla="*/ 166 h 330"/>
+                  <a:gd name="T32" fmla="*/ 3 w 330"/>
+                  <a:gd name="T33" fmla="*/ 199 h 330"/>
+                  <a:gd name="T34" fmla="*/ 27 w 330"/>
+                  <a:gd name="T35" fmla="*/ 258 h 330"/>
+                  <a:gd name="T36" fmla="*/ 72 w 330"/>
+                  <a:gd name="T37" fmla="*/ 303 h 330"/>
+                  <a:gd name="T38" fmla="*/ 131 w 330"/>
+                  <a:gd name="T39" fmla="*/ 328 h 330"/>
+                  <a:gd name="T40" fmla="*/ 164 w 330"/>
+                  <a:gd name="T41" fmla="*/ 330 h 330"/>
+                </a:gdLst>
+                <a:ahLst/>
+                <a:cxnLst>
+                  <a:cxn ang="0">
+                    <a:pos x="T0" y="T1"/>
+                  </a:cxn>
+                  <a:cxn ang="0">
+                    <a:pos x="T2" y="T3"/>
+                  </a:cxn>
+                  <a:cxn ang="0">
+                    <a:pos x="T4" y="T5"/>
+                  </a:cxn>
+                  <a:cxn ang="0">
+                    <a:pos x="T6" y="T7"/>
+                  </a:cxn>
+                  <a:cxn ang="0">
+                    <a:pos x="T8" y="T9"/>
+                  </a:cxn>
+                  <a:cxn ang="0">
+                    <a:pos x="T10" y="T11"/>
+                  </a:cxn>
+                  <a:cxn ang="0">
+                    <a:pos x="T12" y="T13"/>
+                  </a:cxn>
+                  <a:cxn ang="0">
+                    <a:pos x="T14" y="T15"/>
+                  </a:cxn>
+                  <a:cxn ang="0">
+                    <a:pos x="T16" y="T17"/>
+                  </a:cxn>
+                  <a:cxn ang="0">
+                    <a:pos x="T18" y="T19"/>
+                  </a:cxn>
+                  <a:cxn ang="0">
+                    <a:pos x="T20" y="T21"/>
+                  </a:cxn>
+                  <a:cxn ang="0">
+                    <a:pos x="T22" y="T23"/>
+                  </a:cxn>
+                  <a:cxn ang="0">
+                    <a:pos x="T24" y="T25"/>
+                  </a:cxn>
+                  <a:cxn ang="0">
+                    <a:pos x="T26" y="T27"/>
+                  </a:cxn>
+                  <a:cxn ang="0">
+                    <a:pos x="T28" y="T29"/>
+                  </a:cxn>
+                  <a:cxn ang="0">
+                    <a:pos x="T30" y="T31"/>
+                  </a:cxn>
+                  <a:cxn ang="0">
+                    <a:pos x="T32" y="T33"/>
+                  </a:cxn>
+                  <a:cxn ang="0">
+                    <a:pos x="T34" y="T35"/>
+                  </a:cxn>
+                  <a:cxn ang="0">
+                    <a:pos x="T36" y="T37"/>
+                  </a:cxn>
+                  <a:cxn ang="0">
+                    <a:pos x="T38" y="T39"/>
+                  </a:cxn>
+                  <a:cxn ang="0">
+                    <a:pos x="T40" y="T41"/>
+                  </a:cxn>
+                </a:cxnLst>
+                <a:rect l="0" t="0" r="r" b="b"/>
+                <a:pathLst>
+                  <a:path w="330" h="330">
+                    <a:moveTo>
+                      <a:pt x="164" y="330"/>
+                    </a:moveTo>
+                    <a:lnTo>
+                      <a:pt x="199" y="328"/>
+                    </a:lnTo>
+                    <a:lnTo>
+                      <a:pt x="258" y="303"/>
+                    </a:lnTo>
+                    <a:lnTo>
+                      <a:pt x="302" y="258"/>
+                    </a:lnTo>
+                    <a:lnTo>
+                      <a:pt x="327" y="199"/>
+                    </a:lnTo>
+                    <a:lnTo>
+                      <a:pt x="330" y="166"/>
+                    </a:lnTo>
+                    <a:lnTo>
+                      <a:pt x="327" y="133"/>
+                    </a:lnTo>
+                    <a:lnTo>
+                      <a:pt x="302" y="74"/>
+                    </a:lnTo>
+                    <a:lnTo>
+                      <a:pt x="258" y="28"/>
+                    </a:lnTo>
+                    <a:lnTo>
+                      <a:pt x="199" y="3"/>
+                    </a:lnTo>
+                    <a:lnTo>
+                      <a:pt x="164" y="0"/>
+                    </a:lnTo>
+                    <a:lnTo>
+                      <a:pt x="131" y="3"/>
+                    </a:lnTo>
+                    <a:lnTo>
+                      <a:pt x="72" y="28"/>
+                    </a:lnTo>
+                    <a:lnTo>
+                      <a:pt x="27" y="74"/>
+                    </a:lnTo>
+                    <a:lnTo>
+                      <a:pt x="3" y="133"/>
+                    </a:lnTo>
+                    <a:lnTo>
+                      <a:pt x="0" y="166"/>
+                    </a:lnTo>
+                    <a:lnTo>
+                      <a:pt x="3" y="199"/>
+                    </a:lnTo>
+                    <a:lnTo>
+                      <a:pt x="27" y="258"/>
+                    </a:lnTo>
+                    <a:lnTo>
+                      <a:pt x="72" y="303"/>
+                    </a:lnTo>
+                    <a:lnTo>
+                      <a:pt x="131" y="328"/>
+                    </a:lnTo>
+                    <a:lnTo>
+                      <a:pt x="164" y="330"/>
+                    </a:lnTo>
+                    <a:close/>
+                  </a:path>
+                </a:pathLst>
+              </a:custGeom>
+              <a:solidFill>
+                <a:schemeClr val="tx1">
+                  <a:lumMod val="85000"/>
+                  <a:lumOff val="15000"/>
+                </a:schemeClr>
+              </a:solidFill>
+              <a:ln>
+                <a:noFill/>
+              </a:ln>
+              <a:extLst>
+                <a:ext uri="{91240B29-F687-4F45-9708-019B960494DF}">
+                  <a14:hiddenLine xmlns:a14="http://schemas.microsoft.com/office/drawing/2010/main" w="9525">
+                    <a:solidFill>
+                      <a:srgbClr val="000000"/>
+                    </a:solidFill>
+                    <a:round/>
+                    <a:headEnd/>
+                    <a:tailEnd/>
+                  </a14:hiddenLine>
+                </a:ext>
+              </a:extLst>
+            </p:spPr>
+            <p:txBody>
+              <a:bodyPr vert="horz" wrap="square" lIns="91440" tIns="45720" rIns="91440" bIns="45720" numCol="1" anchor="t" anchorCtr="0" compatLnSpc="1">
+                <a:prstTxWarp prst="textNoShape">
+                  <a:avLst/>
+                </a:prstTxWarp>
+              </a:bodyPr>
+              <a:lstStyle/>
+              <a:p>
+                <a:endParaRPr lang="ko-KR" altLang="en-US"/>
+              </a:p>
+            </p:txBody>
+          </p:sp>
+        </p:grpSp>
+        <p:sp>
+          <p:nvSpPr>
+            <p:cNvPr id="66" name="사다리꼴 65"/>
+            <p:cNvSpPr/>
+            <p:nvPr/>
+          </p:nvSpPr>
+          <p:spPr>
+            <a:xfrm rot="20640000">
+              <a:off x="937982" y="3651640"/>
+              <a:ext cx="99351" cy="1872000"/>
+            </a:xfrm>
+            <a:prstGeom prst="trapezoid">
+              <a:avLst/>
+            </a:prstGeom>
+            <a:solidFill>
+              <a:schemeClr val="tx1">
+                <a:lumMod val="85000"/>
+                <a:lumOff val="15000"/>
+              </a:schemeClr>
+            </a:solidFill>
+            <a:ln>
+              <a:noFill/>
+            </a:ln>
+          </p:spPr>
+          <p:style>
+            <a:lnRef idx="2">
+              <a:schemeClr val="accent1">
+                <a:shade val="50000"/>
+              </a:schemeClr>
+            </a:lnRef>
+            <a:fillRef idx="1">
+              <a:schemeClr val="accent1"/>
+            </a:fillRef>
+            <a:effectRef idx="0">
+              <a:schemeClr val="accent1"/>
+            </a:effectRef>
+            <a:fontRef idx="minor">
+              <a:schemeClr val="lt1"/>
+            </a:fontRef>
+          </p:style>
+          <p:txBody>
+            <a:bodyPr rtlCol="0" anchor="ctr"/>
+            <a:lstStyle/>
+            <a:p>
+              <a:pPr algn="ctr"/>
+              <a:endParaRPr lang="ko-KR" altLang="en-US"/>
+            </a:p>
+          </p:txBody>
+        </p:sp>
+        <p:sp>
+          <p:nvSpPr>
+            <p:cNvPr id="67" name="사다리꼴 66"/>
+            <p:cNvSpPr/>
+            <p:nvPr/>
+          </p:nvSpPr>
+          <p:spPr>
+            <a:xfrm rot="20880000">
+              <a:off x="780928" y="3685528"/>
+              <a:ext cx="99351" cy="1805029"/>
+            </a:xfrm>
+            <a:prstGeom prst="trapezoid">
+              <a:avLst/>
+            </a:prstGeom>
+            <a:solidFill>
+              <a:schemeClr val="tx1">
+                <a:lumMod val="85000"/>
+                <a:lumOff val="15000"/>
+              </a:schemeClr>
+            </a:solidFill>
+            <a:ln>
+              <a:noFill/>
+            </a:ln>
+          </p:spPr>
+          <p:style>
+            <a:lnRef idx="2">
+              <a:schemeClr val="accent1">
+                <a:shade val="50000"/>
+              </a:schemeClr>
+            </a:lnRef>
+            <a:fillRef idx="1">
+              <a:schemeClr val="accent1"/>
+            </a:fillRef>
+            <a:effectRef idx="0">
+              <a:schemeClr val="accent1"/>
+            </a:effectRef>
+            <a:fontRef idx="minor">
+              <a:schemeClr val="lt1"/>
+            </a:fontRef>
+          </p:style>
+          <p:txBody>
+            <a:bodyPr rtlCol="0" anchor="ctr"/>
+            <a:lstStyle/>
+            <a:p>
+              <a:pPr algn="ctr"/>
+              <a:endParaRPr lang="ko-KR" altLang="en-US"/>
+            </a:p>
+          </p:txBody>
+        </p:sp>
+        <p:sp>
+          <p:nvSpPr>
+            <p:cNvPr id="15" name="Freeform 12"/>
+            <p:cNvSpPr>
+              <a:spLocks/>
+            </p:cNvSpPr>
+            <p:nvPr/>
+          </p:nvSpPr>
+          <p:spPr bwMode="auto">
+            <a:xfrm flipH="1">
+              <a:off x="558275" y="3497894"/>
+              <a:ext cx="233011" cy="233011"/>
+            </a:xfrm>
+            <a:custGeom>
+              <a:avLst/>
+              <a:gdLst>
+                <a:gd name="T0" fmla="*/ 452 w 904"/>
+                <a:gd name="T1" fmla="*/ 903 h 903"/>
+                <a:gd name="T2" fmla="*/ 498 w 904"/>
+                <a:gd name="T3" fmla="*/ 901 h 903"/>
+                <a:gd name="T4" fmla="*/ 586 w 904"/>
+                <a:gd name="T5" fmla="*/ 883 h 903"/>
+                <a:gd name="T6" fmla="*/ 667 w 904"/>
+                <a:gd name="T7" fmla="*/ 850 h 903"/>
+                <a:gd name="T8" fmla="*/ 740 w 904"/>
+                <a:gd name="T9" fmla="*/ 801 h 903"/>
+                <a:gd name="T10" fmla="*/ 800 w 904"/>
+                <a:gd name="T11" fmla="*/ 739 h 903"/>
+                <a:gd name="T12" fmla="*/ 849 w 904"/>
+                <a:gd name="T13" fmla="*/ 667 h 903"/>
+                <a:gd name="T14" fmla="*/ 884 w 904"/>
+                <a:gd name="T15" fmla="*/ 586 h 903"/>
+                <a:gd name="T16" fmla="*/ 901 w 904"/>
+                <a:gd name="T17" fmla="*/ 498 h 903"/>
+                <a:gd name="T18" fmla="*/ 904 w 904"/>
+                <a:gd name="T19" fmla="*/ 451 h 903"/>
+                <a:gd name="T20" fmla="*/ 901 w 904"/>
+                <a:gd name="T21" fmla="*/ 405 h 903"/>
+                <a:gd name="T22" fmla="*/ 884 w 904"/>
+                <a:gd name="T23" fmla="*/ 317 h 903"/>
+                <a:gd name="T24" fmla="*/ 849 w 904"/>
+                <a:gd name="T25" fmla="*/ 236 h 903"/>
+                <a:gd name="T26" fmla="*/ 800 w 904"/>
+                <a:gd name="T27" fmla="*/ 164 h 903"/>
+                <a:gd name="T28" fmla="*/ 740 w 904"/>
+                <a:gd name="T29" fmla="*/ 102 h 903"/>
+                <a:gd name="T30" fmla="*/ 667 w 904"/>
+                <a:gd name="T31" fmla="*/ 53 h 903"/>
+                <a:gd name="T32" fmla="*/ 586 w 904"/>
+                <a:gd name="T33" fmla="*/ 19 h 903"/>
+                <a:gd name="T34" fmla="*/ 498 w 904"/>
+                <a:gd name="T35" fmla="*/ 2 h 903"/>
+                <a:gd name="T36" fmla="*/ 452 w 904"/>
+                <a:gd name="T37" fmla="*/ 0 h 903"/>
+                <a:gd name="T38" fmla="*/ 406 w 904"/>
+                <a:gd name="T39" fmla="*/ 2 h 903"/>
+                <a:gd name="T40" fmla="*/ 318 w 904"/>
+                <a:gd name="T41" fmla="*/ 19 h 903"/>
+                <a:gd name="T42" fmla="*/ 236 w 904"/>
+                <a:gd name="T43" fmla="*/ 53 h 903"/>
+                <a:gd name="T44" fmla="*/ 164 w 904"/>
+                <a:gd name="T45" fmla="*/ 102 h 903"/>
+                <a:gd name="T46" fmla="*/ 104 w 904"/>
+                <a:gd name="T47" fmla="*/ 164 h 903"/>
+                <a:gd name="T48" fmla="*/ 55 w 904"/>
+                <a:gd name="T49" fmla="*/ 236 h 903"/>
+                <a:gd name="T50" fmla="*/ 20 w 904"/>
+                <a:gd name="T51" fmla="*/ 317 h 903"/>
+                <a:gd name="T52" fmla="*/ 1 w 904"/>
+                <a:gd name="T53" fmla="*/ 405 h 903"/>
+                <a:gd name="T54" fmla="*/ 0 w 904"/>
+                <a:gd name="T55" fmla="*/ 451 h 903"/>
+                <a:gd name="T56" fmla="*/ 1 w 904"/>
+                <a:gd name="T57" fmla="*/ 498 h 903"/>
+                <a:gd name="T58" fmla="*/ 20 w 904"/>
+                <a:gd name="T59" fmla="*/ 586 h 903"/>
+                <a:gd name="T60" fmla="*/ 55 w 904"/>
+                <a:gd name="T61" fmla="*/ 667 h 903"/>
+                <a:gd name="T62" fmla="*/ 104 w 904"/>
+                <a:gd name="T63" fmla="*/ 739 h 903"/>
+                <a:gd name="T64" fmla="*/ 164 w 904"/>
+                <a:gd name="T65" fmla="*/ 801 h 903"/>
+                <a:gd name="T66" fmla="*/ 236 w 904"/>
+                <a:gd name="T67" fmla="*/ 850 h 903"/>
+                <a:gd name="T68" fmla="*/ 318 w 904"/>
+                <a:gd name="T69" fmla="*/ 883 h 903"/>
+                <a:gd name="T70" fmla="*/ 406 w 904"/>
+                <a:gd name="T71" fmla="*/ 901 h 903"/>
+                <a:gd name="T72" fmla="*/ 452 w 904"/>
+                <a:gd name="T73" fmla="*/ 903 h 903"/>
+              </a:gdLst>
+              <a:ahLst/>
+              <a:cxnLst>
+                <a:cxn ang="0">
+                  <a:pos x="T0" y="T1"/>
+                </a:cxn>
+                <a:cxn ang="0">
+                  <a:pos x="T2" y="T3"/>
+                </a:cxn>
+                <a:cxn ang="0">
+                  <a:pos x="T4" y="T5"/>
+                </a:cxn>
+                <a:cxn ang="0">
+                  <a:pos x="T6" y="T7"/>
+                </a:cxn>
+                <a:cxn ang="0">
+                  <a:pos x="T8" y="T9"/>
+                </a:cxn>
+                <a:cxn ang="0">
+                  <a:pos x="T10" y="T11"/>
+                </a:cxn>
+                <a:cxn ang="0">
+                  <a:pos x="T12" y="T13"/>
+                </a:cxn>
+                <a:cxn ang="0">
+                  <a:pos x="T14" y="T15"/>
+                </a:cxn>
+                <a:cxn ang="0">
+                  <a:pos x="T16" y="T17"/>
+                </a:cxn>
+                <a:cxn ang="0">
+                  <a:pos x="T18" y="T19"/>
+                </a:cxn>
+                <a:cxn ang="0">
+                  <a:pos x="T20" y="T21"/>
+                </a:cxn>
+                <a:cxn ang="0">
+                  <a:pos x="T22" y="T23"/>
+                </a:cxn>
+                <a:cxn ang="0">
+                  <a:pos x="T24" y="T25"/>
+                </a:cxn>
+                <a:cxn ang="0">
+                  <a:pos x="T26" y="T27"/>
+                </a:cxn>
+                <a:cxn ang="0">
+                  <a:pos x="T28" y="T29"/>
+                </a:cxn>
+                <a:cxn ang="0">
+                  <a:pos x="T30" y="T31"/>
+                </a:cxn>
+                <a:cxn ang="0">
+                  <a:pos x="T32" y="T33"/>
+                </a:cxn>
+                <a:cxn ang="0">
+                  <a:pos x="T34" y="T35"/>
+                </a:cxn>
+                <a:cxn ang="0">
+                  <a:pos x="T36" y="T37"/>
+                </a:cxn>
+                <a:cxn ang="0">
+                  <a:pos x="T38" y="T39"/>
+                </a:cxn>
+                <a:cxn ang="0">
+                  <a:pos x="T40" y="T41"/>
+                </a:cxn>
+                <a:cxn ang="0">
+                  <a:pos x="T42" y="T43"/>
+                </a:cxn>
+                <a:cxn ang="0">
+                  <a:pos x="T44" y="T45"/>
+                </a:cxn>
+                <a:cxn ang="0">
+                  <a:pos x="T46" y="T47"/>
+                </a:cxn>
+                <a:cxn ang="0">
+                  <a:pos x="T48" y="T49"/>
+                </a:cxn>
+                <a:cxn ang="0">
+                  <a:pos x="T50" y="T51"/>
+                </a:cxn>
+                <a:cxn ang="0">
+                  <a:pos x="T52" y="T53"/>
+                </a:cxn>
+                <a:cxn ang="0">
+                  <a:pos x="T54" y="T55"/>
+                </a:cxn>
+                <a:cxn ang="0">
+                  <a:pos x="T56" y="T57"/>
+                </a:cxn>
+                <a:cxn ang="0">
+                  <a:pos x="T58" y="T59"/>
+                </a:cxn>
+                <a:cxn ang="0">
+                  <a:pos x="T60" y="T61"/>
+                </a:cxn>
+                <a:cxn ang="0">
+                  <a:pos x="T62" y="T63"/>
+                </a:cxn>
+                <a:cxn ang="0">
+                  <a:pos x="T64" y="T65"/>
+                </a:cxn>
+                <a:cxn ang="0">
+                  <a:pos x="T66" y="T67"/>
+                </a:cxn>
+                <a:cxn ang="0">
+                  <a:pos x="T68" y="T69"/>
+                </a:cxn>
+                <a:cxn ang="0">
+                  <a:pos x="T70" y="T71"/>
+                </a:cxn>
+                <a:cxn ang="0">
+                  <a:pos x="T72" y="T73"/>
+                </a:cxn>
+              </a:cxnLst>
+              <a:rect l="0" t="0" r="r" b="b"/>
+              <a:pathLst>
+                <a:path w="904" h="903">
+                  <a:moveTo>
+                    <a:pt x="452" y="903"/>
+                  </a:moveTo>
+                  <a:lnTo>
+                    <a:pt x="498" y="901"/>
+                  </a:lnTo>
+                  <a:lnTo>
+                    <a:pt x="586" y="883"/>
+                  </a:lnTo>
+                  <a:lnTo>
+                    <a:pt x="667" y="850"/>
+                  </a:lnTo>
+                  <a:lnTo>
+                    <a:pt x="740" y="801"/>
+                  </a:lnTo>
+                  <a:lnTo>
+                    <a:pt x="800" y="739"/>
+                  </a:lnTo>
+                  <a:lnTo>
+                    <a:pt x="849" y="667"/>
+                  </a:lnTo>
+                  <a:lnTo>
+                    <a:pt x="884" y="586"/>
+                  </a:lnTo>
+                  <a:lnTo>
+                    <a:pt x="901" y="498"/>
+                  </a:lnTo>
+                  <a:lnTo>
+                    <a:pt x="904" y="451"/>
+                  </a:lnTo>
+                  <a:lnTo>
+                    <a:pt x="901" y="405"/>
+                  </a:lnTo>
+                  <a:lnTo>
+                    <a:pt x="884" y="317"/>
+                  </a:lnTo>
+                  <a:lnTo>
+                    <a:pt x="849" y="236"/>
+                  </a:lnTo>
+                  <a:lnTo>
+                    <a:pt x="800" y="164"/>
+                  </a:lnTo>
+                  <a:lnTo>
+                    <a:pt x="740" y="102"/>
+                  </a:lnTo>
+                  <a:lnTo>
+                    <a:pt x="667" y="53"/>
+                  </a:lnTo>
+                  <a:lnTo>
+                    <a:pt x="586" y="19"/>
+                  </a:lnTo>
+                  <a:lnTo>
+                    <a:pt x="498" y="2"/>
+                  </a:lnTo>
+                  <a:lnTo>
+                    <a:pt x="452" y="0"/>
+                  </a:lnTo>
+                  <a:lnTo>
+                    <a:pt x="406" y="2"/>
+                  </a:lnTo>
+                  <a:lnTo>
+                    <a:pt x="318" y="19"/>
+                  </a:lnTo>
+                  <a:lnTo>
+                    <a:pt x="236" y="53"/>
+                  </a:lnTo>
+                  <a:lnTo>
+                    <a:pt x="164" y="102"/>
+                  </a:lnTo>
+                  <a:lnTo>
+                    <a:pt x="104" y="164"/>
+                  </a:lnTo>
+                  <a:lnTo>
+                    <a:pt x="55" y="236"/>
+                  </a:lnTo>
+                  <a:lnTo>
+                    <a:pt x="20" y="317"/>
+                  </a:lnTo>
+                  <a:lnTo>
+                    <a:pt x="1" y="405"/>
+                  </a:lnTo>
+                  <a:lnTo>
+                    <a:pt x="0" y="451"/>
+                  </a:lnTo>
+                  <a:lnTo>
+                    <a:pt x="1" y="498"/>
+                  </a:lnTo>
+                  <a:lnTo>
+                    <a:pt x="20" y="586"/>
+                  </a:lnTo>
+                  <a:lnTo>
+                    <a:pt x="55" y="667"/>
+                  </a:lnTo>
+                  <a:lnTo>
+                    <a:pt x="104" y="739"/>
+                  </a:lnTo>
+                  <a:lnTo>
+                    <a:pt x="164" y="801"/>
+                  </a:lnTo>
+                  <a:lnTo>
+                    <a:pt x="236" y="850"/>
+                  </a:lnTo>
+                  <a:lnTo>
+                    <a:pt x="318" y="883"/>
+                  </a:lnTo>
+                  <a:lnTo>
+                    <a:pt x="406" y="901"/>
+                  </a:lnTo>
+                  <a:lnTo>
+                    <a:pt x="452" y="903"/>
+                  </a:lnTo>
+                  <a:close/>
+                </a:path>
+              </a:pathLst>
+            </a:custGeom>
+            <a:solidFill>
+              <a:srgbClr val="363E42"/>
+            </a:solidFill>
+            <a:ln>
+              <a:noFill/>
+            </a:ln>
+            <a:extLst>
+              <a:ext uri="{91240B29-F687-4F45-9708-019B960494DF}">
+                <a14:hiddenLine xmlns:a14="http://schemas.microsoft.com/office/drawing/2010/main" w="9525">
+                  <a:solidFill>
+                    <a:srgbClr val="000000"/>
+                  </a:solidFill>
+                  <a:round/>
+                  <a:headEnd/>
+                  <a:tailEnd/>
+                </a14:hiddenLine>
+              </a:ext>
+            </a:extLst>
+          </p:spPr>
+          <p:txBody>
+            <a:bodyPr vert="horz" wrap="square" lIns="91440" tIns="45720" rIns="91440" bIns="45720" numCol="1" anchor="t" anchorCtr="0" compatLnSpc="1">
+              <a:prstTxWarp prst="textNoShape">
+                <a:avLst/>
+              </a:prstTxWarp>
+            </a:bodyPr>
+            <a:lstStyle/>
+            <a:p>
+              <a:endParaRPr lang="ko-KR" altLang="en-US"/>
+            </a:p>
+          </p:txBody>
+        </p:sp>
+        <p:sp>
+          <p:nvSpPr>
+            <p:cNvPr id="16" name="Freeform 13"/>
+            <p:cNvSpPr>
+              <a:spLocks/>
+            </p:cNvSpPr>
+            <p:nvPr/>
+          </p:nvSpPr>
+          <p:spPr bwMode="auto">
+            <a:xfrm flipH="1">
+              <a:off x="619431" y="3559050"/>
+              <a:ext cx="110699" cy="110700"/>
+            </a:xfrm>
+            <a:custGeom>
+              <a:avLst/>
+              <a:gdLst>
+                <a:gd name="T0" fmla="*/ 215 w 430"/>
+                <a:gd name="T1" fmla="*/ 429 h 429"/>
+                <a:gd name="T2" fmla="*/ 237 w 430"/>
+                <a:gd name="T3" fmla="*/ 429 h 429"/>
+                <a:gd name="T4" fmla="*/ 278 w 430"/>
+                <a:gd name="T5" fmla="*/ 421 h 429"/>
+                <a:gd name="T6" fmla="*/ 317 w 430"/>
+                <a:gd name="T7" fmla="*/ 405 h 429"/>
+                <a:gd name="T8" fmla="*/ 352 w 430"/>
+                <a:gd name="T9" fmla="*/ 380 h 429"/>
+                <a:gd name="T10" fmla="*/ 381 w 430"/>
+                <a:gd name="T11" fmla="*/ 352 h 429"/>
+                <a:gd name="T12" fmla="*/ 404 w 430"/>
+                <a:gd name="T13" fmla="*/ 317 h 429"/>
+                <a:gd name="T14" fmla="*/ 419 w 430"/>
+                <a:gd name="T15" fmla="*/ 280 h 429"/>
+                <a:gd name="T16" fmla="*/ 428 w 430"/>
+                <a:gd name="T17" fmla="*/ 238 h 429"/>
+                <a:gd name="T18" fmla="*/ 430 w 430"/>
+                <a:gd name="T19" fmla="*/ 215 h 429"/>
+                <a:gd name="T20" fmla="*/ 428 w 430"/>
+                <a:gd name="T21" fmla="*/ 193 h 429"/>
+                <a:gd name="T22" fmla="*/ 419 w 430"/>
+                <a:gd name="T23" fmla="*/ 151 h 429"/>
+                <a:gd name="T24" fmla="*/ 404 w 430"/>
+                <a:gd name="T25" fmla="*/ 113 h 429"/>
+                <a:gd name="T26" fmla="*/ 381 w 430"/>
+                <a:gd name="T27" fmla="*/ 79 h 429"/>
+                <a:gd name="T28" fmla="*/ 352 w 430"/>
+                <a:gd name="T29" fmla="*/ 49 h 429"/>
+                <a:gd name="T30" fmla="*/ 317 w 430"/>
+                <a:gd name="T31" fmla="*/ 26 h 429"/>
+                <a:gd name="T32" fmla="*/ 278 w 430"/>
+                <a:gd name="T33" fmla="*/ 10 h 429"/>
+                <a:gd name="T34" fmla="*/ 237 w 430"/>
+                <a:gd name="T35" fmla="*/ 2 h 429"/>
+                <a:gd name="T36" fmla="*/ 215 w 430"/>
+                <a:gd name="T37" fmla="*/ 0 h 429"/>
+                <a:gd name="T38" fmla="*/ 193 w 430"/>
+                <a:gd name="T39" fmla="*/ 2 h 429"/>
+                <a:gd name="T40" fmla="*/ 150 w 430"/>
+                <a:gd name="T41" fmla="*/ 10 h 429"/>
+                <a:gd name="T42" fmla="*/ 113 w 430"/>
+                <a:gd name="T43" fmla="*/ 26 h 429"/>
+                <a:gd name="T44" fmla="*/ 78 w 430"/>
+                <a:gd name="T45" fmla="*/ 49 h 429"/>
+                <a:gd name="T46" fmla="*/ 49 w 430"/>
+                <a:gd name="T47" fmla="*/ 79 h 429"/>
+                <a:gd name="T48" fmla="*/ 26 w 430"/>
+                <a:gd name="T49" fmla="*/ 113 h 429"/>
+                <a:gd name="T50" fmla="*/ 9 w 430"/>
+                <a:gd name="T51" fmla="*/ 151 h 429"/>
+                <a:gd name="T52" fmla="*/ 0 w 430"/>
+                <a:gd name="T53" fmla="*/ 193 h 429"/>
+                <a:gd name="T54" fmla="*/ 0 w 430"/>
+                <a:gd name="T55" fmla="*/ 215 h 429"/>
+                <a:gd name="T56" fmla="*/ 0 w 430"/>
+                <a:gd name="T57" fmla="*/ 238 h 429"/>
+                <a:gd name="T58" fmla="*/ 9 w 430"/>
+                <a:gd name="T59" fmla="*/ 280 h 429"/>
+                <a:gd name="T60" fmla="*/ 26 w 430"/>
+                <a:gd name="T61" fmla="*/ 317 h 429"/>
+                <a:gd name="T62" fmla="*/ 49 w 430"/>
+                <a:gd name="T63" fmla="*/ 352 h 429"/>
+                <a:gd name="T64" fmla="*/ 78 w 430"/>
+                <a:gd name="T65" fmla="*/ 380 h 429"/>
+                <a:gd name="T66" fmla="*/ 113 w 430"/>
+                <a:gd name="T67" fmla="*/ 405 h 429"/>
+                <a:gd name="T68" fmla="*/ 150 w 430"/>
+                <a:gd name="T69" fmla="*/ 421 h 429"/>
+                <a:gd name="T70" fmla="*/ 193 w 430"/>
+                <a:gd name="T71" fmla="*/ 429 h 429"/>
+                <a:gd name="T72" fmla="*/ 215 w 430"/>
+                <a:gd name="T73" fmla="*/ 429 h 429"/>
+              </a:gdLst>
+              <a:ahLst/>
+              <a:cxnLst>
+                <a:cxn ang="0">
+                  <a:pos x="T0" y="T1"/>
+                </a:cxn>
+                <a:cxn ang="0">
+                  <a:pos x="T2" y="T3"/>
+                </a:cxn>
+                <a:cxn ang="0">
+                  <a:pos x="T4" y="T5"/>
+                </a:cxn>
+                <a:cxn ang="0">
+                  <a:pos x="T6" y="T7"/>
+                </a:cxn>
+                <a:cxn ang="0">
+                  <a:pos x="T8" y="T9"/>
+                </a:cxn>
+                <a:cxn ang="0">
+                  <a:pos x="T10" y="T11"/>
+                </a:cxn>
+                <a:cxn ang="0">
+                  <a:pos x="T12" y="T13"/>
+                </a:cxn>
+                <a:cxn ang="0">
+                  <a:pos x="T14" y="T15"/>
+                </a:cxn>
+                <a:cxn ang="0">
+                  <a:pos x="T16" y="T17"/>
+                </a:cxn>
+                <a:cxn ang="0">
+                  <a:pos x="T18" y="T19"/>
+                </a:cxn>
+                <a:cxn ang="0">
+                  <a:pos x="T20" y="T21"/>
+                </a:cxn>
+                <a:cxn ang="0">
+                  <a:pos x="T22" y="T23"/>
+                </a:cxn>
+                <a:cxn ang="0">
+                  <a:pos x="T24" y="T25"/>
+                </a:cxn>
+                <a:cxn ang="0">
+                  <a:pos x="T26" y="T27"/>
+                </a:cxn>
+                <a:cxn ang="0">
+                  <a:pos x="T28" y="T29"/>
+                </a:cxn>
+                <a:cxn ang="0">
+                  <a:pos x="T30" y="T31"/>
+                </a:cxn>
+                <a:cxn ang="0">
+                  <a:pos x="T32" y="T33"/>
+                </a:cxn>
+                <a:cxn ang="0">
+                  <a:pos x="T34" y="T35"/>
+                </a:cxn>
+                <a:cxn ang="0">
+                  <a:pos x="T36" y="T37"/>
+                </a:cxn>
+                <a:cxn ang="0">
+                  <a:pos x="T38" y="T39"/>
+                </a:cxn>
+                <a:cxn ang="0">
+                  <a:pos x="T40" y="T41"/>
+                </a:cxn>
+                <a:cxn ang="0">
+                  <a:pos x="T42" y="T43"/>
+                </a:cxn>
+                <a:cxn ang="0">
+                  <a:pos x="T44" y="T45"/>
+                </a:cxn>
+                <a:cxn ang="0">
+                  <a:pos x="T46" y="T47"/>
+                </a:cxn>
+                <a:cxn ang="0">
+                  <a:pos x="T48" y="T49"/>
+                </a:cxn>
+                <a:cxn ang="0">
+                  <a:pos x="T50" y="T51"/>
+                </a:cxn>
+                <a:cxn ang="0">
+                  <a:pos x="T52" y="T53"/>
+                </a:cxn>
+                <a:cxn ang="0">
+                  <a:pos x="T54" y="T55"/>
+                </a:cxn>
+                <a:cxn ang="0">
+                  <a:pos x="T56" y="T57"/>
+                </a:cxn>
+                <a:cxn ang="0">
+                  <a:pos x="T58" y="T59"/>
+                </a:cxn>
+                <a:cxn ang="0">
+                  <a:pos x="T60" y="T61"/>
+                </a:cxn>
+                <a:cxn ang="0">
+                  <a:pos x="T62" y="T63"/>
+                </a:cxn>
+                <a:cxn ang="0">
+                  <a:pos x="T64" y="T65"/>
+                </a:cxn>
+                <a:cxn ang="0">
+                  <a:pos x="T66" y="T67"/>
+                </a:cxn>
+                <a:cxn ang="0">
+                  <a:pos x="T68" y="T69"/>
+                </a:cxn>
+                <a:cxn ang="0">
+                  <a:pos x="T70" y="T71"/>
+                </a:cxn>
+                <a:cxn ang="0">
+                  <a:pos x="T72" y="T73"/>
+                </a:cxn>
+              </a:cxnLst>
+              <a:rect l="0" t="0" r="r" b="b"/>
+              <a:pathLst>
+                <a:path w="430" h="429">
+                  <a:moveTo>
+                    <a:pt x="215" y="429"/>
+                  </a:moveTo>
+                  <a:lnTo>
+                    <a:pt x="237" y="429"/>
+                  </a:lnTo>
+                  <a:lnTo>
+                    <a:pt x="278" y="421"/>
+                  </a:lnTo>
+                  <a:lnTo>
+                    <a:pt x="317" y="405"/>
+                  </a:lnTo>
+                  <a:lnTo>
+                    <a:pt x="352" y="380"/>
+                  </a:lnTo>
+                  <a:lnTo>
+                    <a:pt x="381" y="352"/>
+                  </a:lnTo>
+                  <a:lnTo>
+                    <a:pt x="404" y="317"/>
+                  </a:lnTo>
+                  <a:lnTo>
+                    <a:pt x="419" y="280"/>
+                  </a:lnTo>
+                  <a:lnTo>
+                    <a:pt x="428" y="238"/>
+                  </a:lnTo>
+                  <a:lnTo>
+                    <a:pt x="430" y="215"/>
+                  </a:lnTo>
+                  <a:lnTo>
+                    <a:pt x="428" y="193"/>
+                  </a:lnTo>
+                  <a:lnTo>
+                    <a:pt x="419" y="151"/>
+                  </a:lnTo>
+                  <a:lnTo>
+                    <a:pt x="404" y="113"/>
+                  </a:lnTo>
+                  <a:lnTo>
+                    <a:pt x="381" y="79"/>
+                  </a:lnTo>
+                  <a:lnTo>
+                    <a:pt x="352" y="49"/>
+                  </a:lnTo>
+                  <a:lnTo>
+                    <a:pt x="317" y="26"/>
+                  </a:lnTo>
+                  <a:lnTo>
+                    <a:pt x="278" y="10"/>
+                  </a:lnTo>
+                  <a:lnTo>
+                    <a:pt x="237" y="2"/>
+                  </a:lnTo>
+                  <a:lnTo>
+                    <a:pt x="215" y="0"/>
+                  </a:lnTo>
+                  <a:lnTo>
+                    <a:pt x="193" y="2"/>
+                  </a:lnTo>
+                  <a:lnTo>
+                    <a:pt x="150" y="10"/>
+                  </a:lnTo>
+                  <a:lnTo>
+                    <a:pt x="113" y="26"/>
+                  </a:lnTo>
+                  <a:lnTo>
+                    <a:pt x="78" y="49"/>
+                  </a:lnTo>
+                  <a:lnTo>
+                    <a:pt x="49" y="79"/>
+                  </a:lnTo>
+                  <a:lnTo>
+                    <a:pt x="26" y="113"/>
+                  </a:lnTo>
+                  <a:lnTo>
+                    <a:pt x="9" y="151"/>
+                  </a:lnTo>
+                  <a:lnTo>
+                    <a:pt x="0" y="193"/>
+                  </a:lnTo>
+                  <a:lnTo>
+                    <a:pt x="0" y="215"/>
+                  </a:lnTo>
+                  <a:lnTo>
+                    <a:pt x="0" y="238"/>
+                  </a:lnTo>
+                  <a:lnTo>
+                    <a:pt x="9" y="280"/>
+                  </a:lnTo>
+                  <a:lnTo>
+                    <a:pt x="26" y="317"/>
+                  </a:lnTo>
+                  <a:lnTo>
+                    <a:pt x="49" y="352"/>
+                  </a:lnTo>
+                  <a:lnTo>
+                    <a:pt x="78" y="380"/>
+                  </a:lnTo>
+                  <a:lnTo>
+                    <a:pt x="113" y="405"/>
+                  </a:lnTo>
+                  <a:lnTo>
+                    <a:pt x="150" y="421"/>
+                  </a:lnTo>
+                  <a:lnTo>
+                    <a:pt x="193" y="429"/>
+                  </a:lnTo>
+                  <a:lnTo>
+                    <a:pt x="215" y="429"/>
+                  </a:lnTo>
+                  <a:close/>
+                </a:path>
+              </a:pathLst>
+            </a:custGeom>
+            <a:solidFill>
+              <a:schemeClr val="tx1">
+                <a:lumMod val="85000"/>
+                <a:lumOff val="15000"/>
+              </a:schemeClr>
+            </a:solidFill>
+            <a:ln>
+              <a:noFill/>
+            </a:ln>
+            <a:extLst>
+              <a:ext uri="{91240B29-F687-4F45-9708-019B960494DF}">
+                <a14:hiddenLine xmlns:a14="http://schemas.microsoft.com/office/drawing/2010/main" w="9525">
+                  <a:solidFill>
+                    <a:srgbClr val="000000"/>
+                  </a:solidFill>
+                  <a:round/>
+                  <a:headEnd/>
+                  <a:tailEnd/>
+                </a14:hiddenLine>
+              </a:ext>
+            </a:extLst>
+          </p:spPr>
+          <p:txBody>
+            <a:bodyPr vert="horz" wrap="square" lIns="91440" tIns="45720" rIns="91440" bIns="45720" numCol="1" anchor="t" anchorCtr="0" compatLnSpc="1">
+              <a:prstTxWarp prst="textNoShape">
+                <a:avLst/>
+              </a:prstTxWarp>
+            </a:bodyPr>
+            <a:lstStyle/>
+            <a:p>
+              <a:endParaRPr lang="ko-KR" altLang="en-US"/>
+            </a:p>
+          </p:txBody>
+        </p:sp>
+        <p:sp>
+          <p:nvSpPr>
+            <p:cNvPr id="10" name="Freeform 7"/>
+            <p:cNvSpPr>
+              <a:spLocks/>
+            </p:cNvSpPr>
+            <p:nvPr/>
+          </p:nvSpPr>
+          <p:spPr bwMode="auto">
+            <a:xfrm flipH="1">
+              <a:off x="830433" y="5433174"/>
+              <a:ext cx="825909" cy="98314"/>
+            </a:xfrm>
+            <a:custGeom>
+              <a:avLst/>
+              <a:gdLst>
+                <a:gd name="T0" fmla="*/ 298 w 3942"/>
+                <a:gd name="T1" fmla="*/ 0 h 380"/>
+                <a:gd name="T2" fmla="*/ 3644 w 3942"/>
+                <a:gd name="T3" fmla="*/ 0 h 380"/>
+                <a:gd name="T4" fmla="*/ 3669 w 3942"/>
+                <a:gd name="T5" fmla="*/ 1 h 380"/>
+                <a:gd name="T6" fmla="*/ 3715 w 3942"/>
+                <a:gd name="T7" fmla="*/ 8 h 380"/>
+                <a:gd name="T8" fmla="*/ 3778 w 3942"/>
+                <a:gd name="T9" fmla="*/ 34 h 380"/>
+                <a:gd name="T10" fmla="*/ 3851 w 3942"/>
+                <a:gd name="T11" fmla="*/ 88 h 380"/>
+                <a:gd name="T12" fmla="*/ 3905 w 3942"/>
+                <a:gd name="T13" fmla="*/ 154 h 380"/>
+                <a:gd name="T14" fmla="*/ 3936 w 3942"/>
+                <a:gd name="T15" fmla="*/ 226 h 380"/>
+                <a:gd name="T16" fmla="*/ 3942 w 3942"/>
+                <a:gd name="T17" fmla="*/ 276 h 380"/>
+                <a:gd name="T18" fmla="*/ 3936 w 3942"/>
+                <a:gd name="T19" fmla="*/ 307 h 380"/>
+                <a:gd name="T20" fmla="*/ 3925 w 3942"/>
+                <a:gd name="T21" fmla="*/ 334 h 380"/>
+                <a:gd name="T22" fmla="*/ 3903 w 3942"/>
+                <a:gd name="T23" fmla="*/ 355 h 380"/>
+                <a:gd name="T24" fmla="*/ 3873 w 3942"/>
+                <a:gd name="T25" fmla="*/ 371 h 380"/>
+                <a:gd name="T26" fmla="*/ 3834 w 3942"/>
+                <a:gd name="T27" fmla="*/ 378 h 380"/>
+                <a:gd name="T28" fmla="*/ 3811 w 3942"/>
+                <a:gd name="T29" fmla="*/ 380 h 380"/>
+                <a:gd name="T30" fmla="*/ 131 w 3942"/>
+                <a:gd name="T31" fmla="*/ 380 h 380"/>
+                <a:gd name="T32" fmla="*/ 106 w 3942"/>
+                <a:gd name="T33" fmla="*/ 378 h 380"/>
+                <a:gd name="T34" fmla="*/ 68 w 3942"/>
+                <a:gd name="T35" fmla="*/ 371 h 380"/>
+                <a:gd name="T36" fmla="*/ 37 w 3942"/>
+                <a:gd name="T37" fmla="*/ 355 h 380"/>
+                <a:gd name="T38" fmla="*/ 17 w 3942"/>
+                <a:gd name="T39" fmla="*/ 334 h 380"/>
+                <a:gd name="T40" fmla="*/ 4 w 3942"/>
+                <a:gd name="T41" fmla="*/ 307 h 380"/>
+                <a:gd name="T42" fmla="*/ 0 w 3942"/>
+                <a:gd name="T43" fmla="*/ 276 h 380"/>
+                <a:gd name="T44" fmla="*/ 6 w 3942"/>
+                <a:gd name="T45" fmla="*/ 226 h 380"/>
+                <a:gd name="T46" fmla="*/ 36 w 3942"/>
+                <a:gd name="T47" fmla="*/ 154 h 380"/>
+                <a:gd name="T48" fmla="*/ 91 w 3942"/>
+                <a:gd name="T49" fmla="*/ 88 h 380"/>
+                <a:gd name="T50" fmla="*/ 163 w 3942"/>
+                <a:gd name="T51" fmla="*/ 34 h 380"/>
+                <a:gd name="T52" fmla="*/ 227 w 3942"/>
+                <a:gd name="T53" fmla="*/ 8 h 380"/>
+                <a:gd name="T54" fmla="*/ 273 w 3942"/>
+                <a:gd name="T55" fmla="*/ 1 h 380"/>
+                <a:gd name="T56" fmla="*/ 298 w 3942"/>
+                <a:gd name="T57" fmla="*/ 0 h 380"/>
+              </a:gdLst>
+              <a:ahLst/>
+              <a:cxnLst>
+                <a:cxn ang="0">
+                  <a:pos x="T0" y="T1"/>
+                </a:cxn>
+                <a:cxn ang="0">
+                  <a:pos x="T2" y="T3"/>
+                </a:cxn>
+                <a:cxn ang="0">
+                  <a:pos x="T4" y="T5"/>
+                </a:cxn>
+                <a:cxn ang="0">
+                  <a:pos x="T6" y="T7"/>
+                </a:cxn>
+                <a:cxn ang="0">
+                  <a:pos x="T8" y="T9"/>
+                </a:cxn>
+                <a:cxn ang="0">
+                  <a:pos x="T10" y="T11"/>
+                </a:cxn>
+                <a:cxn ang="0">
+                  <a:pos x="T12" y="T13"/>
+                </a:cxn>
+                <a:cxn ang="0">
+                  <a:pos x="T14" y="T15"/>
+                </a:cxn>
+                <a:cxn ang="0">
+                  <a:pos x="T16" y="T17"/>
+                </a:cxn>
+                <a:cxn ang="0">
+                  <a:pos x="T18" y="T19"/>
+                </a:cxn>
+                <a:cxn ang="0">
+                  <a:pos x="T20" y="T21"/>
+                </a:cxn>
+                <a:cxn ang="0">
+                  <a:pos x="T22" y="T23"/>
+                </a:cxn>
+                <a:cxn ang="0">
+                  <a:pos x="T24" y="T25"/>
+                </a:cxn>
+                <a:cxn ang="0">
+                  <a:pos x="T26" y="T27"/>
+                </a:cxn>
+                <a:cxn ang="0">
+                  <a:pos x="T28" y="T29"/>
+                </a:cxn>
+                <a:cxn ang="0">
+                  <a:pos x="T30" y="T31"/>
+                </a:cxn>
+                <a:cxn ang="0">
+                  <a:pos x="T32" y="T33"/>
+                </a:cxn>
+                <a:cxn ang="0">
+                  <a:pos x="T34" y="T35"/>
+                </a:cxn>
+                <a:cxn ang="0">
+                  <a:pos x="T36" y="T37"/>
+                </a:cxn>
+                <a:cxn ang="0">
+                  <a:pos x="T38" y="T39"/>
+                </a:cxn>
+                <a:cxn ang="0">
+                  <a:pos x="T40" y="T41"/>
+                </a:cxn>
+                <a:cxn ang="0">
+                  <a:pos x="T42" y="T43"/>
+                </a:cxn>
+                <a:cxn ang="0">
+                  <a:pos x="T44" y="T45"/>
+                </a:cxn>
+                <a:cxn ang="0">
+                  <a:pos x="T46" y="T47"/>
+                </a:cxn>
+                <a:cxn ang="0">
+                  <a:pos x="T48" y="T49"/>
+                </a:cxn>
+                <a:cxn ang="0">
+                  <a:pos x="T50" y="T51"/>
+                </a:cxn>
+                <a:cxn ang="0">
+                  <a:pos x="T52" y="T53"/>
+                </a:cxn>
+                <a:cxn ang="0">
+                  <a:pos x="T54" y="T55"/>
+                </a:cxn>
+                <a:cxn ang="0">
+                  <a:pos x="T56" y="T57"/>
+                </a:cxn>
+              </a:cxnLst>
+              <a:rect l="0" t="0" r="r" b="b"/>
+              <a:pathLst>
+                <a:path w="3942" h="380">
+                  <a:moveTo>
+                    <a:pt x="298" y="0"/>
+                  </a:moveTo>
+                  <a:lnTo>
+                    <a:pt x="3644" y="0"/>
+                  </a:lnTo>
+                  <a:lnTo>
+                    <a:pt x="3669" y="1"/>
+                  </a:lnTo>
+                  <a:lnTo>
+                    <a:pt x="3715" y="8"/>
+                  </a:lnTo>
+                  <a:lnTo>
+                    <a:pt x="3778" y="34"/>
+                  </a:lnTo>
+                  <a:lnTo>
+                    <a:pt x="3851" y="88"/>
+                  </a:lnTo>
+                  <a:lnTo>
+                    <a:pt x="3905" y="154"/>
+                  </a:lnTo>
+                  <a:lnTo>
+                    <a:pt x="3936" y="226"/>
+                  </a:lnTo>
+                  <a:lnTo>
+                    <a:pt x="3942" y="276"/>
+                  </a:lnTo>
+                  <a:lnTo>
+                    <a:pt x="3936" y="307"/>
+                  </a:lnTo>
+                  <a:lnTo>
+                    <a:pt x="3925" y="334"/>
+                  </a:lnTo>
+                  <a:lnTo>
+                    <a:pt x="3903" y="355"/>
+                  </a:lnTo>
+                  <a:lnTo>
+                    <a:pt x="3873" y="371"/>
+                  </a:lnTo>
+                  <a:lnTo>
+                    <a:pt x="3834" y="378"/>
+                  </a:lnTo>
+                  <a:lnTo>
+                    <a:pt x="3811" y="380"/>
+                  </a:lnTo>
+                  <a:lnTo>
+                    <a:pt x="131" y="380"/>
+                  </a:lnTo>
+                  <a:lnTo>
+                    <a:pt x="106" y="378"/>
+                  </a:lnTo>
+                  <a:lnTo>
+                    <a:pt x="68" y="371"/>
+                  </a:lnTo>
+                  <a:lnTo>
+                    <a:pt x="37" y="355"/>
+                  </a:lnTo>
+                  <a:lnTo>
+                    <a:pt x="17" y="334"/>
+                  </a:lnTo>
+                  <a:lnTo>
+                    <a:pt x="4" y="307"/>
+                  </a:lnTo>
+                  <a:lnTo>
+                    <a:pt x="0" y="276"/>
+                  </a:lnTo>
+                  <a:lnTo>
+                    <a:pt x="6" y="226"/>
+                  </a:lnTo>
+                  <a:lnTo>
+                    <a:pt x="36" y="154"/>
+                  </a:lnTo>
+                  <a:lnTo>
+                    <a:pt x="91" y="88"/>
+                  </a:lnTo>
+                  <a:lnTo>
+                    <a:pt x="163" y="34"/>
+                  </a:lnTo>
+                  <a:lnTo>
+                    <a:pt x="227" y="8"/>
+                  </a:lnTo>
+                  <a:lnTo>
+                    <a:pt x="273" y="1"/>
+                  </a:lnTo>
+                  <a:lnTo>
+                    <a:pt x="298" y="0"/>
+                  </a:lnTo>
+                  <a:close/>
+                </a:path>
+              </a:pathLst>
+            </a:custGeom>
+            <a:solidFill>
+              <a:schemeClr val="tx1">
+                <a:lumMod val="85000"/>
+                <a:lumOff val="15000"/>
+              </a:schemeClr>
+            </a:solidFill>
+            <a:ln>
+              <a:noFill/>
+            </a:ln>
+            <a:extLst>
+              <a:ext uri="{91240B29-F687-4F45-9708-019B960494DF}">
+                <a14:hiddenLine xmlns:a14="http://schemas.microsoft.com/office/drawing/2010/main" w="9525">
+                  <a:solidFill>
+                    <a:srgbClr val="000000"/>
+                  </a:solidFill>
+                  <a:round/>
+                  <a:headEnd/>
+                  <a:tailEnd/>
+                </a14:hiddenLine>
+              </a:ext>
+            </a:extLst>
+          </p:spPr>
+          <p:txBody>
+            <a:bodyPr vert="horz" wrap="square" lIns="91440" tIns="45720" rIns="91440" bIns="45720" numCol="1" anchor="t" anchorCtr="0" compatLnSpc="1">
+              <a:prstTxWarp prst="textNoShape">
+                <a:avLst/>
+              </a:prstTxWarp>
+            </a:bodyPr>
+            <a:lstStyle/>
+            <a:p>
+              <a:endParaRPr lang="ko-KR" altLang="en-US"/>
+            </a:p>
+          </p:txBody>
+        </p:sp>
+        <p:sp>
+          <p:nvSpPr>
+            <p:cNvPr id="17" name="Freeform 14"/>
+            <p:cNvSpPr>
+              <a:spLocks/>
+            </p:cNvSpPr>
+            <p:nvPr/>
+          </p:nvSpPr>
+          <p:spPr bwMode="auto">
+            <a:xfrm flipH="1">
+              <a:off x="1428939" y="5388416"/>
+              <a:ext cx="154976" cy="44758"/>
+            </a:xfrm>
+            <a:custGeom>
+              <a:avLst/>
+              <a:gdLst>
+                <a:gd name="T0" fmla="*/ 0 w 831"/>
+                <a:gd name="T1" fmla="*/ 120 h 241"/>
+                <a:gd name="T2" fmla="*/ 831 w 831"/>
+                <a:gd name="T3" fmla="*/ 0 h 241"/>
+                <a:gd name="T4" fmla="*/ 831 w 831"/>
+                <a:gd name="T5" fmla="*/ 241 h 241"/>
+                <a:gd name="T6" fmla="*/ 0 w 831"/>
+                <a:gd name="T7" fmla="*/ 241 h 241"/>
+                <a:gd name="T8" fmla="*/ 0 w 831"/>
+                <a:gd name="T9" fmla="*/ 120 h 241"/>
+              </a:gdLst>
+              <a:ahLst/>
+              <a:cxnLst>
+                <a:cxn ang="0">
+                  <a:pos x="T0" y="T1"/>
+                </a:cxn>
+                <a:cxn ang="0">
+                  <a:pos x="T2" y="T3"/>
+                </a:cxn>
+                <a:cxn ang="0">
+                  <a:pos x="T4" y="T5"/>
+                </a:cxn>
+                <a:cxn ang="0">
+                  <a:pos x="T6" y="T7"/>
+                </a:cxn>
+                <a:cxn ang="0">
+                  <a:pos x="T8" y="T9"/>
+                </a:cxn>
+              </a:cxnLst>
+              <a:rect l="0" t="0" r="r" b="b"/>
+              <a:pathLst>
+                <a:path w="831" h="241">
+                  <a:moveTo>
+                    <a:pt x="0" y="120"/>
+                  </a:moveTo>
+                  <a:lnTo>
+                    <a:pt x="831" y="0"/>
+                  </a:lnTo>
+                  <a:lnTo>
+                    <a:pt x="831" y="241"/>
+                  </a:lnTo>
+                  <a:lnTo>
+                    <a:pt x="0" y="241"/>
+                  </a:lnTo>
+                  <a:lnTo>
+                    <a:pt x="0" y="120"/>
+                  </a:lnTo>
+                  <a:close/>
+                </a:path>
+              </a:pathLst>
+            </a:custGeom>
+            <a:solidFill>
+              <a:schemeClr val="bg1">
+                <a:lumMod val="75000"/>
+              </a:schemeClr>
+            </a:solidFill>
+            <a:ln>
+              <a:noFill/>
+            </a:ln>
+            <a:extLst>
+              <a:ext uri="{91240B29-F687-4F45-9708-019B960494DF}">
+                <a14:hiddenLine xmlns:a14="http://schemas.microsoft.com/office/drawing/2010/main" w="9525">
+                  <a:solidFill>
+                    <a:srgbClr val="000000"/>
+                  </a:solidFill>
+                  <a:round/>
+                  <a:headEnd/>
+                  <a:tailEnd/>
+                </a14:hiddenLine>
+              </a:ext>
+            </a:extLst>
+          </p:spPr>
+          <p:txBody>
+            <a:bodyPr vert="horz" wrap="square" lIns="91440" tIns="45720" rIns="91440" bIns="45720" numCol="1" anchor="t" anchorCtr="0" compatLnSpc="1">
+              <a:prstTxWarp prst="textNoShape">
+                <a:avLst/>
+              </a:prstTxWarp>
+            </a:bodyPr>
+            <a:lstStyle/>
+            <a:p>
+              <a:endParaRPr lang="ko-KR" altLang="en-US"/>
+            </a:p>
+          </p:txBody>
+        </p:sp>
+      </p:grpSp>
+      <p:pic>
+        <p:nvPicPr>
+          <p:cNvPr id="7" name="그래픽 6" descr="수신기">
+            <a:extLst>
+              <a:ext uri="{FF2B5EF4-FFF2-40B4-BE49-F238E27FC236}">
+                <a16:creationId xmlns:a16="http://schemas.microsoft.com/office/drawing/2014/main" xmlns="" id="{808E2219-960B-47F7-84F0-8DA8F301223E}"/>
+              </a:ext>
+            </a:extLst>
+          </p:cNvPr>
+          <p:cNvPicPr>
+            <a:picLocks noChangeAspect="1"/>
+          </p:cNvPicPr>
+          <p:nvPr/>
+        </p:nvPicPr>
+        <p:blipFill>
+          <a:blip r:embed="rId2" cstate="print">
+            <a:extLst>
+              <a:ext uri="{28A0092B-C50C-407E-A947-70E740481C1C}">
+                <a14:useLocalDpi xmlns:a14="http://schemas.microsoft.com/office/drawing/2010/main" val="0"/>
+              </a:ext>
+              <a:ext uri="{96DAC541-7B7A-43D3-8B79-37D633B846F1}">
+                <asvg:svgBlip xmlns:asvg="http://schemas.microsoft.com/office/drawing/2016/SVG/main" xmlns="" r:embed="rId3"/>
+              </a:ext>
+            </a:extLst>
+          </a:blip>
+          <a:stretch>
+            <a:fillRect/>
+          </a:stretch>
+        </p:blipFill>
+        <p:spPr>
+          <a:xfrm>
+            <a:off x="4076465" y="1692999"/>
+            <a:ext cx="914400" cy="914400"/>
+          </a:xfrm>
+          <a:prstGeom prst="rect">
+            <a:avLst/>
+          </a:prstGeom>
+        </p:spPr>
+      </p:pic>
+      <p:pic>
+        <p:nvPicPr>
+          <p:cNvPr id="9" name="그래픽 8" descr="봉투">
+            <a:extLst>
+              <a:ext uri="{FF2B5EF4-FFF2-40B4-BE49-F238E27FC236}">
+                <a16:creationId xmlns:a16="http://schemas.microsoft.com/office/drawing/2014/main" xmlns="" id="{881666F9-A225-4944-AA27-4F01E2882588}"/>
+              </a:ext>
+            </a:extLst>
+          </p:cNvPr>
+          <p:cNvPicPr>
+            <a:picLocks noChangeAspect="1"/>
+          </p:cNvPicPr>
+          <p:nvPr/>
+        </p:nvPicPr>
+        <p:blipFill>
+          <a:blip r:embed="rId4" cstate="print">
+            <a:extLst>
+              <a:ext uri="{28A0092B-C50C-407E-A947-70E740481C1C}">
+                <a14:useLocalDpi xmlns:a14="http://schemas.microsoft.com/office/drawing/2010/main" val="0"/>
+              </a:ext>
+              <a:ext uri="{96DAC541-7B7A-43D3-8B79-37D633B846F1}">
+                <asvg:svgBlip xmlns:asvg="http://schemas.microsoft.com/office/drawing/2016/SVG/main" xmlns="" r:embed="rId5"/>
+              </a:ext>
+            </a:extLst>
+          </a:blip>
+          <a:stretch>
+            <a:fillRect/>
+          </a:stretch>
+        </p:blipFill>
+        <p:spPr>
+          <a:xfrm>
+            <a:off x="5859974" y="1446814"/>
+            <a:ext cx="914400" cy="914400"/>
+          </a:xfrm>
+          <a:prstGeom prst="rect">
+            <a:avLst/>
+          </a:prstGeom>
+        </p:spPr>
+      </p:pic>
+      <p:pic>
+        <p:nvPicPr>
+          <p:cNvPr id="24" name="그래픽 23" descr="헤드폰">
+            <a:extLst>
+              <a:ext uri="{FF2B5EF4-FFF2-40B4-BE49-F238E27FC236}">
+                <a16:creationId xmlns:a16="http://schemas.microsoft.com/office/drawing/2014/main" xmlns="" id="{C1B32A59-AAB3-4B47-8777-CDA6710B4A13}"/>
+              </a:ext>
+            </a:extLst>
+          </p:cNvPr>
+          <p:cNvPicPr>
+            <a:picLocks noChangeAspect="1"/>
+          </p:cNvPicPr>
+          <p:nvPr/>
+        </p:nvPicPr>
+        <p:blipFill>
+          <a:blip r:embed="rId6" cstate="print">
+            <a:extLst>
+              <a:ext uri="{28A0092B-C50C-407E-A947-70E740481C1C}">
+                <a14:useLocalDpi xmlns:a14="http://schemas.microsoft.com/office/drawing/2010/main" val="0"/>
+              </a:ext>
+              <a:ext uri="{96DAC541-7B7A-43D3-8B79-37D633B846F1}">
+                <asvg:svgBlip xmlns:asvg="http://schemas.microsoft.com/office/drawing/2016/SVG/main" xmlns="" r:embed="rId9"/>
+              </a:ext>
+            </a:extLst>
+          </a:blip>
+          <a:stretch>
+            <a:fillRect/>
+          </a:stretch>
+        </p:blipFill>
+        <p:spPr>
+          <a:xfrm>
+            <a:off x="7615968" y="4374742"/>
+            <a:ext cx="914400" cy="914400"/>
+          </a:xfrm>
+          <a:prstGeom prst="rect">
+            <a:avLst/>
+          </a:prstGeom>
+        </p:spPr>
+      </p:pic>
+      <p:pic>
+        <p:nvPicPr>
+          <p:cNvPr id="28" name="그래픽 27" descr="음량">
+            <a:extLst>
+              <a:ext uri="{FF2B5EF4-FFF2-40B4-BE49-F238E27FC236}">
+                <a16:creationId xmlns:a16="http://schemas.microsoft.com/office/drawing/2014/main" xmlns="" id="{CA9C2F69-6DF1-4842-9670-124AE0E32FF8}"/>
+              </a:ext>
+            </a:extLst>
+          </p:cNvPr>
+          <p:cNvPicPr>
+            <a:picLocks noChangeAspect="1"/>
+          </p:cNvPicPr>
+          <p:nvPr/>
+        </p:nvPicPr>
+        <p:blipFill>
+          <a:blip r:embed="rId10" cstate="print">
+            <a:extLst>
+              <a:ext uri="{28A0092B-C50C-407E-A947-70E740481C1C}">
+                <a14:useLocalDpi xmlns:a14="http://schemas.microsoft.com/office/drawing/2010/main" val="0"/>
+              </a:ext>
+              <a:ext uri="{96DAC541-7B7A-43D3-8B79-37D633B846F1}">
+                <asvg:svgBlip xmlns:asvg="http://schemas.microsoft.com/office/drawing/2016/SVG/main" xmlns="" r:embed="rId13"/>
+              </a:ext>
+            </a:extLst>
+          </a:blip>
+          <a:stretch>
+            <a:fillRect/>
+          </a:stretch>
+        </p:blipFill>
+        <p:spPr>
+          <a:xfrm>
+            <a:off x="5971696" y="4725825"/>
+            <a:ext cx="914400" cy="914400"/>
+          </a:xfrm>
+          <a:prstGeom prst="rect">
+            <a:avLst/>
+          </a:prstGeom>
+        </p:spPr>
+      </p:pic>
+      <p:pic>
+        <p:nvPicPr>
+          <p:cNvPr id="30" name="그래픽 29" descr="핀 있는 지도">
+            <a:extLst>
+              <a:ext uri="{FF2B5EF4-FFF2-40B4-BE49-F238E27FC236}">
+                <a16:creationId xmlns:a16="http://schemas.microsoft.com/office/drawing/2014/main" xmlns="" id="{D9A63827-3955-4E99-B488-235C572FBFE9}"/>
+              </a:ext>
+            </a:extLst>
+          </p:cNvPr>
+          <p:cNvPicPr>
+            <a:picLocks noChangeAspect="1"/>
+          </p:cNvPicPr>
+          <p:nvPr/>
+        </p:nvPicPr>
+        <p:blipFill>
+          <a:blip r:embed="rId14" cstate="print">
+            <a:extLst>
+              <a:ext uri="{28A0092B-C50C-407E-A947-70E740481C1C}">
+                <a14:useLocalDpi xmlns:a14="http://schemas.microsoft.com/office/drawing/2010/main" val="0"/>
+              </a:ext>
+              <a:ext uri="{96DAC541-7B7A-43D3-8B79-37D633B846F1}">
+                <asvg:svgBlip xmlns:asvg="http://schemas.microsoft.com/office/drawing/2016/SVG/main" xmlns="" r:embed="rId15"/>
+              </a:ext>
+            </a:extLst>
+          </a:blip>
+          <a:stretch>
+            <a:fillRect/>
+          </a:stretch>
+        </p:blipFill>
+        <p:spPr>
+          <a:xfrm>
+            <a:off x="7466285" y="1877445"/>
+            <a:ext cx="914400" cy="914400"/>
+          </a:xfrm>
+          <a:prstGeom prst="rect">
+            <a:avLst/>
+          </a:prstGeom>
+        </p:spPr>
+      </p:pic>
+      <p:pic>
+        <p:nvPicPr>
+          <p:cNvPr id="32" name="그래픽 31" descr="나침반">
+            <a:extLst>
+              <a:ext uri="{FF2B5EF4-FFF2-40B4-BE49-F238E27FC236}">
+                <a16:creationId xmlns:a16="http://schemas.microsoft.com/office/drawing/2014/main" xmlns="" id="{59F7328F-90FF-4B3D-AA2F-E4ED4E347557}"/>
+              </a:ext>
+            </a:extLst>
+          </p:cNvPr>
+          <p:cNvPicPr>
+            <a:picLocks noChangeAspect="1"/>
+          </p:cNvPicPr>
+          <p:nvPr/>
+        </p:nvPicPr>
+        <p:blipFill>
+          <a:blip r:embed="rId16" cstate="print">
+            <a:extLst>
+              <a:ext uri="{28A0092B-C50C-407E-A947-70E740481C1C}">
+                <a14:useLocalDpi xmlns:a14="http://schemas.microsoft.com/office/drawing/2010/main" val="0"/>
+              </a:ext>
+              <a:ext uri="{96DAC541-7B7A-43D3-8B79-37D633B846F1}">
+                <asvg:svgBlip xmlns:asvg="http://schemas.microsoft.com/office/drawing/2016/SVG/main" xmlns="" r:embed="rId17"/>
+              </a:ext>
+            </a:extLst>
+          </a:blip>
+          <a:stretch>
+            <a:fillRect/>
+          </a:stretch>
+        </p:blipFill>
+        <p:spPr>
+          <a:xfrm>
+            <a:off x="7863054" y="3178189"/>
+            <a:ext cx="914400" cy="914400"/>
+          </a:xfrm>
+          <a:prstGeom prst="rect">
+            <a:avLst/>
+          </a:prstGeom>
+        </p:spPr>
+      </p:pic>
+      <p:pic>
+        <p:nvPicPr>
+          <p:cNvPr id="37" name="그래픽 36" descr="온도계">
+            <a:extLst>
+              <a:ext uri="{FF2B5EF4-FFF2-40B4-BE49-F238E27FC236}">
+                <a16:creationId xmlns:a16="http://schemas.microsoft.com/office/drawing/2014/main" xmlns="" id="{181CD27D-8502-445E-A18B-3D3699C38A21}"/>
+              </a:ext>
+            </a:extLst>
+          </p:cNvPr>
+          <p:cNvPicPr>
+            <a:picLocks noChangeAspect="1"/>
+          </p:cNvPicPr>
+          <p:nvPr/>
+        </p:nvPicPr>
+        <p:blipFill>
+          <a:blip r:embed="rId18" cstate="print">
+            <a:extLst>
+              <a:ext uri="{28A0092B-C50C-407E-A947-70E740481C1C}">
+                <a14:useLocalDpi xmlns:a14="http://schemas.microsoft.com/office/drawing/2010/main" val="0"/>
+              </a:ext>
+              <a:ext uri="{96DAC541-7B7A-43D3-8B79-37D633B846F1}">
+                <asvg:svgBlip xmlns:asvg="http://schemas.microsoft.com/office/drawing/2016/SVG/main" xmlns="" r:embed="rId19"/>
+              </a:ext>
+            </a:extLst>
+          </a:blip>
+          <a:stretch>
+            <a:fillRect/>
+          </a:stretch>
+        </p:blipFill>
+        <p:spPr>
+          <a:xfrm>
+            <a:off x="4443826" y="4331783"/>
+            <a:ext cx="914400" cy="914400"/>
+          </a:xfrm>
+          <a:prstGeom prst="rect">
+            <a:avLst/>
+          </a:prstGeom>
+        </p:spPr>
+      </p:pic>
+      <p:sp>
+        <p:nvSpPr>
+          <p:cNvPr id="44" name="타원 43">
+            <a:extLst>
+              <a:ext uri="{FF2B5EF4-FFF2-40B4-BE49-F238E27FC236}">
+                <a16:creationId xmlns:a16="http://schemas.microsoft.com/office/drawing/2014/main" xmlns="" id="{F4E69AA0-968B-4FBF-B155-131329220D19}"/>
+              </a:ext>
+            </a:extLst>
+          </p:cNvPr>
+          <p:cNvSpPr/>
+          <p:nvPr/>
+        </p:nvSpPr>
+        <p:spPr>
+          <a:xfrm>
+            <a:off x="5582159" y="2836338"/>
+            <a:ext cx="1329204" cy="1256251"/>
+          </a:xfrm>
+          <a:prstGeom prst="ellipse">
+            <a:avLst/>
+          </a:prstGeom>
+          <a:solidFill>
+            <a:srgbClr val="3B6891"/>
+          </a:solidFill>
+          <a:ln>
+            <a:noFill/>
+          </a:ln>
+        </p:spPr>
+        <p:style>
+          <a:lnRef idx="2">
+            <a:schemeClr val="accent1">
+              <a:shade val="50000"/>
+            </a:schemeClr>
+          </a:lnRef>
+          <a:fillRef idx="1">
+            <a:schemeClr val="accent1"/>
+          </a:fillRef>
+          <a:effectRef idx="0">
+            <a:schemeClr val="accent1"/>
+          </a:effectRef>
+          <a:fontRef idx="minor">
+            <a:schemeClr val="lt1"/>
+          </a:fontRef>
+        </p:style>
+        <p:txBody>
+          <a:bodyPr rtlCol="0" anchor="ctr"/>
+          <a:lstStyle/>
+          <a:p>
+            <a:pPr algn="ctr"/>
+            <a:endParaRPr lang="ko-KR" altLang="en-US" dirty="0"/>
+          </a:p>
+        </p:txBody>
+      </p:sp>
+      <p:pic>
+        <p:nvPicPr>
+          <p:cNvPr id="43" name="그래픽 42" descr="목록">
+            <a:extLst>
+              <a:ext uri="{FF2B5EF4-FFF2-40B4-BE49-F238E27FC236}">
+                <a16:creationId xmlns:a16="http://schemas.microsoft.com/office/drawing/2014/main" xmlns="" id="{1A4791C3-9EDC-4FCE-A7E9-3EEAA7D33FF7}"/>
+              </a:ext>
+            </a:extLst>
+          </p:cNvPr>
+          <p:cNvPicPr>
+            <a:picLocks noChangeAspect="1"/>
+          </p:cNvPicPr>
+          <p:nvPr/>
+        </p:nvPicPr>
+        <p:blipFill>
+          <a:blip r:embed="rId20" cstate="print">
+            <a:extLst>
+              <a:ext uri="{28A0092B-C50C-407E-A947-70E740481C1C}">
+                <a14:useLocalDpi xmlns:a14="http://schemas.microsoft.com/office/drawing/2010/main" val="0"/>
+              </a:ext>
+              <a:ext uri="{96DAC541-7B7A-43D3-8B79-37D633B846F1}">
+                <asvg:svgBlip xmlns:asvg="http://schemas.microsoft.com/office/drawing/2016/SVG/main" xmlns="" r:embed="rId21"/>
+              </a:ext>
+            </a:extLst>
+          </a:blip>
+          <a:stretch>
+            <a:fillRect/>
+          </a:stretch>
+        </p:blipFill>
+        <p:spPr>
+          <a:xfrm>
+            <a:off x="3625110" y="3105712"/>
+            <a:ext cx="914400" cy="914400"/>
+          </a:xfrm>
+          <a:prstGeom prst="rect">
+            <a:avLst/>
+          </a:prstGeom>
+        </p:spPr>
+      </p:pic>
+      <p:pic>
+        <p:nvPicPr>
+          <p:cNvPr id="4" name="그래픽 3" descr="무선 마이크">
+            <a:extLst>
+              <a:ext uri="{FF2B5EF4-FFF2-40B4-BE49-F238E27FC236}">
+                <a16:creationId xmlns:a16="http://schemas.microsoft.com/office/drawing/2014/main" xmlns="" id="{30185BB1-0057-4EE3-84F0-F5B6C0D1459F}"/>
+              </a:ext>
+            </a:extLst>
+          </p:cNvPr>
+          <p:cNvPicPr>
+            <a:picLocks noChangeAspect="1"/>
+          </p:cNvPicPr>
+          <p:nvPr/>
+        </p:nvPicPr>
+        <p:blipFill>
+          <a:blip r:embed="rId22" cstate="print">
+            <a:extLst>
+              <a:ext uri="{28A0092B-C50C-407E-A947-70E740481C1C}">
+                <a14:useLocalDpi xmlns:a14="http://schemas.microsoft.com/office/drawing/2010/main" val="0"/>
+              </a:ext>
+              <a:ext uri="{96DAC541-7B7A-43D3-8B79-37D633B846F1}">
+                <asvg:svgBlip xmlns:asvg="http://schemas.microsoft.com/office/drawing/2016/SVG/main" xmlns="" r:embed="rId23"/>
+              </a:ext>
+            </a:extLst>
+          </a:blip>
+          <a:stretch>
+            <a:fillRect/>
+          </a:stretch>
+        </p:blipFill>
+        <p:spPr>
+          <a:xfrm>
+            <a:off x="5808583" y="2977185"/>
+            <a:ext cx="914400" cy="914400"/>
+          </a:xfrm>
+          <a:prstGeom prst="rect">
+            <a:avLst/>
+          </a:prstGeom>
+        </p:spPr>
+      </p:pic>
+    </p:spTree>
+    <p:extLst>
+      <p:ext uri="{BB962C8B-B14F-4D97-AF65-F5344CB8AC3E}">
+        <p14:creationId xmlns:p14="http://schemas.microsoft.com/office/powerpoint/2010/main" val="4027560862"/>
+      </p:ext>
+    </p:extLst>
+  </p:cSld>
+  <p:clrMapOvr>
+    <a:masterClrMapping/>
+  </p:clrMapOvr>
+  <p:timing>
+    <p:tnLst>
+      <p:par>
+        <p:cTn id="1" dur="indefinite" restart="never" nodeType="tmRoot">
+          <p:childTnLst>
+            <p:seq concurrent="1" nextAc="seek">
+              <p:cTn id="2" dur="indefinite" nodeType="mainSeq">
+                <p:childTnLst>
+                  <p:par>
+                    <p:cTn id="3" fill="hold">
+                      <p:stCondLst>
+                        <p:cond delay="indefinite"/>
+                      </p:stCondLst>
+                      <p:childTnLst>
+                        <p:par>
+                          <p:cTn id="4" fill="hold">
+                            <p:stCondLst>
+                              <p:cond delay="0"/>
+                            </p:stCondLst>
+                            <p:childTnLst>
+                              <p:par>
+                                <p:cTn id="5" presetID="10" presetClass="entr" presetSubtype="0" fill="hold" nodeType="clickEffect">
+                                  <p:stCondLst>
+                                    <p:cond delay="0"/>
+                                  </p:stCondLst>
+                                  <p:childTnLst>
+                                    <p:set>
+                                      <p:cBhvr>
+                                        <p:cTn id="6" dur="1" fill="hold">
+                                          <p:stCondLst>
+                                            <p:cond delay="0"/>
+                                          </p:stCondLst>
+                                        </p:cTn>
+                                        <p:tgtEl>
+                                          <p:spTgt spid="7"/>
+                                        </p:tgtEl>
+                                        <p:attrNameLst>
+                                          <p:attrName>style.visibility</p:attrName>
+                                        </p:attrNameLst>
+                                      </p:cBhvr>
+                                      <p:to>
+                                        <p:strVal val="visible"/>
+                                      </p:to>
+                                    </p:set>
+                                    <p:animEffect transition="in" filter="fade">
+                                      <p:cBhvr>
+                                        <p:cTn id="7" dur="500"/>
+                                        <p:tgtEl>
+                                          <p:spTgt spid="7"/>
+                                        </p:tgtEl>
+                                      </p:cBhvr>
+                                    </p:animEffect>
+                                  </p:childTnLst>
+                                </p:cTn>
+                              </p:par>
+                            </p:childTnLst>
+                          </p:cTn>
+                        </p:par>
+                      </p:childTnLst>
+                    </p:cTn>
+                  </p:par>
+                  <p:par>
+                    <p:cTn id="8" fill="hold">
+                      <p:stCondLst>
+                        <p:cond delay="indefinite"/>
+                      </p:stCondLst>
+                      <p:childTnLst>
+                        <p:par>
+                          <p:cTn id="9" fill="hold">
+                            <p:stCondLst>
+                              <p:cond delay="0"/>
+                            </p:stCondLst>
+                            <p:childTnLst>
+                              <p:par>
+                                <p:cTn id="10" presetID="10" presetClass="entr" presetSubtype="0" fill="hold" nodeType="clickEffect">
+                                  <p:stCondLst>
+                                    <p:cond delay="0"/>
+                                  </p:stCondLst>
+                                  <p:childTnLst>
+                                    <p:set>
+                                      <p:cBhvr>
+                                        <p:cTn id="11" dur="1" fill="hold">
+                                          <p:stCondLst>
+                                            <p:cond delay="0"/>
+                                          </p:stCondLst>
+                                        </p:cTn>
+                                        <p:tgtEl>
+                                          <p:spTgt spid="9"/>
+                                        </p:tgtEl>
+                                        <p:attrNameLst>
+                                          <p:attrName>style.visibility</p:attrName>
+                                        </p:attrNameLst>
+                                      </p:cBhvr>
+                                      <p:to>
+                                        <p:strVal val="visible"/>
+                                      </p:to>
+                                    </p:set>
+                                    <p:animEffect transition="in" filter="fade">
+                                      <p:cBhvr>
+                                        <p:cTn id="12" dur="500"/>
+                                        <p:tgtEl>
+                                          <p:spTgt spid="9"/>
+                                        </p:tgtEl>
+                                      </p:cBhvr>
+                                    </p:animEffect>
+                                  </p:childTnLst>
+                                </p:cTn>
+                              </p:par>
+                            </p:childTnLst>
+                          </p:cTn>
+                        </p:par>
+                      </p:childTnLst>
+                    </p:cTn>
+                  </p:par>
+                  <p:par>
+                    <p:cTn id="13" fill="hold">
+                      <p:stCondLst>
+                        <p:cond delay="indefinite"/>
+                      </p:stCondLst>
+                      <p:childTnLst>
+                        <p:par>
+                          <p:cTn id="14" fill="hold">
+                            <p:stCondLst>
+                              <p:cond delay="0"/>
+                            </p:stCondLst>
+                            <p:childTnLst>
+                              <p:par>
+                                <p:cTn id="15" presetID="10" presetClass="entr" presetSubtype="0" fill="hold" nodeType="clickEffect">
+                                  <p:stCondLst>
+                                    <p:cond delay="0"/>
+                                  </p:stCondLst>
+                                  <p:childTnLst>
+                                    <p:set>
+                                      <p:cBhvr>
+                                        <p:cTn id="16" dur="1" fill="hold">
+                                          <p:stCondLst>
+                                            <p:cond delay="0"/>
+                                          </p:stCondLst>
+                                        </p:cTn>
+                                        <p:tgtEl>
+                                          <p:spTgt spid="30"/>
+                                        </p:tgtEl>
+                                        <p:attrNameLst>
+                                          <p:attrName>style.visibility</p:attrName>
+                                        </p:attrNameLst>
+                                      </p:cBhvr>
+                                      <p:to>
+                                        <p:strVal val="visible"/>
+                                      </p:to>
+                                    </p:set>
+                                    <p:animEffect transition="in" filter="fade">
+                                      <p:cBhvr>
+                                        <p:cTn id="17" dur="500"/>
+                                        <p:tgtEl>
+                                          <p:spTgt spid="30"/>
+                                        </p:tgtEl>
+                                      </p:cBhvr>
+                                    </p:animEffect>
+                                  </p:childTnLst>
+                                </p:cTn>
+                              </p:par>
+                            </p:childTnLst>
+                          </p:cTn>
+                        </p:par>
+                      </p:childTnLst>
+                    </p:cTn>
+                  </p:par>
+                  <p:par>
+                    <p:cTn id="18" fill="hold">
+                      <p:stCondLst>
+                        <p:cond delay="indefinite"/>
+                      </p:stCondLst>
+                      <p:childTnLst>
+                        <p:par>
+                          <p:cTn id="19" fill="hold">
+                            <p:stCondLst>
+                              <p:cond delay="0"/>
+                            </p:stCondLst>
+                            <p:childTnLst>
+                              <p:par>
+                                <p:cTn id="20" presetID="10" presetClass="entr" presetSubtype="0" fill="hold" nodeType="clickEffect">
+                                  <p:stCondLst>
+                                    <p:cond delay="0"/>
+                                  </p:stCondLst>
+                                  <p:childTnLst>
+                                    <p:set>
+                                      <p:cBhvr>
+                                        <p:cTn id="21" dur="1" fill="hold">
+                                          <p:stCondLst>
+                                            <p:cond delay="0"/>
+                                          </p:stCondLst>
+                                        </p:cTn>
+                                        <p:tgtEl>
+                                          <p:spTgt spid="32"/>
+                                        </p:tgtEl>
+                                        <p:attrNameLst>
+                                          <p:attrName>style.visibility</p:attrName>
+                                        </p:attrNameLst>
+                                      </p:cBhvr>
+                                      <p:to>
+                                        <p:strVal val="visible"/>
+                                      </p:to>
+                                    </p:set>
+                                    <p:animEffect transition="in" filter="fade">
+                                      <p:cBhvr>
+                                        <p:cTn id="22" dur="500"/>
+                                        <p:tgtEl>
+                                          <p:spTgt spid="32"/>
+                                        </p:tgtEl>
+                                      </p:cBhvr>
+                                    </p:animEffect>
+                                  </p:childTnLst>
+                                </p:cTn>
+                              </p:par>
+                            </p:childTnLst>
+                          </p:cTn>
+                        </p:par>
+                      </p:childTnLst>
+                    </p:cTn>
+                  </p:par>
+                  <p:par>
+                    <p:cTn id="23" fill="hold">
+                      <p:stCondLst>
+                        <p:cond delay="indefinite"/>
+                      </p:stCondLst>
+                      <p:childTnLst>
+                        <p:par>
+                          <p:cTn id="24" fill="hold">
+                            <p:stCondLst>
+                              <p:cond delay="0"/>
+                            </p:stCondLst>
+                            <p:childTnLst>
+                              <p:par>
+                                <p:cTn id="25" presetID="10" presetClass="entr" presetSubtype="0" fill="hold" nodeType="clickEffect">
+                                  <p:stCondLst>
+                                    <p:cond delay="0"/>
+                                  </p:stCondLst>
+                                  <p:childTnLst>
+                                    <p:set>
+                                      <p:cBhvr>
+                                        <p:cTn id="26" dur="1" fill="hold">
+                                          <p:stCondLst>
+                                            <p:cond delay="0"/>
+                                          </p:stCondLst>
+                                        </p:cTn>
+                                        <p:tgtEl>
+                                          <p:spTgt spid="24"/>
+                                        </p:tgtEl>
+                                        <p:attrNameLst>
+                                          <p:attrName>style.visibility</p:attrName>
+                                        </p:attrNameLst>
+                                      </p:cBhvr>
+                                      <p:to>
+                                        <p:strVal val="visible"/>
+                                      </p:to>
+                                    </p:set>
+                                    <p:animEffect transition="in" filter="fade">
+                                      <p:cBhvr>
+                                        <p:cTn id="27" dur="500"/>
+                                        <p:tgtEl>
+                                          <p:spTgt spid="24"/>
+                                        </p:tgtEl>
+                                      </p:cBhvr>
+                                    </p:animEffect>
+                                  </p:childTnLst>
+                                </p:cTn>
+                              </p:par>
+                            </p:childTnLst>
+                          </p:cTn>
+                        </p:par>
+                      </p:childTnLst>
+                    </p:cTn>
+                  </p:par>
+                  <p:par>
+                    <p:cTn id="28" fill="hold">
+                      <p:stCondLst>
+                        <p:cond delay="indefinite"/>
+                      </p:stCondLst>
+                      <p:childTnLst>
+                        <p:par>
+                          <p:cTn id="29" fill="hold">
+                            <p:stCondLst>
+                              <p:cond delay="0"/>
+                            </p:stCondLst>
+                            <p:childTnLst>
+                              <p:par>
+                                <p:cTn id="30" presetID="10" presetClass="entr" presetSubtype="0" fill="hold" nodeType="clickEffect">
+                                  <p:stCondLst>
+                                    <p:cond delay="0"/>
+                                  </p:stCondLst>
+                                  <p:childTnLst>
+                                    <p:set>
+                                      <p:cBhvr>
+                                        <p:cTn id="31" dur="1" fill="hold">
+                                          <p:stCondLst>
+                                            <p:cond delay="0"/>
+                                          </p:stCondLst>
+                                        </p:cTn>
+                                        <p:tgtEl>
+                                          <p:spTgt spid="28"/>
+                                        </p:tgtEl>
+                                        <p:attrNameLst>
+                                          <p:attrName>style.visibility</p:attrName>
+                                        </p:attrNameLst>
+                                      </p:cBhvr>
+                                      <p:to>
+                                        <p:strVal val="visible"/>
+                                      </p:to>
+                                    </p:set>
+                                    <p:animEffect transition="in" filter="fade">
+                                      <p:cBhvr>
+                                        <p:cTn id="32" dur="500"/>
+                                        <p:tgtEl>
+                                          <p:spTgt spid="28"/>
+                                        </p:tgtEl>
+                                      </p:cBhvr>
+                                    </p:animEffect>
+                                  </p:childTnLst>
+                                </p:cTn>
+                              </p:par>
+                            </p:childTnLst>
+                          </p:cTn>
+                        </p:par>
+                      </p:childTnLst>
+                    </p:cTn>
+                  </p:par>
+                  <p:par>
+                    <p:cTn id="33" fill="hold">
+                      <p:stCondLst>
+                        <p:cond delay="indefinite"/>
+                      </p:stCondLst>
+                      <p:childTnLst>
+                        <p:par>
+                          <p:cTn id="34" fill="hold">
+                            <p:stCondLst>
+                              <p:cond delay="0"/>
+                            </p:stCondLst>
+                            <p:childTnLst>
+                              <p:par>
+                                <p:cTn id="35" presetID="10" presetClass="entr" presetSubtype="0" fill="hold" nodeType="clickEffect">
+                                  <p:stCondLst>
+                                    <p:cond delay="0"/>
+                                  </p:stCondLst>
+                                  <p:childTnLst>
+                                    <p:set>
+                                      <p:cBhvr>
+                                        <p:cTn id="36" dur="1" fill="hold">
+                                          <p:stCondLst>
+                                            <p:cond delay="0"/>
+                                          </p:stCondLst>
+                                        </p:cTn>
+                                        <p:tgtEl>
+                                          <p:spTgt spid="37"/>
+                                        </p:tgtEl>
+                                        <p:attrNameLst>
+                                          <p:attrName>style.visibility</p:attrName>
+                                        </p:attrNameLst>
+                                      </p:cBhvr>
+                                      <p:to>
+                                        <p:strVal val="visible"/>
+                                      </p:to>
+                                    </p:set>
+                                    <p:animEffect transition="in" filter="fade">
+                                      <p:cBhvr>
+                                        <p:cTn id="37" dur="500"/>
+                                        <p:tgtEl>
+                                          <p:spTgt spid="37"/>
+                                        </p:tgtEl>
+                                      </p:cBhvr>
+                                    </p:animEffect>
+                                  </p:childTnLst>
+                                </p:cTn>
+                              </p:par>
+                            </p:childTnLst>
+                          </p:cTn>
+                        </p:par>
+                      </p:childTnLst>
+                    </p:cTn>
+                  </p:par>
+                  <p:par>
+                    <p:cTn id="38" fill="hold">
+                      <p:stCondLst>
+                        <p:cond delay="indefinite"/>
+                      </p:stCondLst>
+                      <p:childTnLst>
+                        <p:par>
+                          <p:cTn id="39" fill="hold">
+                            <p:stCondLst>
+                              <p:cond delay="0"/>
+                            </p:stCondLst>
+                            <p:childTnLst>
+                              <p:par>
+                                <p:cTn id="40" presetID="10" presetClass="entr" presetSubtype="0" fill="hold" nodeType="clickEffect">
+                                  <p:stCondLst>
+                                    <p:cond delay="0"/>
+                                  </p:stCondLst>
+                                  <p:childTnLst>
+                                    <p:set>
+                                      <p:cBhvr>
+                                        <p:cTn id="41" dur="1" fill="hold">
+                                          <p:stCondLst>
+                                            <p:cond delay="0"/>
+                                          </p:stCondLst>
+                                        </p:cTn>
+                                        <p:tgtEl>
+                                          <p:spTgt spid="43"/>
+                                        </p:tgtEl>
+                                        <p:attrNameLst>
+                                          <p:attrName>style.visibility</p:attrName>
+                                        </p:attrNameLst>
+                                      </p:cBhvr>
+                                      <p:to>
+                                        <p:strVal val="visible"/>
+                                      </p:to>
+                                    </p:set>
+                                    <p:animEffect transition="in" filter="fade">
+                                      <p:cBhvr>
+                                        <p:cTn id="42" dur="500"/>
+                                        <p:tgtEl>
+                                          <p:spTgt spid="43"/>
+                                        </p:tgtEl>
+                                      </p:cBhvr>
+                                    </p:animEffect>
+                                  </p:childTnLst>
+                                </p:cTn>
+                              </p:par>
+                            </p:childTnLst>
+                          </p:cTn>
+                        </p:par>
+                      </p:childTnLst>
+                    </p:cTn>
+                  </p:par>
+                </p:childTnLst>
+              </p:cTn>
+              <p:prevCondLst>
+                <p:cond evt="onPrev" delay="0">
+                  <p:tgtEl>
+                    <p:sldTgt/>
+                  </p:tgtEl>
+                </p:cond>
+              </p:prevCondLst>
+              <p:nextCondLst>
+                <p:cond evt="onNext" delay="0">
+                  <p:tgtEl>
+                    <p:sldTgt/>
+                  </p:tgtEl>
+                </p:cond>
+              </p:nextCondLst>
+            </p:seq>
+          </p:childTnLst>
+        </p:cTn>
+      </p:par>
+    </p:tnLst>
+  </p:timing>
+</p:sld>
+</file>
+
+<file path=ppt/slides/slide11.xml><?xml version="1.0" encoding="utf-8"?>
+<p:sld xmlns:a="http://schemas.openxmlformats.org/drawingml/2006/main" xmlns:r="http://schemas.openxmlformats.org/officeDocument/2006/relationships" xmlns:p="http://schemas.openxmlformats.org/presentationml/2006/main">
+  <p:cSld>
+    <p:bg>
+      <p:bgPr>
+        <a:pattFill prst="openDmnd">
+          <a:fgClr>
+            <a:srgbClr val="002060"/>
+          </a:fgClr>
+          <a:bgClr>
+            <a:srgbClr val="3B6891"/>
+          </a:bgClr>
+        </a:pattFill>
+        <a:effectLst/>
+      </p:bgPr>
+    </p:bg>
+    <p:spTree>
+      <p:nvGrpSpPr>
+        <p:cNvPr id="1" name=""/>
+        <p:cNvGrpSpPr/>
+        <p:nvPr/>
+      </p:nvGrpSpPr>
+      <p:grpSpPr>
+        <a:xfrm>
+          <a:off x="0" y="0"/>
+          <a:ext cx="0" cy="0"/>
+          <a:chOff x="0" y="0"/>
+          <a:chExt cx="0" cy="0"/>
+        </a:xfrm>
+      </p:grpSpPr>
+      <p:sp>
+        <p:nvSpPr>
+          <p:cNvPr id="69" name="자유형 68"/>
+          <p:cNvSpPr/>
+          <p:nvPr/>
+        </p:nvSpPr>
+        <p:spPr>
+          <a:xfrm>
+            <a:off x="1759196" y="650562"/>
+            <a:ext cx="10432805" cy="5486676"/>
+          </a:xfrm>
+          <a:custGeom>
+            <a:avLst/>
+            <a:gdLst>
+              <a:gd name="connsiteX0" fmla="*/ 10432805 w 10432805"/>
+              <a:gd name="connsiteY0" fmla="*/ 0 h 5486676"/>
+              <a:gd name="connsiteX1" fmla="*/ 10432805 w 10432805"/>
+              <a:gd name="connsiteY1" fmla="*/ 5486676 h 5486676"/>
+              <a:gd name="connsiteX2" fmla="*/ 568362 w 10432805"/>
+              <a:gd name="connsiteY2" fmla="*/ 5451061 h 5486676"/>
+              <a:gd name="connsiteX3" fmla="*/ 0 w 10432805"/>
+              <a:gd name="connsiteY3" fmla="*/ 1787583 h 5486676"/>
+              <a:gd name="connsiteX4" fmla="*/ 294594 w 10432805"/>
+              <a:gd name="connsiteY4" fmla="*/ 1082052 h 5486676"/>
+            </a:gdLst>
+            <a:ahLst/>
+            <a:cxnLst>
+              <a:cxn ang="0">
+                <a:pos x="connsiteX0" y="connsiteY0"/>
+              </a:cxn>
+              <a:cxn ang="0">
+                <a:pos x="connsiteX1" y="connsiteY1"/>
+              </a:cxn>
+              <a:cxn ang="0">
+                <a:pos x="connsiteX2" y="connsiteY2"/>
+              </a:cxn>
+              <a:cxn ang="0">
+                <a:pos x="connsiteX3" y="connsiteY3"/>
+              </a:cxn>
+              <a:cxn ang="0">
+                <a:pos x="connsiteX4" y="connsiteY4"/>
+              </a:cxn>
+            </a:cxnLst>
+            <a:rect l="l" t="t" r="r" b="b"/>
+            <a:pathLst>
+              <a:path w="10432805" h="5486676">
+                <a:moveTo>
+                  <a:pt x="10432805" y="0"/>
+                </a:moveTo>
+                <a:lnTo>
+                  <a:pt x="10432805" y="5486676"/>
+                </a:lnTo>
+                <a:lnTo>
+                  <a:pt x="568362" y="5451061"/>
+                </a:lnTo>
+                <a:lnTo>
+                  <a:pt x="0" y="1787583"/>
+                </a:lnTo>
+                <a:lnTo>
+                  <a:pt x="294594" y="1082052"/>
+                </a:lnTo>
+                <a:close/>
+              </a:path>
+            </a:pathLst>
+          </a:custGeom>
+          <a:solidFill>
+            <a:schemeClr val="bg1"/>
+          </a:solidFill>
+          <a:ln>
+            <a:noFill/>
+          </a:ln>
+        </p:spPr>
+        <p:style>
+          <a:lnRef idx="2">
+            <a:schemeClr val="accent1">
+              <a:shade val="50000"/>
+            </a:schemeClr>
+          </a:lnRef>
+          <a:fillRef idx="1">
+            <a:schemeClr val="accent1"/>
+          </a:fillRef>
+          <a:effectRef idx="0">
+            <a:schemeClr val="accent1"/>
+          </a:effectRef>
+          <a:fontRef idx="minor">
+            <a:schemeClr val="lt1"/>
+          </a:fontRef>
+        </p:style>
+        <p:txBody>
+          <a:bodyPr rtlCol="0" anchor="ctr"/>
+          <a:lstStyle/>
+          <a:p>
+            <a:pPr algn="ctr"/>
             <a:endParaRPr lang="ko-KR" altLang="en-US"/>
           </a:p>
         </p:txBody>
@@ -11115,7 +16336,7 @@
 </p:sld>
 </file>
 
-<file path=ppt/slides/slide11.xml><?xml version="1.0" encoding="utf-8"?>
+<file path=ppt/slides/slide12.xml><?xml version="1.0" encoding="utf-8"?>
 <p:sld xmlns:a="http://schemas.openxmlformats.org/drawingml/2006/main" xmlns:r="http://schemas.openxmlformats.org/officeDocument/2006/relationships" xmlns:p="http://schemas.openxmlformats.org/presentationml/2006/main">
   <p:cSld>
     <p:bg>
@@ -15866,7 +21087,7 @@
 </p:sld>
 </file>
 
-<file path=ppt/slides/slide12.xml><?xml version="1.0" encoding="utf-8"?>
+<file path=ppt/slides/slide13.xml><?xml version="1.0" encoding="utf-8"?>
 <p:sld xmlns:a="http://schemas.openxmlformats.org/drawingml/2006/main" xmlns:r="http://schemas.openxmlformats.org/officeDocument/2006/relationships" xmlns:p="http://schemas.openxmlformats.org/presentationml/2006/main">
   <p:cSld>
     <p:bg>
@@ -44792,49 +50013,6 @@
           <a:extLst/>
         </p:spPr>
       </p:pic>
-      <p:pic>
-        <p:nvPicPr>
-          <p:cNvPr id="23" name="그림 22">
-            <a:extLst>
-              <a:ext uri="{FF2B5EF4-FFF2-40B4-BE49-F238E27FC236}">
-                <a16:creationId xmlns:a16="http://schemas.microsoft.com/office/drawing/2014/main" xmlns="" id="{7B133036-05BF-41E5-974D-145E30138CFF}"/>
-              </a:ext>
-            </a:extLst>
-          </p:cNvPr>
-          <p:cNvPicPr>
-            <a:picLocks noChangeAspect="1"/>
-          </p:cNvPicPr>
-          <p:nvPr/>
-        </p:nvPicPr>
-        <p:blipFill>
-          <a:blip r:embed="rId4"/>
-          <a:stretch>
-            <a:fillRect/>
-          </a:stretch>
-        </p:blipFill>
-        <p:spPr>
-          <a:xfrm>
-            <a:off x="4601512" y="2442305"/>
-            <a:ext cx="2381250" cy="1323975"/>
-          </a:xfrm>
-          <a:prstGeom prst="roundRect">
-            <a:avLst>
-              <a:gd name="adj" fmla="val 8594"/>
-            </a:avLst>
-          </a:prstGeom>
-          <a:solidFill>
-            <a:srgbClr val="FFFFFF">
-              <a:shade val="85000"/>
-            </a:srgbClr>
-          </a:solidFill>
-          <a:ln>
-            <a:noFill/>
-          </a:ln>
-          <a:effectLst>
-            <a:reflection blurRad="12700" stA="38000" endPos="28000" dist="5000" dir="5400000" sy="-100000" algn="bl" rotWithShape="0"/>
-          </a:effectLst>
-        </p:spPr>
-      </p:pic>
       <p:sp>
         <p:nvSpPr>
           <p:cNvPr id="42" name="TextBox 41">
@@ -44864,99 +50042,21 @@
           <a:lstStyle/>
           <a:p>
             <a:r>
-              <a:rPr lang="ko-KR" altLang="en-US" sz="2400" b="1" dirty="0" err="1"/>
-              <a:t>사이드미러각도조절</a:t>
+              <a:rPr lang="ko-KR" altLang="en-US" sz="2400" b="1" dirty="0" smtClean="0"/>
+              <a:t>사이드 </a:t>
+            </a:r>
+            <a:r>
+              <a:rPr lang="ko-KR" altLang="en-US" sz="2400" b="1" dirty="0" err="1" smtClean="0"/>
+              <a:t>미러</a:t>
+            </a:r>
+            <a:r>
+              <a:rPr lang="ko-KR" altLang="en-US" sz="2400" b="1" dirty="0" smtClean="0"/>
+              <a:t> 각도 조절</a:t>
             </a:r>
             <a:endParaRPr lang="ko-KR" altLang="en-US" sz="2400" dirty="0"/>
           </a:p>
         </p:txBody>
       </p:sp>
-      <p:pic>
-        <p:nvPicPr>
-          <p:cNvPr id="43" name="그래픽 42" descr="자동차">
-            <a:extLst>
-              <a:ext uri="{FF2B5EF4-FFF2-40B4-BE49-F238E27FC236}">
-                <a16:creationId xmlns:a16="http://schemas.microsoft.com/office/drawing/2014/main" xmlns="" id="{14D3637A-59F2-4A76-AA93-ECC9039DF0C2}"/>
-              </a:ext>
-            </a:extLst>
-          </p:cNvPr>
-          <p:cNvPicPr>
-            <a:picLocks noChangeAspect="1"/>
-          </p:cNvPicPr>
-          <p:nvPr/>
-        </p:nvPicPr>
-        <p:blipFill>
-          <a:blip r:embed="rId5">
-            <a:extLst>
-              <a:ext uri="{28A0092B-C50C-407E-A947-70E740481C1C}">
-                <a14:useLocalDpi xmlns:a14="http://schemas.microsoft.com/office/drawing/2010/main" val="0"/>
-              </a:ext>
-              <a:ext uri="{96DAC541-7B7A-43D3-8B79-37D633B846F1}">
-                <asvg:svgBlip xmlns:asvg="http://schemas.microsoft.com/office/drawing/2016/SVG/main" xmlns="" r:embed="rId6"/>
-              </a:ext>
-            </a:extLst>
-          </a:blip>
-          <a:stretch>
-            <a:fillRect/>
-          </a:stretch>
-        </p:blipFill>
-        <p:spPr>
-          <a:xfrm>
-            <a:off x="2705081" y="3874415"/>
-            <a:ext cx="2955651" cy="2955651"/>
-          </a:xfrm>
-          <a:prstGeom prst="rect">
-            <a:avLst/>
-          </a:prstGeom>
-        </p:spPr>
-      </p:pic>
-      <p:pic>
-        <p:nvPicPr>
-          <p:cNvPr id="44" name="Picture 2" descr="[ë¯¸êµ­ ì´ë¯¼] 60ë íì¸ ìë¯¼ê¶ ì ì²­ì ë²ì£ ì¬ì¤ ì¨ê²¼ë¤ ê¸°ì ">
-            <a:extLst>
-              <a:ext uri="{FF2B5EF4-FFF2-40B4-BE49-F238E27FC236}">
-                <a16:creationId xmlns:a16="http://schemas.microsoft.com/office/drawing/2014/main" xmlns="" id="{6ECAFF04-DBE9-4533-9FF4-BF6C777AC3F6}"/>
-              </a:ext>
-            </a:extLst>
-          </p:cNvPr>
-          <p:cNvPicPr>
-            <a:picLocks noChangeAspect="1" noChangeArrowheads="1"/>
-          </p:cNvPicPr>
-          <p:nvPr/>
-        </p:nvPicPr>
-        <p:blipFill>
-          <a:blip r:embed="rId7" cstate="print">
-            <a:extLst>
-              <a:ext uri="{28A0092B-C50C-407E-A947-70E740481C1C}">
-                <a14:useLocalDpi xmlns:a14="http://schemas.microsoft.com/office/drawing/2010/main" val="0"/>
-              </a:ext>
-            </a:extLst>
-          </a:blip>
-          <a:srcRect/>
-          <a:stretch>
-            <a:fillRect/>
-          </a:stretch>
-        </p:blipFill>
-        <p:spPr bwMode="auto">
-          <a:xfrm>
-            <a:off x="3409296" y="4276333"/>
-            <a:ext cx="1159265" cy="1687341"/>
-          </a:xfrm>
-          <a:prstGeom prst="rect">
-            <a:avLst/>
-          </a:prstGeom>
-          <a:noFill/>
-          <a:extLst>
-            <a:ext uri="{909E8E84-426E-40DD-AFC4-6F175D3DCCD1}">
-              <a14:hiddenFill xmlns:a14="http://schemas.microsoft.com/office/drawing/2010/main">
-                <a:solidFill>
-                  <a:srgbClr val="FFFFFF"/>
-                </a:solidFill>
-              </a14:hiddenFill>
-            </a:ext>
-          </a:extLst>
-        </p:spPr>
-      </p:pic>
       <p:pic>
         <p:nvPicPr>
           <p:cNvPr id="46" name="그래픽 45" descr="시계 방향으로 굽은 화살표">
@@ -44972,7 +50072,7 @@
           <p:nvPr/>
         </p:nvPicPr>
         <p:blipFill>
-          <a:blip r:embed="rId8" cstate="print">
+          <a:blip r:embed="rId4" cstate="print">
             <a:extLst>
               <a:ext uri="{28A0092B-C50C-407E-A947-70E740481C1C}">
                 <a14:useLocalDpi xmlns:a14="http://schemas.microsoft.com/office/drawing/2010/main" val="0"/>
@@ -44988,7 +50088,7 @@
         </p:blipFill>
         <p:spPr>
           <a:xfrm rot="5400000">
-            <a:off x="6996167" y="2705562"/>
+            <a:off x="6984702" y="3172325"/>
             <a:ext cx="773449" cy="773449"/>
           </a:xfrm>
           <a:prstGeom prst="rect">
@@ -45025,13 +50125,54 @@
           <a:lstStyle/>
           <a:p>
             <a:r>
-              <a:rPr lang="ko-KR" altLang="en-US" sz="2400" b="1" dirty="0"/>
-              <a:t>시트조절</a:t>
+              <a:rPr lang="ko-KR" altLang="en-US" sz="2400" b="1" dirty="0" smtClean="0"/>
+              <a:t>시트 조절</a:t>
             </a:r>
             <a:endParaRPr lang="ko-KR" altLang="en-US" sz="2400" dirty="0"/>
           </a:p>
         </p:txBody>
       </p:sp>
+      <p:pic>
+        <p:nvPicPr>
+          <p:cNvPr id="1026" name="Picture 2" descr="https://t1.daumcdn.net/cfile/tistory/997986485B67E1F915"/>
+          <p:cNvPicPr>
+            <a:picLocks noChangeAspect="1" noChangeArrowheads="1"/>
+          </p:cNvPicPr>
+          <p:nvPr/>
+        </p:nvPicPr>
+        <p:blipFill>
+          <a:blip r:embed="rId10">
+            <a:extLst>
+              <a:ext uri="{28A0092B-C50C-407E-A947-70E740481C1C}">
+                <a14:useLocalDpi xmlns:a14="http://schemas.microsoft.com/office/drawing/2010/main" val="0"/>
+              </a:ext>
+            </a:extLst>
+          </a:blip>
+          <a:srcRect/>
+          <a:stretch>
+            <a:fillRect/>
+          </a:stretch>
+        </p:blipFill>
+        <p:spPr bwMode="auto">
+          <a:xfrm>
+            <a:off x="2821936" y="2528749"/>
+            <a:ext cx="4124800" cy="2677947"/>
+          </a:xfrm>
+          <a:prstGeom prst="rect">
+            <a:avLst/>
+          </a:prstGeom>
+          <a:noFill/>
+          <a:extLst>
+            <a:ext uri="{909E8E84-426E-40DD-AFC4-6F175D3DCCD1}">
+              <a14:hiddenFill xmlns:a14="http://schemas.microsoft.com/office/drawing/2010/main">
+                <a:solidFill>
+                  <a:srgbClr val="FFFFFF"/>
+                </a:solidFill>
+              </a14:hiddenFill>
+            </a:ext>
+          </a:extLst>
+        </p:spPr>
+      </p:pic>
     </p:spTree>
     <p:extLst>
       <p:ext uri="{BB962C8B-B14F-4D97-AF65-F5344CB8AC3E}">
@@ -45063,7 +50204,7 @@
                             </p:stCondLst>
                             <p:childTnLst>
                               <p:par>
-                                <p:cTn id="5" presetID="10" presetClass="entr" presetSubtype="0" fill="hold" nodeType="clickEffect">
+                                <p:cTn id="5" presetID="42" presetClass="entr" presetSubtype="0" fill="hold" grpId="0" nodeType="clickEffect">
                                   <p:stCondLst>
                                     <p:cond delay="0"/>
                                   </p:stCondLst>
@@ -45071,59 +50212,6 @@
                                     <p:set>
                                       <p:cBhvr>
                                         <p:cTn id="6" dur="1" fill="hold">
-                                          <p:stCondLst>
-                                            <p:cond delay="0"/>
-                                          </p:stCondLst>
-                                        </p:cTn>
-                                        <p:tgtEl>
-                                          <p:spTgt spid="44"/>
-                                        </p:tgtEl>
-                                        <p:attrNameLst>
-                                          <p:attrName>style.visibility</p:attrName>
-                                        </p:attrNameLst>
-                                      </p:cBhvr>
-                                      <p:to>
-                                        <p:strVal val="visible"/>
-                                      </p:to>
-                                    </p:set>
-                                    <p:animEffect transition="in" filter="fade">
-                                      <p:cBhvr>
-                                        <p:cTn id="7" dur="500"/>
-                                        <p:tgtEl>
-                                          <p:spTgt spid="44"/>
-                                        </p:tgtEl>
-                                      </p:cBhvr>
-                                    </p:animEffect>
-                                  </p:childTnLst>
-                                </p:cTn>
-                              </p:par>
-                            </p:childTnLst>
-                          </p:cTn>
-                        </p:par>
-                      </p:childTnLst>
-                    </p:cTn>
-                  </p:par>
-                  <p:par>
-                    <p:cTn id="8" fill="hold">
-                      <p:stCondLst>
-                        <p:cond delay="indefinite"/>
-                      </p:stCondLst>
-                      <p:childTnLst>
-                        <p:par>
-                          <p:cTn id="9" fill="hold">
-                            <p:stCondLst>
-                              <p:cond delay="0"/>
-                            </p:stCondLst>
-                            <p:childTnLst>
-                              <p:par>
-                                <p:cTn id="10" presetID="42" presetClass="entr" presetSubtype="0" fill="hold" grpId="0" nodeType="clickEffect">
-                                  <p:stCondLst>
-                                    <p:cond delay="0"/>
-                                  </p:stCondLst>
-                                  <p:childTnLst>
-                                    <p:set>
-                                      <p:cBhvr>
-                                        <p:cTn id="11" dur="1" fill="hold">
                                           <p:stCondLst>
                                             <p:cond delay="0"/>
                                           </p:stCondLst>
@@ -45141,7 +50229,7 @@
                                     </p:set>
                                     <p:animEffect transition="in" filter="fade">
                                       <p:cBhvr>
-                                        <p:cTn id="12" dur="1000"/>
+                                        <p:cTn id="7" dur="1000"/>
                                         <p:tgtEl>
                                           <p:spTgt spid="47"/>
                                         </p:tgtEl>
@@ -45149,7 +50237,7 @@
                                     </p:animEffect>
                                     <p:anim calcmode="lin" valueType="num">
                                       <p:cBhvr>
-                                        <p:cTn id="13" dur="1000" fill="hold"/>
+                                        <p:cTn id="8" dur="1000" fill="hold"/>
                                         <p:tgtEl>
                                           <p:spTgt spid="47"/>
                                         </p:tgtEl>
@@ -45172,7 +50260,7 @@
                                     </p:anim>
                                     <p:anim calcmode="lin" valueType="num">
                                       <p:cBhvr>
-                                        <p:cTn id="14" dur="1000" fill="hold"/>
+                                        <p:cTn id="9" dur="1000" fill="hold"/>
                                         <p:tgtEl>
                                           <p:spTgt spid="47"/>
                                         </p:tgtEl>
@@ -45197,14 +50285,14 @@
                                 </p:cTn>
                               </p:par>
                               <p:par>
-                                <p:cTn id="15" presetID="42" presetClass="entr" presetSubtype="0" fill="hold" nodeType="withEffect">
+                                <p:cTn id="10" presetID="42" presetClass="entr" presetSubtype="0" fill="hold" nodeType="withEffect">
                                   <p:stCondLst>
                                     <p:cond delay="0"/>
                                   </p:stCondLst>
                                   <p:childTnLst>
                                     <p:set>
                                       <p:cBhvr>
-                                        <p:cTn id="16" dur="1" fill="hold">
+                                        <p:cTn id="11" dur="1" fill="hold">
                                           <p:stCondLst>
                                             <p:cond delay="0"/>
                                           </p:stCondLst>
@@ -45222,7 +50310,7 @@
                                     </p:set>
                                     <p:animEffect transition="in" filter="fade">
                                       <p:cBhvr>
-                                        <p:cTn id="17" dur="1000"/>
+                                        <p:cTn id="12" dur="1000"/>
                                         <p:tgtEl>
                                           <p:spTgt spid="7170"/>
                                         </p:tgtEl>
@@ -45230,7 +50318,7 @@
                                     </p:animEffect>
                                     <p:anim calcmode="lin" valueType="num">
                                       <p:cBhvr>
-                                        <p:cTn id="18" dur="1000" fill="hold"/>
+                                        <p:cTn id="13" dur="1000" fill="hold"/>
                                         <p:tgtEl>
                                           <p:spTgt spid="7170"/>
                                         </p:tgtEl>
@@ -45253,7 +50341,7 @@
                                     </p:anim>
                                     <p:anim calcmode="lin" valueType="num">
                                       <p:cBhvr>
-                                        <p:cTn id="19" dur="1000" fill="hold"/>
+                                        <p:cTn id="14" dur="1000" fill="hold"/>
                                         <p:tgtEl>
                                           <p:spTgt spid="7170"/>
                                         </p:tgtEl>
@@ -45284,26 +50372,26 @@
                     </p:cTn>
                   </p:par>
                   <p:par>
-                    <p:cTn id="20" fill="hold">
+                    <p:cTn id="15" fill="hold">
                       <p:stCondLst>
                         <p:cond delay="indefinite"/>
                       </p:stCondLst>
                       <p:childTnLst>
                         <p:par>
-                          <p:cTn id="21" fill="hold">
+                          <p:cTn id="16" fill="hold">
                             <p:stCondLst>
                               <p:cond delay="0"/>
                             </p:stCondLst>
                             <p:childTnLst>
                               <p:par>
-                                <p:cTn id="22" presetID="42" presetClass="entr" presetSubtype="0" fill="hold" nodeType="clickEffect">
+                                <p:cTn id="17" presetID="42" presetClass="entr" presetSubtype="0" fill="hold" nodeType="clickEffect">
                                   <p:stCondLst>
                                     <p:cond delay="0"/>
                                   </p:stCondLst>
                                   <p:childTnLst>
                                     <p:set>
                                       <p:cBhvr>
-                                        <p:cTn id="23" dur="1" fill="hold">
+                                        <p:cTn id="18" dur="1" fill="hold">
                                           <p:stCondLst>
                                             <p:cond delay="0"/>
                                           </p:stCondLst>
@@ -45321,7 +50409,7 @@
                                     </p:set>
                                     <p:animEffect transition="in" filter="fade">
                                       <p:cBhvr>
-                                        <p:cTn id="24" dur="1000"/>
+                                        <p:cTn id="19" dur="1000"/>
                                         <p:tgtEl>
                                           <p:spTgt spid="7172"/>
                                         </p:tgtEl>
@@ -45329,7 +50417,7 @@
                                     </p:animEffect>
                                     <p:anim calcmode="lin" valueType="num">
                                       <p:cBhvr>
-                                        <p:cTn id="25" dur="1000" fill="hold"/>
+                                        <p:cTn id="20" dur="1000" fill="hold"/>
                                         <p:tgtEl>
                                           <p:spTgt spid="7172"/>
                                         </p:tgtEl>
@@ -45352,7 +50440,7 @@
                                     </p:anim>
                                     <p:anim calcmode="lin" valueType="num">
                                       <p:cBhvr>
-                                        <p:cTn id="26" dur="1000" fill="hold"/>
+                                        <p:cTn id="21" dur="1000" fill="hold"/>
                                         <p:tgtEl>
                                           <p:spTgt spid="7172"/>
                                         </p:tgtEl>
@@ -45377,14 +50465,14 @@
                                 </p:cTn>
                               </p:par>
                               <p:par>
-                                <p:cTn id="27" presetID="42" presetClass="entr" presetSubtype="0" fill="hold" grpId="0" nodeType="withEffect">
+                                <p:cTn id="22" presetID="42" presetClass="entr" presetSubtype="0" fill="hold" grpId="0" nodeType="withEffect">
                                   <p:stCondLst>
                                     <p:cond delay="0"/>
                                   </p:stCondLst>
                                   <p:childTnLst>
                                     <p:set>
                                       <p:cBhvr>
-                                        <p:cTn id="28" dur="1" fill="hold">
+                                        <p:cTn id="23" dur="1" fill="hold">
                                           <p:stCondLst>
                                             <p:cond delay="0"/>
                                           </p:stCondLst>
@@ -45402,7 +50490,7 @@
                                     </p:set>
                                     <p:animEffect transition="in" filter="fade">
                                       <p:cBhvr>
-                                        <p:cTn id="29" dur="1000"/>
+                                        <p:cTn id="24" dur="1000"/>
                                         <p:tgtEl>
                                           <p:spTgt spid="42"/>
                                         </p:tgtEl>
@@ -45410,7 +50498,7 @@
                                     </p:animEffect>
                                     <p:anim calcmode="lin" valueType="num">
                                       <p:cBhvr>
-                                        <p:cTn id="30" dur="1000" fill="hold"/>
+                                        <p:cTn id="25" dur="1000" fill="hold"/>
                                         <p:tgtEl>
                                           <p:spTgt spid="42"/>
                                         </p:tgtEl>
@@ -45433,7 +50521,7 @@
                                     </p:anim>
                                     <p:anim calcmode="lin" valueType="num">
                                       <p:cBhvr>
-                                        <p:cTn id="31" dur="1000" fill="hold"/>
+                                        <p:cTn id="26" dur="1000" fill="hold"/>
                                         <p:tgtEl>
                                           <p:spTgt spid="42"/>
                                         </p:tgtEl>
@@ -45530,7 +50618,7 @@
         </p:nvSpPr>
         <p:spPr>
           <a:xfrm>
-            <a:off x="1759196" y="650562"/>
+            <a:off x="1759195" y="620138"/>
             <a:ext cx="10432805" cy="5486676"/>
           </a:xfrm>
           <a:custGeom>
@@ -45614,8 +50702,11 @@
           <a:bodyPr rtlCol="0" anchor="ctr"/>
           <a:lstStyle/>
           <a:p>
-            <a:pPr algn="ctr"/>
-            <a:endParaRPr lang="ko-KR" altLang="en-US" dirty="0"/>
+            <a:r>
+              <a:rPr lang="ko-KR" altLang="en-US" b="1" dirty="0"/>
+              <a:t>시트조절</a:t>
+            </a:r>
+            <a:endParaRPr lang="en-US" altLang="ko-KR" b="1" dirty="0"/>
           </a:p>
         </p:txBody>
       </p:sp>
@@ -47027,7 +52118,7 @@
                   <a:prstClr val="white"/>
                 </a:solidFill>
               </a:rPr>
-              <a:t>음성인식 서비스</a:t>
+              <a:t>사용자 맞춤형 서비스</a:t>
             </a:r>
             <a:endParaRPr lang="ko-KR" altLang="en-US" sz="3200" dirty="0">
               <a:solidFill>
@@ -49842,413 +54933,41 @@
           </p:txBody>
         </p:sp>
       </p:grpSp>
-      <p:pic>
-        <p:nvPicPr>
-          <p:cNvPr id="7" name="그래픽 6" descr="수신기">
-            <a:extLst>
-              <a:ext uri="{FF2B5EF4-FFF2-40B4-BE49-F238E27FC236}">
-                <a16:creationId xmlns:a16="http://schemas.microsoft.com/office/drawing/2014/main" xmlns="" id="{808E2219-960B-47F7-84F0-8DA8F301223E}"/>
-              </a:ext>
-            </a:extLst>
-          </p:cNvPr>
-          <p:cNvPicPr>
-            <a:picLocks noChangeAspect="1"/>
-          </p:cNvPicPr>
+      <p:sp>
+        <p:nvSpPr>
+          <p:cNvPr id="3" name="직사각형 2"/>
+          <p:cNvSpPr/>
           <p:nvPr/>
-        </p:nvPicPr>
-        <p:blipFill>
-          <a:blip r:embed="rId2" cstate="print">
-            <a:extLst>
-              <a:ext uri="{28A0092B-C50C-407E-A947-70E740481C1C}">
-                <a14:useLocalDpi xmlns:a14="http://schemas.microsoft.com/office/drawing/2010/main" val="0"/>
-              </a:ext>
-              <a:ext uri="{96DAC541-7B7A-43D3-8B79-37D633B846F1}">
-                <asvg:svgBlip xmlns:asvg="http://schemas.microsoft.com/office/drawing/2016/SVG/main" xmlns="" r:embed="rId3"/>
-              </a:ext>
-            </a:extLst>
-          </a:blip>
-          <a:stretch>
-            <a:fillRect/>
-          </a:stretch>
-        </p:blipFill>
+        </p:nvSpPr>
         <p:spPr>
           <a:xfrm>
-            <a:off x="4076465" y="1692999"/>
-            <a:ext cx="914400" cy="914400"/>
+            <a:off x="2617997" y="2202382"/>
+            <a:ext cx="5467843" cy="523220"/>
           </a:xfrm>
           <a:prstGeom prst="rect">
             <a:avLst/>
           </a:prstGeom>
         </p:spPr>
-      </p:pic>
-      <p:pic>
-        <p:nvPicPr>
-          <p:cNvPr id="9" name="그래픽 8" descr="봉투">
-            <a:extLst>
-              <a:ext uri="{FF2B5EF4-FFF2-40B4-BE49-F238E27FC236}">
-                <a16:creationId xmlns:a16="http://schemas.microsoft.com/office/drawing/2014/main" xmlns="" id="{881666F9-A225-4944-AA27-4F01E2882588}"/>
-              </a:ext>
-            </a:extLst>
-          </p:cNvPr>
-          <p:cNvPicPr>
-            <a:picLocks noChangeAspect="1"/>
-          </p:cNvPicPr>
-          <p:nvPr/>
-        </p:nvPicPr>
-        <p:blipFill>
-          <a:blip r:embed="rId4" cstate="print">
-            <a:extLst>
-              <a:ext uri="{28A0092B-C50C-407E-A947-70E740481C1C}">
-                <a14:useLocalDpi xmlns:a14="http://schemas.microsoft.com/office/drawing/2010/main" val="0"/>
-              </a:ext>
-              <a:ext uri="{96DAC541-7B7A-43D3-8B79-37D633B846F1}">
-                <asvg:svgBlip xmlns:asvg="http://schemas.microsoft.com/office/drawing/2016/SVG/main" xmlns="" r:embed="rId5"/>
-              </a:ext>
-            </a:extLst>
-          </a:blip>
-          <a:stretch>
-            <a:fillRect/>
-          </a:stretch>
-        </p:blipFill>
-        <p:spPr>
-          <a:xfrm>
-            <a:off x="5859974" y="1446814"/>
-            <a:ext cx="914400" cy="914400"/>
-          </a:xfrm>
-          <a:prstGeom prst="rect">
-            <a:avLst/>
-          </a:prstGeom>
-        </p:spPr>
-      </p:pic>
-      <p:pic>
-        <p:nvPicPr>
-          <p:cNvPr id="24" name="그래픽 23" descr="헤드폰">
-            <a:extLst>
-              <a:ext uri="{FF2B5EF4-FFF2-40B4-BE49-F238E27FC236}">
-                <a16:creationId xmlns:a16="http://schemas.microsoft.com/office/drawing/2014/main" xmlns="" id="{C1B32A59-AAB3-4B47-8777-CDA6710B4A13}"/>
-              </a:ext>
-            </a:extLst>
-          </p:cNvPr>
-          <p:cNvPicPr>
-            <a:picLocks noChangeAspect="1"/>
-          </p:cNvPicPr>
-          <p:nvPr/>
-        </p:nvPicPr>
-        <p:blipFill>
-          <a:blip r:embed="rId6" cstate="print">
-            <a:extLst>
-              <a:ext uri="{28A0092B-C50C-407E-A947-70E740481C1C}">
-                <a14:useLocalDpi xmlns:a14="http://schemas.microsoft.com/office/drawing/2010/main" val="0"/>
-              </a:ext>
-              <a:ext uri="{96DAC541-7B7A-43D3-8B79-37D633B846F1}">
-                <asvg:svgBlip xmlns:asvg="http://schemas.microsoft.com/office/drawing/2016/SVG/main" xmlns="" r:embed="rId9"/>
-              </a:ext>
-            </a:extLst>
-          </a:blip>
-          <a:stretch>
-            <a:fillRect/>
-          </a:stretch>
-        </p:blipFill>
-        <p:spPr>
-          <a:xfrm>
-            <a:off x="7615968" y="4374742"/>
-            <a:ext cx="914400" cy="914400"/>
-          </a:xfrm>
-          <a:prstGeom prst="rect">
-            <a:avLst/>
-          </a:prstGeom>
-        </p:spPr>
-      </p:pic>
-      <p:pic>
-        <p:nvPicPr>
-          <p:cNvPr id="28" name="그래픽 27" descr="음량">
-            <a:extLst>
-              <a:ext uri="{FF2B5EF4-FFF2-40B4-BE49-F238E27FC236}">
-                <a16:creationId xmlns:a16="http://schemas.microsoft.com/office/drawing/2014/main" xmlns="" id="{CA9C2F69-6DF1-4842-9670-124AE0E32FF8}"/>
-              </a:ext>
-            </a:extLst>
-          </p:cNvPr>
-          <p:cNvPicPr>
-            <a:picLocks noChangeAspect="1"/>
-          </p:cNvPicPr>
-          <p:nvPr/>
-        </p:nvPicPr>
-        <p:blipFill>
-          <a:blip r:embed="rId10" cstate="print">
-            <a:extLst>
-              <a:ext uri="{28A0092B-C50C-407E-A947-70E740481C1C}">
-                <a14:useLocalDpi xmlns:a14="http://schemas.microsoft.com/office/drawing/2010/main" val="0"/>
-              </a:ext>
-              <a:ext uri="{96DAC541-7B7A-43D3-8B79-37D633B846F1}">
-                <asvg:svgBlip xmlns:asvg="http://schemas.microsoft.com/office/drawing/2016/SVG/main" xmlns="" r:embed="rId13"/>
-              </a:ext>
-            </a:extLst>
-          </a:blip>
-          <a:stretch>
-            <a:fillRect/>
-          </a:stretch>
-        </p:blipFill>
-        <p:spPr>
-          <a:xfrm>
-            <a:off x="5971696" y="4725825"/>
-            <a:ext cx="914400" cy="914400"/>
-          </a:xfrm>
-          <a:prstGeom prst="rect">
-            <a:avLst/>
-          </a:prstGeom>
-        </p:spPr>
-      </p:pic>
-      <p:pic>
-        <p:nvPicPr>
-          <p:cNvPr id="30" name="그래픽 29" descr="핀 있는 지도">
-            <a:extLst>
-              <a:ext uri="{FF2B5EF4-FFF2-40B4-BE49-F238E27FC236}">
-                <a16:creationId xmlns:a16="http://schemas.microsoft.com/office/drawing/2014/main" xmlns="" id="{D9A63827-3955-4E99-B488-235C572FBFE9}"/>
-              </a:ext>
-            </a:extLst>
-          </p:cNvPr>
-          <p:cNvPicPr>
-            <a:picLocks noChangeAspect="1"/>
-          </p:cNvPicPr>
-          <p:nvPr/>
-        </p:nvPicPr>
-        <p:blipFill>
-          <a:blip r:embed="rId14" cstate="print">
-            <a:extLst>
-              <a:ext uri="{28A0092B-C50C-407E-A947-70E740481C1C}">
-                <a14:useLocalDpi xmlns:a14="http://schemas.microsoft.com/office/drawing/2010/main" val="0"/>
-              </a:ext>
-              <a:ext uri="{96DAC541-7B7A-43D3-8B79-37D633B846F1}">
-                <asvg:svgBlip xmlns:asvg="http://schemas.microsoft.com/office/drawing/2016/SVG/main" xmlns="" r:embed="rId15"/>
-              </a:ext>
-            </a:extLst>
-          </a:blip>
-          <a:stretch>
-            <a:fillRect/>
-          </a:stretch>
-        </p:blipFill>
-        <p:spPr>
-          <a:xfrm>
-            <a:off x="7466285" y="1877445"/>
-            <a:ext cx="914400" cy="914400"/>
-          </a:xfrm>
-          <a:prstGeom prst="rect">
-            <a:avLst/>
-          </a:prstGeom>
-        </p:spPr>
-      </p:pic>
-      <p:pic>
-        <p:nvPicPr>
-          <p:cNvPr id="32" name="그래픽 31" descr="나침반">
-            <a:extLst>
-              <a:ext uri="{FF2B5EF4-FFF2-40B4-BE49-F238E27FC236}">
-                <a16:creationId xmlns:a16="http://schemas.microsoft.com/office/drawing/2014/main" xmlns="" id="{59F7328F-90FF-4B3D-AA2F-E4ED4E347557}"/>
-              </a:ext>
-            </a:extLst>
-          </p:cNvPr>
-          <p:cNvPicPr>
-            <a:picLocks noChangeAspect="1"/>
-          </p:cNvPicPr>
-          <p:nvPr/>
-        </p:nvPicPr>
-        <p:blipFill>
-          <a:blip r:embed="rId16" cstate="print">
-            <a:extLst>
-              <a:ext uri="{28A0092B-C50C-407E-A947-70E740481C1C}">
-                <a14:useLocalDpi xmlns:a14="http://schemas.microsoft.com/office/drawing/2010/main" val="0"/>
-              </a:ext>
-              <a:ext uri="{96DAC541-7B7A-43D3-8B79-37D633B846F1}">
-                <asvg:svgBlip xmlns:asvg="http://schemas.microsoft.com/office/drawing/2016/SVG/main" xmlns="" r:embed="rId17"/>
-              </a:ext>
-            </a:extLst>
-          </a:blip>
-          <a:stretch>
-            <a:fillRect/>
-          </a:stretch>
-        </p:blipFill>
-        <p:spPr>
-          <a:xfrm>
-            <a:off x="7863054" y="3178189"/>
-            <a:ext cx="914400" cy="914400"/>
-          </a:xfrm>
-          <a:prstGeom prst="rect">
-            <a:avLst/>
-          </a:prstGeom>
-        </p:spPr>
-      </p:pic>
-      <p:pic>
-        <p:nvPicPr>
-          <p:cNvPr id="37" name="그래픽 36" descr="온도계">
-            <a:extLst>
-              <a:ext uri="{FF2B5EF4-FFF2-40B4-BE49-F238E27FC236}">
-                <a16:creationId xmlns:a16="http://schemas.microsoft.com/office/drawing/2014/main" xmlns="" id="{181CD27D-8502-445E-A18B-3D3699C38A21}"/>
-              </a:ext>
-            </a:extLst>
-          </p:cNvPr>
-          <p:cNvPicPr>
-            <a:picLocks noChangeAspect="1"/>
-          </p:cNvPicPr>
-          <p:nvPr/>
-        </p:nvPicPr>
-        <p:blipFill>
-          <a:blip r:embed="rId18" cstate="print">
-            <a:extLst>
-              <a:ext uri="{28A0092B-C50C-407E-A947-70E740481C1C}">
-                <a14:useLocalDpi xmlns:a14="http://schemas.microsoft.com/office/drawing/2010/main" val="0"/>
-              </a:ext>
-              <a:ext uri="{96DAC541-7B7A-43D3-8B79-37D633B846F1}">
-                <asvg:svgBlip xmlns:asvg="http://schemas.microsoft.com/office/drawing/2016/SVG/main" xmlns="" r:embed="rId19"/>
-              </a:ext>
-            </a:extLst>
-          </a:blip>
-          <a:stretch>
-            <a:fillRect/>
-          </a:stretch>
-        </p:blipFill>
-        <p:spPr>
-          <a:xfrm>
-            <a:off x="4443826" y="4331783"/>
-            <a:ext cx="914400" cy="914400"/>
-          </a:xfrm>
-          <a:prstGeom prst="rect">
-            <a:avLst/>
-          </a:prstGeom>
-        </p:spPr>
-      </p:pic>
-      <p:sp>
-        <p:nvSpPr>
-          <p:cNvPr id="44" name="타원 43">
-            <a:extLst>
-              <a:ext uri="{FF2B5EF4-FFF2-40B4-BE49-F238E27FC236}">
-                <a16:creationId xmlns:a16="http://schemas.microsoft.com/office/drawing/2014/main" xmlns="" id="{F4E69AA0-968B-4FBF-B155-131329220D19}"/>
-              </a:ext>
-            </a:extLst>
-          </p:cNvPr>
-          <p:cNvSpPr/>
-          <p:nvPr/>
-        </p:nvSpPr>
-        <p:spPr>
-          <a:xfrm>
-            <a:off x="5582159" y="2836338"/>
-            <a:ext cx="1329204" cy="1256251"/>
-          </a:xfrm>
-          <a:prstGeom prst="ellipse">
-            <a:avLst/>
-          </a:prstGeom>
-          <a:solidFill>
-            <a:srgbClr val="3B6891"/>
-          </a:solidFill>
-          <a:ln>
-            <a:noFill/>
-          </a:ln>
-        </p:spPr>
-        <p:style>
-          <a:lnRef idx="2">
-            <a:schemeClr val="accent1">
-              <a:shade val="50000"/>
-            </a:schemeClr>
-          </a:lnRef>
-          <a:fillRef idx="1">
-            <a:schemeClr val="accent1"/>
-          </a:fillRef>
-          <a:effectRef idx="0">
-            <a:schemeClr val="accent1"/>
-          </a:effectRef>
-          <a:fontRef idx="minor">
-            <a:schemeClr val="lt1"/>
-          </a:fontRef>
-        </p:style>
         <p:txBody>
-          <a:bodyPr rtlCol="0" anchor="ctr"/>
+          <a:bodyPr wrap="none">
+            <a:spAutoFit/>
+          </a:bodyPr>
           <a:lstStyle/>
           <a:p>
-            <a:pPr algn="ctr"/>
-            <a:endParaRPr lang="ko-KR" altLang="en-US" dirty="0"/>
+            <a:r>
+              <a:rPr lang="ko-KR" altLang="en-US" sz="2800" dirty="0">
+                <a:hlinkClick r:id="rId2"/>
+              </a:rPr>
+              <a:t>https://youtu.be/aHQGDIwMX54</a:t>
+            </a:r>
+            <a:endParaRPr lang="ko-KR" altLang="en-US" sz="2800" dirty="0"/>
           </a:p>
         </p:txBody>
       </p:sp>
-      <p:pic>
-        <p:nvPicPr>
-          <p:cNvPr id="43" name="그래픽 42" descr="목록">
-            <a:extLst>
-              <a:ext uri="{FF2B5EF4-FFF2-40B4-BE49-F238E27FC236}">
-                <a16:creationId xmlns:a16="http://schemas.microsoft.com/office/drawing/2014/main" xmlns="" id="{1A4791C3-9EDC-4FCE-A7E9-3EEAA7D33FF7}"/>
-              </a:ext>
-            </a:extLst>
-          </p:cNvPr>
-          <p:cNvPicPr>
-            <a:picLocks noChangeAspect="1"/>
-          </p:cNvPicPr>
-          <p:nvPr/>
-        </p:nvPicPr>
-        <p:blipFill>
-          <a:blip r:embed="rId20" cstate="print">
-            <a:extLst>
-              <a:ext uri="{28A0092B-C50C-407E-A947-70E740481C1C}">
-                <a14:useLocalDpi xmlns:a14="http://schemas.microsoft.com/office/drawing/2010/main" val="0"/>
-              </a:ext>
-              <a:ext uri="{96DAC541-7B7A-43D3-8B79-37D633B846F1}">
-                <asvg:svgBlip xmlns:asvg="http://schemas.microsoft.com/office/drawing/2016/SVG/main" xmlns="" r:embed="rId21"/>
-              </a:ext>
-            </a:extLst>
-          </a:blip>
-          <a:stretch>
-            <a:fillRect/>
-          </a:stretch>
-        </p:blipFill>
-        <p:spPr>
-          <a:xfrm>
-            <a:off x="3625110" y="3105712"/>
-            <a:ext cx="914400" cy="914400"/>
-          </a:xfrm>
-          <a:prstGeom prst="rect">
-            <a:avLst/>
-          </a:prstGeom>
-        </p:spPr>
-      </p:pic>
-      <p:pic>
-        <p:nvPicPr>
-          <p:cNvPr id="4" name="그래픽 3" descr="무선 마이크">
-            <a:extLst>
-              <a:ext uri="{FF2B5EF4-FFF2-40B4-BE49-F238E27FC236}">
-                <a16:creationId xmlns:a16="http://schemas.microsoft.com/office/drawing/2014/main" xmlns="" id="{30185BB1-0057-4EE3-84F0-F5B6C0D1459F}"/>
-              </a:ext>
-            </a:extLst>
-          </p:cNvPr>
-          <p:cNvPicPr>
-            <a:picLocks noChangeAspect="1"/>
-          </p:cNvPicPr>
-          <p:nvPr/>
-        </p:nvPicPr>
-        <p:blipFill>
-          <a:blip r:embed="rId22" cstate="print">
-            <a:extLst>
-              <a:ext uri="{28A0092B-C50C-407E-A947-70E740481C1C}">
-                <a14:useLocalDpi xmlns:a14="http://schemas.microsoft.com/office/drawing/2010/main" val="0"/>
-              </a:ext>
-              <a:ext uri="{96DAC541-7B7A-43D3-8B79-37D633B846F1}">
-                <asvg:svgBlip xmlns:asvg="http://schemas.microsoft.com/office/drawing/2016/SVG/main" xmlns="" r:embed="rId23"/>
-              </a:ext>
-            </a:extLst>
-          </a:blip>
-          <a:stretch>
-            <a:fillRect/>
-          </a:stretch>
-        </p:blipFill>
-        <p:spPr>
-          <a:xfrm>
-            <a:off x="5808583" y="2977185"/>
-            <a:ext cx="914400" cy="914400"/>
-          </a:xfrm>
-          <a:prstGeom prst="rect">
-            <a:avLst/>
-          </a:prstGeom>
-        </p:spPr>
-      </p:pic>
     </p:spTree>
     <p:extLst>
       <p:ext uri="{BB962C8B-B14F-4D97-AF65-F5344CB8AC3E}">
-        <p14:creationId xmlns:p14="http://schemas.microsoft.com/office/powerpoint/2010/main" val="4027560862"/>
+        <p14:creationId xmlns:p14="http://schemas.microsoft.com/office/powerpoint/2010/main" val="3615225010"/>
       </p:ext>
     </p:extLst>
   </p:cSld>
@@ -50258,454 +54977,7 @@
   <p:timing>
     <p:tnLst>
       <p:par>
-        <p:cTn id="1" dur="indefinite" restart="never" nodeType="tmRoot">
-          <p:childTnLst>
-            <p:seq concurrent="1" nextAc="seek">
-              <p:cTn id="2" dur="indefinite" nodeType="mainSeq">
-                <p:childTnLst>
-                  <p:par>
-                    <p:cTn id="3" fill="hold">
-                      <p:stCondLst>
-                        <p:cond delay="indefinite"/>
-                      </p:stCondLst>
-                      <p:childTnLst>
-                        <p:par>
-                          <p:cTn id="4" fill="hold">
-                            <p:stCondLst>
-                              <p:cond delay="0"/>
-                            </p:stCondLst>
-                            <p:childTnLst>
-                              <p:par>
-                                <p:cTn id="5" presetID="10" presetClass="entr" presetSubtype="0" fill="hold" nodeType="clickEffect">
-                                  <p:stCondLst>
-                                    <p:cond delay="0"/>
-                                  </p:stCondLst>
-                                  <p:childTnLst>
-                                    <p:set>
-                                      <p:cBhvr>
-                                        <p:cTn id="6" dur="1" fill="hold">
-                                          <p:stCondLst>
-                                            <p:cond delay="0"/>
-                                          </p:stCondLst>
-                                        </p:cTn>
-                                        <p:tgtEl>
-                                          <p:spTgt spid="7"/>
-                                        </p:tgtEl>
-                                        <p:attrNameLst>
-                                          <p:attrName>style.visibility</p:attrName>
-                                        </p:attrNameLst>
-                                      </p:cBhvr>
-                                      <p:to>
-                                        <p:strVal val="visible"/>
-                                      </p:to>
-                                    </p:set>
-                                    <p:animEffect transition="in" filter="fade">
-                                      <p:cBhvr>
-                                        <p:cTn id="7" dur="500"/>
-                                        <p:tgtEl>
-                                          <p:spTgt spid="7"/>
-                                        </p:tgtEl>
-                                      </p:cBhvr>
-                                    </p:animEffect>
-                                  </p:childTnLst>
-                                </p:cTn>
-                              </p:par>
-                            </p:childTnLst>
-                          </p:cTn>
-                        </p:par>
-                      </p:childTnLst>
-                    </p:cTn>
-                  </p:par>
-                  <p:par>
-                    <p:cTn id="8" fill="hold">
-                      <p:stCondLst>
-                        <p:cond delay="indefinite"/>
-                      </p:stCondLst>
-                      <p:childTnLst>
-                        <p:par>
-                          <p:cTn id="9" fill="hold">
-                            <p:stCondLst>
-                              <p:cond delay="0"/>
-                            </p:stCondLst>
-                            <p:childTnLst>
-                              <p:par>
-                                <p:cTn id="10" presetID="10" presetClass="entr" presetSubtype="0" fill="hold" nodeType="clickEffect">
-                                  <p:stCondLst>
-                                    <p:cond delay="0"/>
-                                  </p:stCondLst>
-                                  <p:childTnLst>
-                                    <p:set>
-                                      <p:cBhvr>
-                                        <p:cTn id="11" dur="1" fill="hold">
-                                          <p:stCondLst>
-                                            <p:cond delay="0"/>
-                                          </p:stCondLst>
-                                        </p:cTn>
-                                        <p:tgtEl>
-                                          <p:spTgt spid="9"/>
-                                        </p:tgtEl>
-                                        <p:attrNameLst>
-                                          <p:attrName>style.visibility</p:attrName>
-                                        </p:attrNameLst>
-                                      </p:cBhvr>
-                                      <p:to>
-                                        <p:strVal val="visible"/>
-                                      </p:to>
-                                    </p:set>
-                                    <p:animEffect transition="in" filter="fade">
-                                      <p:cBhvr>
-                                        <p:cTn id="12" dur="500"/>
-                                        <p:tgtEl>
-                                          <p:spTgt spid="9"/>
-                                        </p:tgtEl>
-                                      </p:cBhvr>
-                                    </p:animEffect>
-                                  </p:childTnLst>
-                                </p:cTn>
-                              </p:par>
-                            </p:childTnLst>
-                          </p:cTn>
-                        </p:par>
-                      </p:childTnLst>
-                    </p:cTn>
-                  </p:par>
-                  <p:par>
-                    <p:cTn id="13" fill="hold">
-                      <p:stCondLst>
-                        <p:cond delay="indefinite"/>
-                      </p:stCondLst>
-                      <p:childTnLst>
-                        <p:par>
-                          <p:cTn id="14" fill="hold">
-                            <p:stCondLst>
-                              <p:cond delay="0"/>
-                            </p:stCondLst>
-                            <p:childTnLst>
-                              <p:par>
-                                <p:cTn id="15" presetID="10" presetClass="entr" presetSubtype="0" fill="hold" nodeType="clickEffect">
-                                  <p:stCondLst>
-                                    <p:cond delay="0"/>
-                                  </p:stCondLst>
-                                  <p:childTnLst>
-                                    <p:set>
-                                      <p:cBhvr>
-                                        <p:cTn id="16" dur="1" fill="hold">
-                                          <p:stCondLst>
-                                            <p:cond delay="0"/>
-                                          </p:stCondLst>
-                                        </p:cTn>
-                                        <p:tgtEl>
-                                          <p:spTgt spid="30"/>
-                                        </p:tgtEl>
-                                        <p:attrNameLst>
-                                          <p:attrName>style.visibility</p:attrName>
-                                        </p:attrNameLst>
-                                      </p:cBhvr>
-                                      <p:to>
-                                        <p:strVal val="visible"/>
-                                      </p:to>
-                                    </p:set>
-                                    <p:animEffect transition="in" filter="fade">
-                                      <p:cBhvr>
-                                        <p:cTn id="17" dur="500"/>
-                                        <p:tgtEl>
-                                          <p:spTgt spid="30"/>
-                                        </p:tgtEl>
-                                      </p:cBhvr>
-                                    </p:animEffect>
-                                  </p:childTnLst>
-                                </p:cTn>
-                              </p:par>
-                            </p:childTnLst>
-                          </p:cTn>
-                        </p:par>
-                      </p:childTnLst>
-                    </p:cTn>
-                  </p:par>
-                  <p:par>
-                    <p:cTn id="18" fill="hold">
-                      <p:stCondLst>
-                        <p:cond delay="indefinite"/>
-                      </p:stCondLst>
-                      <p:childTnLst>
-                        <p:par>
-                          <p:cTn id="19" fill="hold">
-                            <p:stCondLst>
-                              <p:cond delay="0"/>
-                            </p:stCondLst>
-                            <p:childTnLst>
-                              <p:par>
-                                <p:cTn id="20" presetID="10" presetClass="entr" presetSubtype="0" fill="hold" nodeType="clickEffect">
-                                  <p:stCondLst>
-                                    <p:cond delay="0"/>
-                                  </p:stCondLst>
-                                  <p:childTnLst>
-                                    <p:set>
-                                      <p:cBhvr>
-                                        <p:cTn id="21" dur="1" fill="hold">
-                                          <p:stCondLst>
-                                            <p:cond delay="0"/>
-                                          </p:stCondLst>
-                                        </p:cTn>
-                                        <p:tgtEl>
-                                          <p:spTgt spid="32"/>
-                                        </p:tgtEl>
-                                        <p:attrNameLst>
-                                          <p:attrName>style.visibility</p:attrName>
-                                        </p:attrNameLst>
-                                      </p:cBhvr>
-                                      <p:to>
-                                        <p:strVal val="visible"/>
-                                      </p:to>
-                                    </p:set>
-                                    <p:animEffect transition="in" filter="fade">
-                                      <p:cBhvr>
-                                        <p:cTn id="22" dur="500"/>
-                                        <p:tgtEl>
-                                          <p:spTgt spid="32"/>
-                                        </p:tgtEl>
-                                      </p:cBhvr>
-                                    </p:animEffect>
-                                  </p:childTnLst>
-                                </p:cTn>
-                              </p:par>
-                            </p:childTnLst>
-                          </p:cTn>
-                        </p:par>
-                      </p:childTnLst>
-                    </p:cTn>
-                  </p:par>
-                  <p:par>
-                    <p:cTn id="23" fill="hold">
-                      <p:stCondLst>
-                        <p:cond delay="indefinite"/>
-                      </p:stCondLst>
-                      <p:childTnLst>
-                        <p:par>
-                          <p:cTn id="24" fill="hold">
-                            <p:stCondLst>
-                              <p:cond delay="0"/>
-                            </p:stCondLst>
-                            <p:childTnLst>
-                              <p:par>
-                                <p:cTn id="25" presetID="10" presetClass="entr" presetSubtype="0" fill="hold" nodeType="clickEffect">
-                                  <p:stCondLst>
-                                    <p:cond delay="0"/>
-                                  </p:stCondLst>
-                                  <p:childTnLst>
-                                    <p:set>
-                                      <p:cBhvr>
-                                        <p:cTn id="26" dur="1" fill="hold">
-                                          <p:stCondLst>
-                                            <p:cond delay="0"/>
-                                          </p:stCondLst>
-                                        </p:cTn>
-                                        <p:tgtEl>
-                                          <p:spTgt spid="24"/>
-                                        </p:tgtEl>
-                                        <p:attrNameLst>
-                                          <p:attrName>style.visibility</p:attrName>
-                                        </p:attrNameLst>
-                                      </p:cBhvr>
-                                      <p:to>
-                                        <p:strVal val="visible"/>
-                                      </p:to>
-                                    </p:set>
-                                    <p:animEffect transition="in" filter="fade">
-                                      <p:cBhvr>
-                                        <p:cTn id="27" dur="500"/>
-                                        <p:tgtEl>
-                                          <p:spTgt spid="24"/>
-                                        </p:tgtEl>
-                                      </p:cBhvr>
-                                    </p:animEffect>
-                                  </p:childTnLst>
-                                </p:cTn>
-                              </p:par>
-                            </p:childTnLst>
-                          </p:cTn>
-                        </p:par>
-                      </p:childTnLst>
-                    </p:cTn>
-                  </p:par>
-                  <p:par>
-                    <p:cTn id="28" fill="hold">
-                      <p:stCondLst>
-                        <p:cond delay="indefinite"/>
-                      </p:stCondLst>
-                      <p:childTnLst>
-                        <p:par>
-                          <p:cTn id="29" fill="hold">
-                            <p:stCondLst>
-                              <p:cond delay="0"/>
-                            </p:stCondLst>
-                            <p:childTnLst>
-                              <p:par>
-                                <p:cTn id="30" presetID="10" presetClass="entr" presetSubtype="0" fill="hold" nodeType="clickEffect">
-                                  <p:stCondLst>
-                                    <p:cond delay="0"/>
-                                  </p:stCondLst>
-                                  <p:childTnLst>
-                                    <p:set>
-                                      <p:cBhvr>
-                                        <p:cTn id="31" dur="1" fill="hold">
-                                          <p:stCondLst>
-                                            <p:cond delay="0"/>
-                                          </p:stCondLst>
-                                        </p:cTn>
-                                        <p:tgtEl>
-                                          <p:spTgt spid="28"/>
-                                        </p:tgtEl>
-                                        <p:attrNameLst>
-                                          <p:attrName>style.visibility</p:attrName>
-                                        </p:attrNameLst>
-                                      </p:cBhvr>
-                                      <p:to>
-                                        <p:strVal val="visible"/>
-                                      </p:to>
-                                    </p:set>
-                                    <p:animEffect transition="in" filter="fade">
-                                      <p:cBhvr>
-                                        <p:cTn id="32" dur="500"/>
-                                        <p:tgtEl>
-                                          <p:spTgt spid="28"/>
-                                        </p:tgtEl>
-                                      </p:cBhvr>
-                                    </p:animEffect>
-                                  </p:childTnLst>
-                                </p:cTn>
-                              </p:par>
-                            </p:childTnLst>
-                          </p:cTn>
-                        </p:par>
-                      </p:childTnLst>
-                    </p:cTn>
-                  </p:par>
-                  <p:par>
-                    <p:cTn id="33" fill="hold">
-                      <p:stCondLst>
-                        <p:cond delay="indefinite"/>
-                      </p:stCondLst>
-                      <p:childTnLst>
-                        <p:par>
-                          <p:cTn id="34" fill="hold">
-                            <p:stCondLst>
-                              <p:cond delay="0"/>
-                            </p:stCondLst>
-                            <p:childTnLst>
-                              <p:par>
-                                <p:cTn id="35" presetID="10" presetClass="entr" presetSubtype="0" fill="hold" nodeType="clickEffect">
-                                  <p:stCondLst>
-                                    <p:cond delay="0"/>
-                                  </p:stCondLst>
-                                  <p:childTnLst>
-                                    <p:set>
-                                      <p:cBhvr>
-                                        <p:cTn id="36" dur="1" fill="hold">
-                                          <p:stCondLst>
-                                            <p:cond delay="0"/>
-                                          </p:stCondLst>
-                                        </p:cTn>
-                                        <p:tgtEl>
-                                          <p:spTgt spid="37"/>
-                                        </p:tgtEl>
-                                        <p:attrNameLst>
-                                          <p:attrName>style.visibility</p:attrName>
-                                        </p:attrNameLst>
-                                      </p:cBhvr>
-                                      <p:to>
-                                        <p:strVal val="visible"/>
-                                      </p:to>
-                                    </p:set>
-                                    <p:animEffect transition="in" filter="fade">
-                                      <p:cBhvr>
-                                        <p:cTn id="37" dur="500"/>
-                                        <p:tgtEl>
-                                          <p:spTgt spid="37"/>
-                                        </p:tgtEl>
-                                      </p:cBhvr>
-                                    </p:animEffect>
-                                  </p:childTnLst>
-                                </p:cTn>
-                              </p:par>
-                            </p:childTnLst>
-                          </p:cTn>
-                        </p:par>
-                      </p:childTnLst>
-                    </p:cTn>
-                  </p:par>
-                  <p:par>
-                    <p:cTn id="38" fill="hold">
-                      <p:stCondLst>
-                        <p:cond delay="indefinite"/>
-                      </p:stCondLst>
-                      <p:childTnLst>
-                        <p:par>
-                          <p:cTn id="39" fill="hold">
-                            <p:stCondLst>
-                              <p:cond delay="0"/>
-                            </p:stCondLst>
-                            <p:childTnLst>
-                              <p:par>
-                                <p:cTn id="40" presetID="10" presetClass="entr" presetSubtype="0" fill="hold" nodeType="clickEffect">
-                                  <p:stCondLst>
-                                    <p:cond delay="0"/>
-                                  </p:stCondLst>
-                                  <p:childTnLst>
-                                    <p:set>
-                                      <p:cBhvr>
-                                        <p:cTn id="41" dur="1" fill="hold">
-                                          <p:stCondLst>
-                                            <p:cond delay="0"/>
-                                          </p:stCondLst>
-                                        </p:cTn>
-                                        <p:tgtEl>
-                                          <p:spTgt spid="43"/>
-                                        </p:tgtEl>
-                                        <p:attrNameLst>
-                                          <p:attrName>style.visibility</p:attrName>
-                                        </p:attrNameLst>
-                                      </p:cBhvr>
-                                      <p:to>
-                                        <p:strVal val="visible"/>
-                                      </p:to>
-                                    </p:set>
-                                    <p:animEffect transition="in" filter="fade">
-                                      <p:cBhvr>
-                                        <p:cTn id="42" dur="500"/>
-                                        <p:tgtEl>
-                                          <p:spTgt spid="43"/>
-                                        </p:tgtEl>
-                                      </p:cBhvr>
-                                    </p:animEffect>
-                                  </p:childTnLst>
-                                </p:cTn>
-                              </p:par>
-                            </p:childTnLst>
-                          </p:cTn>
-                        </p:par>
-                      </p:childTnLst>
-                    </p:cTn>
-                  </p:par>
-                </p:childTnLst>
-              </p:cTn>
-              <p:prevCondLst>
-                <p:cond evt="onPrev" delay="0">
-                  <p:tgtEl>
-                    <p:sldTgt/>
-                  </p:tgtEl>
-                </p:cond>
-              </p:prevCondLst>
-              <p:nextCondLst>
-                <p:cond evt="onNext" delay="0">
-                  <p:tgtEl>
-                    <p:sldTgt/>
-                  </p:tgtEl>
-                </p:cond>
-              </p:nextCondLst>
-            </p:seq>
-          </p:childTnLst>
-        </p:cTn>
+        <p:cTn id="1" dur="indefinite" restart="never" nodeType="tmRoot"/>
       </p:par>
     </p:tnLst>
   </p:timing>
